--- a/Doc/电机手册讲解.pptx
+++ b/Doc/电机手册讲解.pptx
@@ -5,7 +5,7 @@
     <p:sldMasterId id="2147483648" r:id="rId1"/>
   </p:sldMasterIdLst>
   <p:notesMasterIdLst>
-    <p:notesMasterId r:id="rId20"/>
+    <p:notesMasterId r:id="rId27"/>
   </p:notesMasterIdLst>
   <p:sldIdLst>
     <p:sldId id="256" r:id="rId2"/>
@@ -22,10 +22,17 @@
     <p:sldId id="267" r:id="rId13"/>
     <p:sldId id="271" r:id="rId14"/>
     <p:sldId id="268" r:id="rId15"/>
-    <p:sldId id="270" r:id="rId16"/>
-    <p:sldId id="272" r:id="rId17"/>
-    <p:sldId id="273" r:id="rId18"/>
-    <p:sldId id="274" r:id="rId19"/>
+    <p:sldId id="279" r:id="rId16"/>
+    <p:sldId id="281" r:id="rId17"/>
+    <p:sldId id="280" r:id="rId18"/>
+    <p:sldId id="270" r:id="rId19"/>
+    <p:sldId id="272" r:id="rId20"/>
+    <p:sldId id="273" r:id="rId21"/>
+    <p:sldId id="274" r:id="rId22"/>
+    <p:sldId id="275" r:id="rId23"/>
+    <p:sldId id="276" r:id="rId24"/>
+    <p:sldId id="278" r:id="rId25"/>
+    <p:sldId id="277" r:id="rId26"/>
   </p:sldIdLst>
   <p:sldSz cx="12192000" cy="6858000"/>
   <p:notesSz cx="6858000" cy="9144000"/>
@@ -124,6 +131,11 @@
       </a:defRPr>
     </a:lvl9pPr>
   </p:defaultTextStyle>
+  <p:extLst>
+    <p:ext uri="{EFAFB233-063F-42B5-8137-9DF3F51BA10A}">
+      <p15:sldGuideLst xmlns:p15="http://schemas.microsoft.com/office/powerpoint/2012/main"/>
+    </p:ext>
+  </p:extLst>
 </p:presentation>
 </file>
 
@@ -3763,8 +3775,8 @@
           </a:p>
         </p:txBody>
       </p:sp>
-      <mc:AlternateContent xmlns:mc="http://schemas.openxmlformats.org/markup-compatibility/2006">
-        <mc:Choice xmlns:a14="http://schemas.microsoft.com/office/drawing/2010/main" Requires="a14">
+      <mc:AlternateContent xmlns:mc="http://schemas.openxmlformats.org/markup-compatibility/2006" xmlns:a14="http://schemas.microsoft.com/office/drawing/2010/main">
+        <mc:Choice Requires="a14">
           <p:sp>
             <p:nvSpPr>
               <p:cNvPr id="3" name="内容占位符 2"/>
@@ -3903,7 +3915,7 @@
             </p:txBody>
           </p:sp>
         </mc:Choice>
-        <mc:Fallback>
+        <mc:Fallback xmlns="">
           <p:sp>
             <p:nvSpPr>
               <p:cNvPr id="3" name="内容占位符 2"/>
@@ -4826,730 +4838,40 @@
             </a:pPr>
             <a:r>
               <a:rPr lang="zh-CN" altLang="en-US" dirty="0" smtClean="0"/>
-              <a:t>公式</a:t>
+              <a:t>电机运行范围</a:t>
             </a:r>
             <a:endParaRPr lang="zh-CN" altLang="en-US" dirty="0"/>
           </a:p>
         </p:txBody>
       </p:sp>
-      <mc:AlternateContent xmlns:mc="http://schemas.openxmlformats.org/markup-compatibility/2006">
-        <mc:Choice xmlns:a14="http://schemas.microsoft.com/office/drawing/2010/main" Requires="a14">
-          <p:sp>
-            <p:nvSpPr>
-              <p:cNvPr id="3" name="内容占位符 2"/>
-              <p:cNvSpPr>
-                <a:spLocks noGrp="1"/>
-              </p:cNvSpPr>
-              <p:nvPr>
-                <p:ph idx="1"/>
-              </p:nvPr>
-            </p:nvSpPr>
-            <p:spPr/>
-            <p:txBody>
-              <a:bodyPr/>
-              <a:lstStyle/>
-              <a:p>
-                <a14:m>
-                  <m:oMath xmlns:m="http://schemas.openxmlformats.org/officeDocument/2006/math">
-                    <m:sSub>
-                      <m:sSubPr>
-                        <m:ctrlPr>
-                          <a:rPr lang="zh-CN" altLang="zh-CN" i="1" smtClean="0">
-                            <a:solidFill>
-                              <a:schemeClr val="accent5">
-                                <a:lumMod val="75000"/>
-                              </a:schemeClr>
-                            </a:solidFill>
-                          </a:rPr>
-                        </m:ctrlPr>
-                      </m:sSubPr>
-                      <m:e>
-                        <m:r>
-                          <m:rPr>
-                            <m:sty m:val="p"/>
-                          </m:rPr>
-                          <a:rPr lang="en-US" altLang="zh-CN">
-                            <a:solidFill>
-                              <a:schemeClr val="accent5">
-                                <a:lumMod val="75000"/>
-                              </a:schemeClr>
-                            </a:solidFill>
-                          </a:rPr>
-                          <m:t>P</m:t>
-                        </m:r>
-                      </m:e>
-                      <m:sub>
-                        <m:r>
-                          <a:rPr lang="en-US" altLang="zh-CN" i="1">
-                            <a:solidFill>
-                              <a:schemeClr val="accent5">
-                                <a:lumMod val="75000"/>
-                              </a:schemeClr>
-                            </a:solidFill>
-                          </a:rPr>
-                          <m:t>𝑒𝑙</m:t>
-                        </m:r>
-                      </m:sub>
-                    </m:sSub>
-                    <m:r>
-                      <a:rPr lang="en-US" altLang="zh-CN" i="1">
-                        <a:solidFill>
-                          <a:schemeClr val="accent5">
-                            <a:lumMod val="75000"/>
-                          </a:schemeClr>
-                        </a:solidFill>
-                      </a:rPr>
-                      <m:t>= </m:t>
-                    </m:r>
-                    <m:sSub>
-                      <m:sSubPr>
-                        <m:ctrlPr>
-                          <a:rPr lang="zh-CN" altLang="zh-CN" i="1">
-                            <a:solidFill>
-                              <a:schemeClr val="accent5">
-                                <a:lumMod val="75000"/>
-                              </a:schemeClr>
-                            </a:solidFill>
-                          </a:rPr>
-                        </m:ctrlPr>
-                      </m:sSubPr>
-                      <m:e>
-                        <m:r>
-                          <a:rPr lang="en-US" altLang="zh-CN" i="1">
-                            <a:solidFill>
-                              <a:schemeClr val="accent5">
-                                <a:lumMod val="75000"/>
-                              </a:schemeClr>
-                            </a:solidFill>
-                          </a:rPr>
-                          <m:t>𝑃</m:t>
-                        </m:r>
-                      </m:e>
-                      <m:sub>
-                        <m:r>
-                          <a:rPr lang="en-US" altLang="zh-CN" i="1">
-                            <a:solidFill>
-                              <a:schemeClr val="accent5">
-                                <a:lumMod val="75000"/>
-                              </a:schemeClr>
-                            </a:solidFill>
-                          </a:rPr>
-                          <m:t>𝑚𝑒𝑐h</m:t>
-                        </m:r>
-                      </m:sub>
-                    </m:sSub>
-                    <m:r>
-                      <a:rPr lang="en-US" altLang="zh-CN" i="1">
-                        <a:solidFill>
-                          <a:schemeClr val="accent5">
-                            <a:lumMod val="75000"/>
-                          </a:schemeClr>
-                        </a:solidFill>
-                      </a:rPr>
-                      <m:t>+ </m:t>
-                    </m:r>
-                    <m:sSub>
-                      <m:sSubPr>
-                        <m:ctrlPr>
-                          <a:rPr lang="zh-CN" altLang="zh-CN" i="1">
-                            <a:solidFill>
-                              <a:schemeClr val="accent5">
-                                <a:lumMod val="75000"/>
-                              </a:schemeClr>
-                            </a:solidFill>
-                          </a:rPr>
-                        </m:ctrlPr>
-                      </m:sSubPr>
-                      <m:e>
-                        <m:r>
-                          <a:rPr lang="en-US" altLang="zh-CN" i="1">
-                            <a:solidFill>
-                              <a:schemeClr val="accent5">
-                                <a:lumMod val="75000"/>
-                              </a:schemeClr>
-                            </a:solidFill>
-                          </a:rPr>
-                          <m:t>𝑃</m:t>
-                        </m:r>
-                      </m:e>
-                      <m:sub>
-                        <m:r>
-                          <a:rPr lang="en-US" altLang="zh-CN" i="1">
-                            <a:solidFill>
-                              <a:schemeClr val="accent5">
-                                <a:lumMod val="75000"/>
-                              </a:schemeClr>
-                            </a:solidFill>
-                          </a:rPr>
-                          <m:t>𝐽</m:t>
-                        </m:r>
-                      </m:sub>
-                    </m:sSub>
-                  </m:oMath>
-                </a14:m>
-                <a:r>
-                  <a:rPr lang="zh-CN" altLang="en-US" dirty="0" smtClean="0">
-                    <a:solidFill>
-                      <a:schemeClr val="accent5">
-                        <a:lumMod val="75000"/>
-                      </a:schemeClr>
-                    </a:solidFill>
-                  </a:rPr>
-                  <a:t>   电能 </a:t>
-                </a:r>
-                <a:r>
-                  <a:rPr lang="en-US" altLang="zh-CN" dirty="0" smtClean="0">
-                    <a:solidFill>
-                      <a:schemeClr val="accent5">
-                        <a:lumMod val="75000"/>
-                      </a:schemeClr>
-                    </a:solidFill>
-                  </a:rPr>
-                  <a:t>= </a:t>
-                </a:r>
-                <a:r>
-                  <a:rPr lang="zh-CN" altLang="en-US" dirty="0" smtClean="0">
-                    <a:solidFill>
-                      <a:schemeClr val="accent5">
-                        <a:lumMod val="75000"/>
-                      </a:schemeClr>
-                    </a:solidFill>
-                  </a:rPr>
-                  <a:t>机械能</a:t>
-                </a:r>
-                <a:r>
-                  <a:rPr lang="en-US" altLang="zh-CN" dirty="0" smtClean="0">
-                    <a:solidFill>
-                      <a:schemeClr val="accent5">
-                        <a:lumMod val="75000"/>
-                      </a:schemeClr>
-                    </a:solidFill>
-                  </a:rPr>
-                  <a:t>+</a:t>
-                </a:r>
-                <a:r>
-                  <a:rPr lang="zh-CN" altLang="en-US" dirty="0" smtClean="0">
-                    <a:solidFill>
-                      <a:schemeClr val="accent5">
-                        <a:lumMod val="75000"/>
-                      </a:schemeClr>
-                    </a:solidFill>
-                  </a:rPr>
-                  <a:t>热能</a:t>
-                </a:r>
-                <a:endParaRPr lang="en-US" altLang="zh-CN" dirty="0" smtClean="0">
-                  <a:solidFill>
-                    <a:schemeClr val="accent5">
-                      <a:lumMod val="75000"/>
-                    </a:schemeClr>
-                  </a:solidFill>
-                </a:endParaRPr>
-              </a:p>
-              <a:p>
-                <a:r>
-                  <a:rPr lang="en-US" altLang="zh-CN" dirty="0">
-                    <a:solidFill>
-                      <a:schemeClr val="accent5">
-                        <a:lumMod val="75000"/>
-                      </a:schemeClr>
-                    </a:solidFill>
-                  </a:rPr>
-                  <a:t>U*I = </a:t>
-                </a:r>
-                <a:r>
-                  <a:rPr lang="zh-CN" altLang="zh-CN" dirty="0">
-                    <a:solidFill>
-                      <a:schemeClr val="accent5">
-                        <a:lumMod val="75000"/>
-                      </a:schemeClr>
-                    </a:solidFill>
-                  </a:rPr>
-                  <a:t>π</a:t>
-                </a:r>
-                <a:r>
-                  <a:rPr lang="en-US" altLang="zh-CN" dirty="0">
-                    <a:solidFill>
-                      <a:schemeClr val="accent5">
-                        <a:lumMod val="75000"/>
-                      </a:schemeClr>
-                    </a:solidFill>
-                  </a:rPr>
-                  <a:t>/30000*n*M + </a:t>
-                </a:r>
-                <a:r>
-                  <a:rPr lang="en-US" altLang="zh-CN" dirty="0" smtClean="0">
-                    <a:solidFill>
-                      <a:schemeClr val="accent5">
-                        <a:lumMod val="75000"/>
-                      </a:schemeClr>
-                    </a:solidFill>
-                  </a:rPr>
-                  <a:t>R*I²</a:t>
-                </a:r>
-              </a:p>
-              <a:p>
-                <a14:m>
-                  <m:oMath xmlns:m="http://schemas.openxmlformats.org/officeDocument/2006/math">
-                    <m:r>
-                      <m:rPr>
-                        <m:sty m:val="p"/>
-                      </m:rPr>
-                      <a:rPr lang="en-US" altLang="zh-CN"/>
-                      <m:t>n</m:t>
-                    </m:r>
-                    <m:r>
-                      <a:rPr lang="en-US" altLang="zh-CN"/>
-                      <m:t>= </m:t>
-                    </m:r>
-                    <m:sSub>
-                      <m:sSubPr>
-                        <m:ctrlPr>
-                          <a:rPr lang="zh-CN" altLang="zh-CN" i="1"/>
-                        </m:ctrlPr>
-                      </m:sSubPr>
-                      <m:e>
-                        <m:r>
-                          <a:rPr lang="en-US" altLang="zh-CN" i="1"/>
-                          <m:t>𝐾</m:t>
-                        </m:r>
-                      </m:e>
-                      <m:sub>
-                        <m:r>
-                          <a:rPr lang="en-US" altLang="zh-CN" i="1"/>
-                          <m:t>𝑛</m:t>
-                        </m:r>
-                      </m:sub>
-                    </m:sSub>
-                    <m:r>
-                      <a:rPr lang="en-US" altLang="zh-CN" i="1"/>
-                      <m:t>∗</m:t>
-                    </m:r>
-                    <m:r>
-                      <a:rPr lang="en-US" altLang="zh-CN" i="1"/>
-                      <m:t>𝑈</m:t>
-                    </m:r>
-                  </m:oMath>
-                </a14:m>
-                <a:r>
-                  <a:rPr lang="en-US" altLang="zh-CN" dirty="0"/>
-                  <a:t> </a:t>
-                </a:r>
-                <a:endParaRPr lang="zh-CN" altLang="zh-CN" dirty="0"/>
-              </a:p>
-              <a:p>
-                <a14:m>
-                  <m:oMath xmlns:m="http://schemas.openxmlformats.org/officeDocument/2006/math">
-                    <m:r>
-                      <m:rPr>
-                        <m:sty m:val="p"/>
-                      </m:rPr>
-                      <a:rPr lang="en-US" altLang="zh-CN"/>
-                      <m:t>M</m:t>
-                    </m:r>
-                    <m:r>
-                      <a:rPr lang="en-US" altLang="zh-CN"/>
-                      <m:t>= </m:t>
-                    </m:r>
-                    <m:sSub>
-                      <m:sSubPr>
-                        <m:ctrlPr>
-                          <a:rPr lang="zh-CN" altLang="zh-CN" i="1"/>
-                        </m:ctrlPr>
-                      </m:sSubPr>
-                      <m:e>
-                        <m:r>
-                          <a:rPr lang="en-US" altLang="zh-CN" i="1"/>
-                          <m:t>𝐾</m:t>
-                        </m:r>
-                      </m:e>
-                      <m:sub>
-                        <m:r>
-                          <a:rPr lang="en-US" altLang="zh-CN" i="1"/>
-                          <m:t>𝑚</m:t>
-                        </m:r>
-                      </m:sub>
-                    </m:sSub>
-                    <m:r>
-                      <a:rPr lang="en-US" altLang="zh-CN" i="1"/>
-                      <m:t>∗</m:t>
-                    </m:r>
-                    <m:r>
-                      <a:rPr lang="en-US" altLang="zh-CN" i="1"/>
-                      <m:t>𝐼</m:t>
-                    </m:r>
-                  </m:oMath>
-                </a14:m>
-                <a:r>
-                  <a:rPr lang="en-US" altLang="zh-CN" dirty="0"/>
-                  <a:t> </a:t>
-                </a:r>
-                <a:endParaRPr lang="zh-CN" altLang="zh-CN" dirty="0"/>
-              </a:p>
-              <a:p>
-                <a14:m>
-                  <m:oMath xmlns:m="http://schemas.openxmlformats.org/officeDocument/2006/math">
-                    <m:sSub>
-                      <m:sSubPr>
-                        <m:ctrlPr>
-                          <a:rPr lang="zh-CN" altLang="zh-CN" i="1"/>
-                        </m:ctrlPr>
-                      </m:sSubPr>
-                      <m:e>
-                        <m:r>
-                          <a:rPr lang="en-US" altLang="zh-CN" i="1"/>
-                          <m:t>𝐾</m:t>
-                        </m:r>
-                      </m:e>
-                      <m:sub>
-                        <m:r>
-                          <a:rPr lang="en-US" altLang="zh-CN" i="1"/>
-                          <m:t>𝑛</m:t>
-                        </m:r>
-                      </m:sub>
-                    </m:sSub>
-                    <m:r>
-                      <a:rPr lang="en-US" altLang="zh-CN" i="1"/>
-                      <m:t>∗</m:t>
-                    </m:r>
-                    <m:sSub>
-                      <m:sSubPr>
-                        <m:ctrlPr>
-                          <a:rPr lang="zh-CN" altLang="zh-CN" i="1"/>
-                        </m:ctrlPr>
-                      </m:sSubPr>
-                      <m:e>
-                        <m:r>
-                          <a:rPr lang="en-US" altLang="zh-CN" i="1"/>
-                          <m:t>𝐾</m:t>
-                        </m:r>
-                      </m:e>
-                      <m:sub>
-                        <m:r>
-                          <a:rPr lang="en-US" altLang="zh-CN" i="1"/>
-                          <m:t>𝑚</m:t>
-                        </m:r>
-                      </m:sub>
-                    </m:sSub>
-                    <m:r>
-                      <a:rPr lang="en-US" altLang="zh-CN" i="1"/>
-                      <m:t>=</m:t>
-                    </m:r>
-                    <m:f>
-                      <m:fPr>
-                        <m:ctrlPr>
-                          <a:rPr lang="zh-CN" altLang="zh-CN" i="1"/>
-                        </m:ctrlPr>
-                      </m:fPr>
-                      <m:num>
-                        <m:r>
-                          <a:rPr lang="en-US" altLang="zh-CN" i="1"/>
-                          <m:t>30000</m:t>
-                        </m:r>
-                      </m:num>
-                      <m:den>
-                        <m:r>
-                          <m:rPr>
-                            <m:sty m:val="p"/>
-                          </m:rPr>
-                          <a:rPr lang="en-US" altLang="zh-CN"/>
-                          <m:t>π</m:t>
-                        </m:r>
-                      </m:den>
-                    </m:f>
-                  </m:oMath>
-                </a14:m>
-                <a:r>
-                  <a:rPr lang="en-US" altLang="zh-CN" dirty="0"/>
-                  <a:t> </a:t>
-                </a:r>
-                <a:endParaRPr lang="zh-CN" altLang="zh-CN" dirty="0"/>
-              </a:p>
-              <a:p>
-                <a:r>
-                  <a:rPr lang="en-US" altLang="zh-CN" dirty="0" smtClean="0">
-                    <a:solidFill>
-                      <a:schemeClr val="accent5">
-                        <a:lumMod val="75000"/>
-                      </a:schemeClr>
-                    </a:solidFill>
-                  </a:rPr>
-                  <a:t>n = </a:t>
-                </a:r>
-                <a14:m>
-                  <m:oMath xmlns:m="http://schemas.openxmlformats.org/officeDocument/2006/math">
-                    <m:sSub>
-                      <m:sSubPr>
-                        <m:ctrlPr>
-                          <a:rPr lang="zh-CN" altLang="zh-CN" i="1">
-                            <a:solidFill>
-                              <a:schemeClr val="accent5">
-                                <a:lumMod val="75000"/>
-                              </a:schemeClr>
-                            </a:solidFill>
-                          </a:rPr>
-                        </m:ctrlPr>
-                      </m:sSubPr>
-                      <m:e>
-                        <m:r>
-                          <a:rPr lang="en-US" altLang="zh-CN" i="1">
-                            <a:solidFill>
-                              <a:schemeClr val="accent5">
-                                <a:lumMod val="75000"/>
-                              </a:schemeClr>
-                            </a:solidFill>
-                          </a:rPr>
-                          <m:t>𝐾</m:t>
-                        </m:r>
-                      </m:e>
-                      <m:sub>
-                        <m:r>
-                          <a:rPr lang="en-US" altLang="zh-CN" i="1">
-                            <a:solidFill>
-                              <a:schemeClr val="accent5">
-                                <a:lumMod val="75000"/>
-                              </a:schemeClr>
-                            </a:solidFill>
-                          </a:rPr>
-                          <m:t>𝑛</m:t>
-                        </m:r>
-                      </m:sub>
-                    </m:sSub>
-                    <m:r>
-                      <a:rPr lang="en-US" altLang="zh-CN" i="1">
-                        <a:solidFill>
-                          <a:schemeClr val="accent5">
-                            <a:lumMod val="75000"/>
-                          </a:schemeClr>
-                        </a:solidFill>
-                      </a:rPr>
-                      <m:t>∗</m:t>
-                    </m:r>
-                    <m:r>
-                      <a:rPr lang="en-US" altLang="zh-CN" i="1">
-                        <a:solidFill>
-                          <a:schemeClr val="accent5">
-                            <a:lumMod val="75000"/>
-                          </a:schemeClr>
-                        </a:solidFill>
-                      </a:rPr>
-                      <m:t>𝑈</m:t>
-                    </m:r>
-                    <m:r>
-                      <a:rPr lang="en-US" altLang="zh-CN" i="1">
-                        <a:solidFill>
-                          <a:schemeClr val="accent5">
-                            <a:lumMod val="75000"/>
-                          </a:schemeClr>
-                        </a:solidFill>
-                      </a:rPr>
-                      <m:t>−</m:t>
-                    </m:r>
-                    <m:f>
-                      <m:fPr>
-                        <m:ctrlPr>
-                          <a:rPr lang="zh-CN" altLang="zh-CN" i="1">
-                            <a:solidFill>
-                              <a:schemeClr val="accent5">
-                                <a:lumMod val="75000"/>
-                              </a:schemeClr>
-                            </a:solidFill>
-                          </a:rPr>
-                        </m:ctrlPr>
-                      </m:fPr>
-                      <m:num>
-                        <m:r>
-                          <a:rPr lang="en-US" altLang="zh-CN" i="1">
-                            <a:solidFill>
-                              <a:schemeClr val="accent5">
-                                <a:lumMod val="75000"/>
-                              </a:schemeClr>
-                            </a:solidFill>
-                          </a:rPr>
-                          <m:t>30000</m:t>
-                        </m:r>
-                      </m:num>
-                      <m:den>
-                        <m:r>
-                          <m:rPr>
-                            <m:sty m:val="p"/>
-                          </m:rPr>
-                          <a:rPr lang="en-US" altLang="zh-CN">
-                            <a:solidFill>
-                              <a:schemeClr val="accent5">
-                                <a:lumMod val="75000"/>
-                              </a:schemeClr>
-                            </a:solidFill>
-                          </a:rPr>
-                          <m:t>π</m:t>
-                        </m:r>
-                      </m:den>
-                    </m:f>
-                    <m:r>
-                      <a:rPr lang="en-US" altLang="zh-CN" i="1">
-                        <a:solidFill>
-                          <a:schemeClr val="accent5">
-                            <a:lumMod val="75000"/>
-                          </a:schemeClr>
-                        </a:solidFill>
-                      </a:rPr>
-                      <m:t>∗</m:t>
-                    </m:r>
-                    <m:f>
-                      <m:fPr>
-                        <m:ctrlPr>
-                          <a:rPr lang="zh-CN" altLang="zh-CN" i="1">
-                            <a:solidFill>
-                              <a:schemeClr val="accent5">
-                                <a:lumMod val="75000"/>
-                              </a:schemeClr>
-                            </a:solidFill>
-                          </a:rPr>
-                        </m:ctrlPr>
-                      </m:fPr>
-                      <m:num>
-                        <m:r>
-                          <a:rPr lang="en-US" altLang="zh-CN" i="1">
-                            <a:solidFill>
-                              <a:schemeClr val="accent5">
-                                <a:lumMod val="75000"/>
-                              </a:schemeClr>
-                            </a:solidFill>
-                          </a:rPr>
-                          <m:t>𝑅</m:t>
-                        </m:r>
-                      </m:num>
-                      <m:den>
-                        <m:sSubSup>
-                          <m:sSubSupPr>
-                            <m:ctrlPr>
-                              <a:rPr lang="zh-CN" altLang="zh-CN" i="1">
-                                <a:solidFill>
-                                  <a:schemeClr val="accent5">
-                                    <a:lumMod val="75000"/>
-                                  </a:schemeClr>
-                                </a:solidFill>
-                              </a:rPr>
-                            </m:ctrlPr>
-                          </m:sSubSupPr>
-                          <m:e>
-                            <m:r>
-                              <a:rPr lang="en-US" altLang="zh-CN" i="1">
-                                <a:solidFill>
-                                  <a:schemeClr val="accent5">
-                                    <a:lumMod val="75000"/>
-                                  </a:schemeClr>
-                                </a:solidFill>
-                              </a:rPr>
-                              <m:t>𝐾</m:t>
-                            </m:r>
-                          </m:e>
-                          <m:sub>
-                            <m:r>
-                              <a:rPr lang="en-US" altLang="zh-CN" i="1">
-                                <a:solidFill>
-                                  <a:schemeClr val="accent5">
-                                    <a:lumMod val="75000"/>
-                                  </a:schemeClr>
-                                </a:solidFill>
-                              </a:rPr>
-                              <m:t>𝑚</m:t>
-                            </m:r>
-                          </m:sub>
-                          <m:sup>
-                            <m:r>
-                              <a:rPr lang="en-US" altLang="zh-CN">
-                                <a:solidFill>
-                                  <a:schemeClr val="accent5">
-                                    <a:lumMod val="75000"/>
-                                  </a:schemeClr>
-                                </a:solidFill>
-                              </a:rPr>
-                              <m:t>2</m:t>
-                            </m:r>
-                          </m:sup>
-                        </m:sSubSup>
-                      </m:den>
-                    </m:f>
-                    <m:r>
-                      <a:rPr lang="en-US" altLang="zh-CN" i="1">
-                        <a:solidFill>
-                          <a:schemeClr val="accent5">
-                            <a:lumMod val="75000"/>
-                          </a:schemeClr>
-                        </a:solidFill>
-                      </a:rPr>
-                      <m:t>∗</m:t>
-                    </m:r>
-                    <m:r>
-                      <a:rPr lang="en-US" altLang="zh-CN" i="1">
-                        <a:solidFill>
-                          <a:schemeClr val="accent5">
-                            <a:lumMod val="75000"/>
-                          </a:schemeClr>
-                        </a:solidFill>
-                      </a:rPr>
-                      <m:t>𝑀</m:t>
-                    </m:r>
-                  </m:oMath>
-                </a14:m>
-                <a:r>
-                  <a:rPr lang="en-US" altLang="zh-CN" dirty="0">
-                    <a:solidFill>
-                      <a:schemeClr val="accent5">
-                        <a:lumMod val="75000"/>
-                      </a:schemeClr>
-                    </a:solidFill>
-                  </a:rPr>
-                  <a:t> </a:t>
-                </a:r>
-                <a:endParaRPr lang="zh-CN" altLang="zh-CN" dirty="0">
-                  <a:solidFill>
-                    <a:schemeClr val="accent5">
-                      <a:lumMod val="75000"/>
-                    </a:schemeClr>
-                  </a:solidFill>
-                </a:endParaRPr>
-              </a:p>
-              <a:p>
-                <a:endParaRPr lang="zh-CN" altLang="en-US" dirty="0"/>
-              </a:p>
-            </p:txBody>
-          </p:sp>
-        </mc:Choice>
-        <mc:Fallback>
-          <p:sp>
-            <p:nvSpPr>
-              <p:cNvPr id="3" name="内容占位符 2"/>
-              <p:cNvSpPr>
-                <a:spLocks noGrp="1" noRot="1" noChangeAspect="1" noMove="1" noResize="1" noEditPoints="1" noAdjustHandles="1" noChangeArrowheads="1" noChangeShapeType="1" noTextEdit="1"/>
-              </p:cNvSpPr>
-              <p:nvPr>
-                <p:ph idx="1"/>
-              </p:nvPr>
-            </p:nvSpPr>
-            <p:spPr>
-              <a:blipFill rotWithShape="0">
-                <a:blip r:embed="rId2"/>
-                <a:stretch>
-                  <a:fillRect l="-1043" t="-2661"/>
-                </a:stretch>
-              </a:blipFill>
-            </p:spPr>
-            <p:txBody>
-              <a:bodyPr/>
-              <a:lstStyle/>
-              <a:p>
-                <a:r>
-                  <a:rPr lang="zh-CN" altLang="en-US">
-                    <a:noFill/>
-                  </a:rPr>
-                  <a:t> </a:t>
-                </a:r>
-              </a:p>
-            </p:txBody>
-          </p:sp>
-        </mc:Fallback>
-      </mc:AlternateContent>
+      <p:sp>
+        <p:nvSpPr>
+          <p:cNvPr id="3" name="内容占位符 2"/>
+          <p:cNvSpPr>
+            <a:spLocks noGrp="1"/>
+          </p:cNvSpPr>
+          <p:nvPr>
+            <p:ph idx="1"/>
+          </p:nvPr>
+        </p:nvSpPr>
+        <p:spPr>
+          <a:xfrm>
+            <a:off x="838200" y="1825625"/>
+            <a:ext cx="4566138" cy="4351338"/>
+          </a:xfrm>
+        </p:spPr>
+        <p:txBody>
+          <a:bodyPr/>
+          <a:lstStyle/>
+          <a:p>
+            <a:r>
+              <a:rPr lang="zh-CN" altLang="en-US" dirty="0" smtClean="0"/>
+              <a:t>热</a:t>
+            </a:r>
+            <a:endParaRPr lang="zh-CN" altLang="en-US" dirty="0"/>
+          </a:p>
+        </p:txBody>
+      </p:sp>
       <p:sp>
         <p:nvSpPr>
           <p:cNvPr id="4" name="日期占位符 3"/>
@@ -5567,7 +4889,7 @@
           <a:p>
             <a:fld id="{09AB9B90-079F-4C02-96FD-F237FBA298D6}" type="datetime1">
               <a:rPr lang="zh-CN" altLang="en-US" smtClean="0"/>
-              <a:t>2016/10/8</a:t>
+              <a:t>2016/10/9</a:t>
             </a:fld>
             <a:endParaRPr lang="zh-CN" altLang="en-US"/>
           </a:p>
@@ -5619,10 +4941,194 @@
           </a:p>
         </p:txBody>
       </p:sp>
+      <p:pic>
+        <p:nvPicPr>
+          <p:cNvPr id="8" name="图片 7"/>
+          <p:cNvPicPr>
+            <a:picLocks noChangeAspect="1"/>
+          </p:cNvPicPr>
+          <p:nvPr/>
+        </p:nvPicPr>
+        <p:blipFill>
+          <a:blip r:embed="rId3"/>
+          <a:stretch>
+            <a:fillRect/>
+          </a:stretch>
+        </p:blipFill>
+        <p:spPr>
+          <a:xfrm>
+            <a:off x="1017988" y="2327271"/>
+            <a:ext cx="4386350" cy="3396229"/>
+          </a:xfrm>
+          <a:prstGeom prst="rect">
+            <a:avLst/>
+          </a:prstGeom>
+        </p:spPr>
+      </p:pic>
+      <p:sp>
+        <p:nvSpPr>
+          <p:cNvPr id="10" name="文本框 9"/>
+          <p:cNvSpPr txBox="1"/>
+          <p:nvPr/>
+        </p:nvSpPr>
+        <p:spPr>
+          <a:xfrm>
+            <a:off x="2209800" y="5730196"/>
+            <a:ext cx="1116623" cy="369332"/>
+          </a:xfrm>
+          <a:prstGeom prst="rect">
+            <a:avLst/>
+          </a:prstGeom>
+          <a:noFill/>
+        </p:spPr>
+        <p:txBody>
+          <a:bodyPr wrap="square" rtlCol="0">
+            <a:spAutoFit/>
+          </a:bodyPr>
+          <a:lstStyle/>
+          <a:p>
+            <a:r>
+              <a:rPr lang="zh-CN" altLang="en-US" dirty="0" smtClean="0"/>
+              <a:t>发热</a:t>
+            </a:r>
+            <a:endParaRPr lang="zh-CN" altLang="en-US" dirty="0"/>
+          </a:p>
+        </p:txBody>
+      </p:sp>
+      <p:sp>
+        <p:nvSpPr>
+          <p:cNvPr id="19" name="Rectangle 10"/>
+          <p:cNvSpPr>
+            <a:spLocks noChangeArrowheads="1"/>
+          </p:cNvSpPr>
+          <p:nvPr/>
+        </p:nvSpPr>
+        <p:spPr bwMode="auto">
+          <a:xfrm>
+            <a:off x="0" y="0"/>
+            <a:ext cx="12192000" cy="0"/>
+          </a:xfrm>
+          <a:prstGeom prst="rect">
+            <a:avLst/>
+          </a:prstGeom>
+          <a:noFill/>
+          <a:ln>
+            <a:noFill/>
+          </a:ln>
+          <a:effectLst/>
+          <a:extLst>
+            <a:ext uri="{909E8E84-426E-40DD-AFC4-6F175D3DCCD1}">
+              <a14:hiddenFill xmlns:a14="http://schemas.microsoft.com/office/drawing/2010/main">
+                <a:solidFill>
+                  <a:schemeClr val="accent1"/>
+                </a:solidFill>
+              </a14:hiddenFill>
+            </a:ext>
+            <a:ext uri="{91240B29-F687-4F45-9708-019B960494DF}">
+              <a14:hiddenLine xmlns:a14="http://schemas.microsoft.com/office/drawing/2010/main" w="9525">
+                <a:solidFill>
+                  <a:schemeClr val="tx1"/>
+                </a:solidFill>
+                <a:miter lim="800000"/>
+                <a:headEnd/>
+                <a:tailEnd/>
+              </a14:hiddenLine>
+            </a:ext>
+            <a:ext uri="{AF507438-7753-43E0-B8FC-AC1667EBCBE1}">
+              <a14:hiddenEffects xmlns:a14="http://schemas.microsoft.com/office/drawing/2010/main">
+                <a:effectLst>
+                  <a:outerShdw dist="35921" dir="2700000" algn="ctr" rotWithShape="0">
+                    <a:schemeClr val="bg2"/>
+                  </a:outerShdw>
+                </a:effectLst>
+              </a14:hiddenEffects>
+            </a:ext>
+          </a:extLst>
+        </p:spPr>
+        <p:txBody>
+          <a:bodyPr vert="horz" wrap="square" lIns="91440" tIns="45720" rIns="91440" bIns="45720" numCol="1" anchor="ctr" anchorCtr="0" compatLnSpc="1">
+            <a:prstTxWarp prst="textNoShape">
+              <a:avLst/>
+            </a:prstTxWarp>
+            <a:spAutoFit/>
+          </a:bodyPr>
+          <a:lstStyle/>
+          <a:p>
+            <a:endParaRPr lang="zh-CN" altLang="en-US"/>
+          </a:p>
+        </p:txBody>
+      </p:sp>
+      <p:graphicFrame>
+        <p:nvGraphicFramePr>
+          <p:cNvPr id="20" name="对象 19"/>
+          <p:cNvGraphicFramePr>
+            <a:graphicFrameLocks noChangeAspect="1"/>
+          </p:cNvGraphicFramePr>
+          <p:nvPr>
+            <p:extLst>
+              <p:ext uri="{D42A27DB-BD31-4B8C-83A1-F6EECF244321}">
+                <p14:modId xmlns:p14="http://schemas.microsoft.com/office/powerpoint/2010/main" val="3208549200"/>
+              </p:ext>
+            </p:extLst>
+          </p:nvPr>
+        </p:nvGraphicFramePr>
+        <p:xfrm>
+          <a:off x="5584126" y="3070852"/>
+          <a:ext cx="5744759" cy="1349969"/>
+        </p:xfrm>
+        <a:graphic>
+          <a:graphicData uri="http://schemas.openxmlformats.org/presentationml/2006/ole">
+            <mc:AlternateContent xmlns:mc="http://schemas.openxmlformats.org/markup-compatibility/2006">
+              <mc:Choice xmlns:v="urn:schemas-microsoft-com:vml" Requires="v">
+                <p:oleObj spid="_x0000_s1040" name="公式" r:id="rId4" imgW="1854200" imgH="431800" progId="Equation.3">
+                  <p:embed/>
+                </p:oleObj>
+              </mc:Choice>
+              <mc:Fallback>
+                <p:oleObj name="公式" r:id="rId4" imgW="1854200" imgH="431800" progId="Equation.3">
+                  <p:embed/>
+                  <p:pic>
+                    <p:nvPicPr>
+                      <p:cNvPr id="0" name="Object 9"/>
+                      <p:cNvPicPr>
+                        <a:picLocks noChangeAspect="1" noChangeArrowheads="1"/>
+                      </p:cNvPicPr>
+                      <p:nvPr/>
+                    </p:nvPicPr>
+                    <p:blipFill>
+                      <a:blip r:embed="rId5">
+                        <a:extLst>
+                          <a:ext uri="{28A0092B-C50C-407E-A947-70E740481C1C}">
+                            <a14:useLocalDpi xmlns:a14="http://schemas.microsoft.com/office/drawing/2010/main" val="0"/>
+                          </a:ext>
+                        </a:extLst>
+                      </a:blip>
+                      <a:srcRect/>
+                      <a:stretch>
+                        <a:fillRect/>
+                      </a:stretch>
+                    </p:blipFill>
+                    <p:spPr bwMode="auto">
+                      <a:xfrm>
+                        <a:off x="5584126" y="3070852"/>
+                        <a:ext cx="5744759" cy="1349969"/>
+                      </a:xfrm>
+                      <a:prstGeom prst="rect">
+                        <a:avLst/>
+                      </a:prstGeom>
+                      <a:noFill/>
+                    </p:spPr>
+                  </p:pic>
+                </p:oleObj>
+              </mc:Fallback>
+            </mc:AlternateContent>
+          </a:graphicData>
+        </a:graphic>
+      </p:graphicFrame>
     </p:spTree>
     <p:extLst>
       <p:ext uri="{BB962C8B-B14F-4D97-AF65-F5344CB8AC3E}">
-        <p14:creationId xmlns:p14="http://schemas.microsoft.com/office/powerpoint/2010/main" val="1125100505"/>
+        <p14:creationId xmlns:p14="http://schemas.microsoft.com/office/powerpoint/2010/main" val="190921758"/>
       </p:ext>
     </p:extLst>
   </p:cSld>
@@ -5677,1156 +5183,40 @@
             </a:pPr>
             <a:r>
               <a:rPr lang="zh-CN" altLang="en-US" dirty="0" smtClean="0"/>
-              <a:t>公式</a:t>
+              <a:t>电机运行范围</a:t>
             </a:r>
             <a:endParaRPr lang="zh-CN" altLang="en-US" dirty="0"/>
           </a:p>
         </p:txBody>
       </p:sp>
-      <mc:AlternateContent xmlns:mc="http://schemas.openxmlformats.org/markup-compatibility/2006">
-        <mc:Choice xmlns:a14="http://schemas.microsoft.com/office/drawing/2010/main" Requires="a14">
-          <p:sp>
-            <p:nvSpPr>
-              <p:cNvPr id="3" name="内容占位符 2"/>
-              <p:cNvSpPr>
-                <a:spLocks noGrp="1"/>
-              </p:cNvSpPr>
-              <p:nvPr>
-                <p:ph idx="1"/>
-              </p:nvPr>
-            </p:nvSpPr>
-            <p:spPr/>
-            <p:txBody>
-              <a:bodyPr/>
-              <a:lstStyle/>
-              <a:p>
-                <a14:m>
-                  <m:oMath xmlns:m="http://schemas.openxmlformats.org/officeDocument/2006/math">
-                    <m:sSub>
-                      <m:sSubPr>
-                        <m:ctrlPr>
-                          <a:rPr lang="zh-CN" altLang="zh-CN" i="1"/>
-                        </m:ctrlPr>
-                      </m:sSubPr>
-                      <m:e>
-                        <m:r>
-                          <a:rPr lang="en-US" altLang="zh-CN" i="1"/>
-                          <m:t>𝑀</m:t>
-                        </m:r>
-                      </m:e>
-                      <m:sub>
-                        <m:r>
-                          <m:rPr>
-                            <m:sty m:val="p"/>
-                          </m:rPr>
-                          <a:rPr lang="en-US" altLang="zh-CN"/>
-                          <m:t>R</m:t>
-                        </m:r>
-                      </m:sub>
-                    </m:sSub>
-                    <m:r>
-                      <a:rPr lang="en-US" altLang="zh-CN" i="1"/>
-                      <m:t>= </m:t>
-                    </m:r>
-                    <m:sSub>
-                      <m:sSubPr>
-                        <m:ctrlPr>
-                          <a:rPr lang="zh-CN" altLang="zh-CN" i="1"/>
-                        </m:ctrlPr>
-                      </m:sSubPr>
-                      <m:e>
-                        <m:r>
-                          <a:rPr lang="en-US" altLang="zh-CN" i="1"/>
-                          <m:t>𝐾</m:t>
-                        </m:r>
-                      </m:e>
-                      <m:sub>
-                        <m:r>
-                          <a:rPr lang="en-US" altLang="zh-CN" i="1"/>
-                          <m:t>𝑚</m:t>
-                        </m:r>
-                      </m:sub>
-                    </m:sSub>
-                    <m:r>
-                      <a:rPr lang="en-US" altLang="zh-CN" i="1"/>
-                      <m:t>∗</m:t>
-                    </m:r>
-                    <m:sSub>
-                      <m:sSubPr>
-                        <m:ctrlPr>
-                          <a:rPr lang="zh-CN" altLang="zh-CN" i="1"/>
-                        </m:ctrlPr>
-                      </m:sSubPr>
-                      <m:e>
-                        <m:r>
-                          <a:rPr lang="en-US" altLang="zh-CN" i="1"/>
-                          <m:t>𝐼</m:t>
-                        </m:r>
-                      </m:e>
-                      <m:sub>
-                        <m:r>
-                          <a:rPr lang="en-US" altLang="zh-CN" i="1"/>
-                          <m:t>0</m:t>
-                        </m:r>
-                      </m:sub>
-                    </m:sSub>
-                  </m:oMath>
-                </a14:m>
-                <a:endParaRPr lang="zh-CN" altLang="zh-CN" dirty="0"/>
-              </a:p>
-              <a:p>
-                <a14:m>
-                  <m:oMath xmlns:m="http://schemas.openxmlformats.org/officeDocument/2006/math">
-                    <m:sSub>
-                      <m:sSubPr>
-                        <m:ctrlPr>
-                          <a:rPr lang="zh-CN" altLang="zh-CN" i="1" smtClean="0"/>
-                        </m:ctrlPr>
-                      </m:sSubPr>
-                      <m:e>
-                        <m:r>
-                          <a:rPr lang="en-US" altLang="zh-CN" i="1"/>
-                          <m:t>𝑀</m:t>
-                        </m:r>
-                      </m:e>
-                      <m:sub>
-                        <m:r>
-                          <m:rPr>
-                            <m:sty m:val="p"/>
-                          </m:rPr>
-                          <a:rPr lang="en-US" altLang="zh-CN"/>
-                          <m:t>H</m:t>
-                        </m:r>
-                      </m:sub>
-                    </m:sSub>
-                    <m:r>
-                      <a:rPr lang="en-US" altLang="zh-CN" i="1"/>
-                      <m:t>= </m:t>
-                    </m:r>
-                    <m:sSub>
-                      <m:sSubPr>
-                        <m:ctrlPr>
-                          <a:rPr lang="zh-CN" altLang="zh-CN" i="1"/>
-                        </m:ctrlPr>
-                      </m:sSubPr>
-                      <m:e>
-                        <m:r>
-                          <a:rPr lang="en-US" altLang="zh-CN" i="1"/>
-                          <m:t>𝐾</m:t>
-                        </m:r>
-                      </m:e>
-                      <m:sub>
-                        <m:r>
-                          <a:rPr lang="en-US" altLang="zh-CN" i="1"/>
-                          <m:t>𝑚</m:t>
-                        </m:r>
-                      </m:sub>
-                    </m:sSub>
-                    <m:r>
-                      <a:rPr lang="en-US" altLang="zh-CN" i="1"/>
-                      <m:t>∗</m:t>
-                    </m:r>
-                    <m:sSub>
-                      <m:sSubPr>
-                        <m:ctrlPr>
-                          <a:rPr lang="zh-CN" altLang="zh-CN" i="1"/>
-                        </m:ctrlPr>
-                      </m:sSubPr>
-                      <m:e>
-                        <m:r>
-                          <a:rPr lang="en-US" altLang="zh-CN" i="1"/>
-                          <m:t>𝐼</m:t>
-                        </m:r>
-                      </m:e>
-                      <m:sub>
-                        <m:r>
-                          <a:rPr lang="en-US" altLang="zh-CN" i="1"/>
-                          <m:t>𝐴</m:t>
-                        </m:r>
-                      </m:sub>
-                    </m:sSub>
-                  </m:oMath>
-                </a14:m>
-                <a:endParaRPr lang="zh-CN" altLang="zh-CN" dirty="0"/>
-              </a:p>
-              <a:p>
-                <a14:m>
-                  <m:oMath xmlns:m="http://schemas.openxmlformats.org/officeDocument/2006/math">
-                    <m:r>
-                      <m:rPr>
-                        <m:sty m:val="p"/>
-                      </m:rPr>
-                      <a:rPr lang="en-US" altLang="zh-CN" smtClean="0">
-                        <a:solidFill>
-                          <a:schemeClr val="accent5">
-                            <a:lumMod val="75000"/>
-                          </a:schemeClr>
-                        </a:solidFill>
-                      </a:rPr>
-                      <m:t>η</m:t>
-                    </m:r>
-                    <m:r>
-                      <a:rPr lang="en-US" altLang="zh-CN" i="1">
-                        <a:solidFill>
-                          <a:schemeClr val="accent5">
-                            <a:lumMod val="75000"/>
-                          </a:schemeClr>
-                        </a:solidFill>
-                      </a:rPr>
-                      <m:t>= </m:t>
-                    </m:r>
-                    <m:f>
-                      <m:fPr>
-                        <m:ctrlPr>
-                          <a:rPr lang="zh-CN" altLang="zh-CN" i="1">
-                            <a:solidFill>
-                              <a:schemeClr val="accent5">
-                                <a:lumMod val="75000"/>
-                              </a:schemeClr>
-                            </a:solidFill>
-                          </a:rPr>
-                        </m:ctrlPr>
-                      </m:fPr>
-                      <m:num>
-                        <m:r>
-                          <a:rPr lang="en-US" altLang="zh-CN" i="1">
-                            <a:solidFill>
-                              <a:schemeClr val="accent5">
-                                <a:lumMod val="75000"/>
-                              </a:schemeClr>
-                            </a:solidFill>
-                          </a:rPr>
-                          <m:t>30000</m:t>
-                        </m:r>
-                      </m:num>
-                      <m:den>
-                        <m:r>
-                          <m:rPr>
-                            <m:sty m:val="p"/>
-                          </m:rPr>
-                          <a:rPr lang="en-US" altLang="zh-CN">
-                            <a:solidFill>
-                              <a:schemeClr val="accent5">
-                                <a:lumMod val="75000"/>
-                              </a:schemeClr>
-                            </a:solidFill>
-                          </a:rPr>
-                          <m:t>π</m:t>
-                        </m:r>
-                      </m:den>
-                    </m:f>
-                    <m:r>
-                      <a:rPr lang="en-US" altLang="zh-CN" i="1">
-                        <a:solidFill>
-                          <a:schemeClr val="accent5">
-                            <a:lumMod val="75000"/>
-                          </a:schemeClr>
-                        </a:solidFill>
-                      </a:rPr>
-                      <m:t>∗</m:t>
-                    </m:r>
-                    <m:f>
-                      <m:fPr>
-                        <m:ctrlPr>
-                          <a:rPr lang="zh-CN" altLang="zh-CN" i="1">
-                            <a:solidFill>
-                              <a:schemeClr val="accent5">
-                                <a:lumMod val="75000"/>
-                              </a:schemeClr>
-                            </a:solidFill>
-                          </a:rPr>
-                        </m:ctrlPr>
-                      </m:fPr>
-                      <m:num>
-                        <m:r>
-                          <a:rPr lang="en-US" altLang="zh-CN" i="1">
-                            <a:solidFill>
-                              <a:schemeClr val="accent5">
-                                <a:lumMod val="75000"/>
-                              </a:schemeClr>
-                            </a:solidFill>
-                          </a:rPr>
-                          <m:t>𝑛</m:t>
-                        </m:r>
-                        <m:r>
-                          <a:rPr lang="en-US" altLang="zh-CN" i="1">
-                            <a:solidFill>
-                              <a:schemeClr val="accent5">
-                                <a:lumMod val="75000"/>
-                              </a:schemeClr>
-                            </a:solidFill>
-                          </a:rPr>
-                          <m:t>∗</m:t>
-                        </m:r>
-                        <m:r>
-                          <a:rPr lang="zh-CN" altLang="zh-CN">
-                            <a:solidFill>
-                              <a:schemeClr val="accent5">
-                                <a:lumMod val="75000"/>
-                              </a:schemeClr>
-                            </a:solidFill>
-                          </a:rPr>
-                          <m:t>（</m:t>
-                        </m:r>
-                        <m:r>
-                          <m:rPr>
-                            <m:sty m:val="p"/>
-                          </m:rPr>
-                          <a:rPr lang="en-US" altLang="zh-CN">
-                            <a:solidFill>
-                              <a:schemeClr val="accent5">
-                                <a:lumMod val="75000"/>
-                              </a:schemeClr>
-                            </a:solidFill>
-                          </a:rPr>
-                          <m:t>M</m:t>
-                        </m:r>
-                        <m:r>
-                          <a:rPr lang="en-US" altLang="zh-CN" i="1">
-                            <a:solidFill>
-                              <a:schemeClr val="accent5">
-                                <a:lumMod val="75000"/>
-                              </a:schemeClr>
-                            </a:solidFill>
-                          </a:rPr>
-                          <m:t>−</m:t>
-                        </m:r>
-                        <m:sSub>
-                          <m:sSubPr>
-                            <m:ctrlPr>
-                              <a:rPr lang="zh-CN" altLang="zh-CN" i="1">
-                                <a:solidFill>
-                                  <a:schemeClr val="accent5">
-                                    <a:lumMod val="75000"/>
-                                  </a:schemeClr>
-                                </a:solidFill>
-                              </a:rPr>
-                            </m:ctrlPr>
-                          </m:sSubPr>
-                          <m:e>
-                            <m:r>
-                              <a:rPr lang="en-US" altLang="zh-CN" i="1">
-                                <a:solidFill>
-                                  <a:schemeClr val="accent5">
-                                    <a:lumMod val="75000"/>
-                                  </a:schemeClr>
-                                </a:solidFill>
-                              </a:rPr>
-                              <m:t>𝑀</m:t>
-                            </m:r>
-                          </m:e>
-                          <m:sub>
-                            <m:r>
-                              <m:rPr>
-                                <m:sty m:val="p"/>
-                              </m:rPr>
-                              <a:rPr lang="en-US" altLang="zh-CN">
-                                <a:solidFill>
-                                  <a:schemeClr val="accent5">
-                                    <a:lumMod val="75000"/>
-                                  </a:schemeClr>
-                                </a:solidFill>
-                              </a:rPr>
-                              <m:t>R</m:t>
-                            </m:r>
-                          </m:sub>
-                        </m:sSub>
-                        <m:r>
-                          <a:rPr lang="zh-CN" altLang="zh-CN">
-                            <a:solidFill>
-                              <a:schemeClr val="accent5">
-                                <a:lumMod val="75000"/>
-                              </a:schemeClr>
-                            </a:solidFill>
-                          </a:rPr>
-                          <m:t>）</m:t>
-                        </m:r>
-                      </m:num>
-                      <m:den>
-                        <m:r>
-                          <m:rPr>
-                            <m:sty m:val="p"/>
-                          </m:rPr>
-                          <a:rPr lang="en-US" altLang="zh-CN">
-                            <a:solidFill>
-                              <a:schemeClr val="accent5">
-                                <a:lumMod val="75000"/>
-                              </a:schemeClr>
-                            </a:solidFill>
-                          </a:rPr>
-                          <m:t>U</m:t>
-                        </m:r>
-                        <m:r>
-                          <a:rPr lang="en-US" altLang="zh-CN" i="1">
-                            <a:solidFill>
-                              <a:schemeClr val="accent5">
-                                <a:lumMod val="75000"/>
-                              </a:schemeClr>
-                            </a:solidFill>
-                          </a:rPr>
-                          <m:t>∗</m:t>
-                        </m:r>
-                        <m:r>
-                          <m:rPr>
-                            <m:sty m:val="p"/>
-                          </m:rPr>
-                          <a:rPr lang="en-US" altLang="zh-CN">
-                            <a:solidFill>
-                              <a:schemeClr val="accent5">
-                                <a:lumMod val="75000"/>
-                              </a:schemeClr>
-                            </a:solidFill>
-                          </a:rPr>
-                          <m:t>I</m:t>
-                        </m:r>
-                      </m:den>
-                    </m:f>
-                  </m:oMath>
-                </a14:m>
-                <a:endParaRPr lang="zh-CN" altLang="zh-CN" dirty="0">
-                  <a:solidFill>
-                    <a:schemeClr val="accent5">
-                      <a:lumMod val="75000"/>
-                    </a:schemeClr>
-                  </a:solidFill>
-                </a:endParaRPr>
-              </a:p>
-              <a:p>
-                <a14:m>
-                  <m:oMath xmlns:m="http://schemas.openxmlformats.org/officeDocument/2006/math">
-                    <m:sSub>
-                      <m:sSubPr>
-                        <m:ctrlPr>
-                          <a:rPr lang="zh-CN" altLang="zh-CN" i="1">
-                            <a:solidFill>
-                              <a:schemeClr val="accent5">
-                                <a:lumMod val="75000"/>
-                              </a:schemeClr>
-                            </a:solidFill>
-                          </a:rPr>
-                        </m:ctrlPr>
-                      </m:sSubPr>
-                      <m:e>
-                        <m:r>
-                          <a:rPr lang="en-US" altLang="zh-CN" i="1">
-                            <a:solidFill>
-                              <a:schemeClr val="accent5">
-                                <a:lumMod val="75000"/>
-                              </a:schemeClr>
-                            </a:solidFill>
-                          </a:rPr>
-                          <m:t>𝜂</m:t>
-                        </m:r>
-                      </m:e>
-                      <m:sub>
-                        <m:r>
-                          <a:rPr lang="en-US" altLang="zh-CN" i="1">
-                            <a:solidFill>
-                              <a:schemeClr val="accent5">
-                                <a:lumMod val="75000"/>
-                              </a:schemeClr>
-                            </a:solidFill>
-                          </a:rPr>
-                          <m:t>𝑚𝑎𝑥</m:t>
-                        </m:r>
-                      </m:sub>
-                    </m:sSub>
-                    <m:r>
-                      <a:rPr lang="en-US" altLang="zh-CN" i="1">
-                        <a:solidFill>
-                          <a:schemeClr val="accent5">
-                            <a:lumMod val="75000"/>
-                          </a:schemeClr>
-                        </a:solidFill>
-                      </a:rPr>
-                      <m:t>=</m:t>
-                    </m:r>
-                    <m:r>
-                      <a:rPr lang="zh-CN" altLang="zh-CN">
-                        <a:solidFill>
-                          <a:schemeClr val="accent5">
-                            <a:lumMod val="75000"/>
-                          </a:schemeClr>
-                        </a:solidFill>
-                      </a:rPr>
-                      <m:t>（</m:t>
-                    </m:r>
-                    <m:r>
-                      <a:rPr lang="en-US" altLang="zh-CN">
-                        <a:solidFill>
-                          <a:schemeClr val="accent5">
-                            <a:lumMod val="75000"/>
-                          </a:schemeClr>
-                        </a:solidFill>
-                      </a:rPr>
-                      <m:t>1 </m:t>
-                    </m:r>
-                    <m:r>
-                      <a:rPr lang="en-US" altLang="zh-CN" i="1">
-                        <a:solidFill>
-                          <a:schemeClr val="accent5">
-                            <a:lumMod val="75000"/>
-                          </a:schemeClr>
-                        </a:solidFill>
-                      </a:rPr>
-                      <m:t>−</m:t>
-                    </m:r>
-                    <m:r>
-                      <a:rPr lang="en-US" altLang="zh-CN">
-                        <a:solidFill>
-                          <a:schemeClr val="accent5">
-                            <a:lumMod val="75000"/>
-                          </a:schemeClr>
-                        </a:solidFill>
-                      </a:rPr>
-                      <m:t> </m:t>
-                    </m:r>
-                    <m:rad>
-                      <m:radPr>
-                        <m:ctrlPr>
-                          <a:rPr lang="zh-CN" altLang="zh-CN" i="1">
-                            <a:solidFill>
-                              <a:schemeClr val="accent5">
-                                <a:lumMod val="75000"/>
-                              </a:schemeClr>
-                            </a:solidFill>
-                          </a:rPr>
-                        </m:ctrlPr>
-                      </m:radPr>
-                      <m:deg>
-                        <m:r>
-                          <a:rPr lang="en-US" altLang="zh-CN">
-                            <a:solidFill>
-                              <a:schemeClr val="accent5">
-                                <a:lumMod val="75000"/>
-                              </a:schemeClr>
-                            </a:solidFill>
-                          </a:rPr>
-                          <m:t>2</m:t>
-                        </m:r>
-                      </m:deg>
-                      <m:e>
-                        <m:f>
-                          <m:fPr>
-                            <m:ctrlPr>
-                              <a:rPr lang="zh-CN" altLang="zh-CN" i="1">
-                                <a:solidFill>
-                                  <a:schemeClr val="accent5">
-                                    <a:lumMod val="75000"/>
-                                  </a:schemeClr>
-                                </a:solidFill>
-                              </a:rPr>
-                            </m:ctrlPr>
-                          </m:fPr>
-                          <m:num>
-                            <m:sSub>
-                              <m:sSubPr>
-                                <m:ctrlPr>
-                                  <a:rPr lang="zh-CN" altLang="zh-CN" i="1">
-                                    <a:solidFill>
-                                      <a:schemeClr val="accent5">
-                                        <a:lumMod val="75000"/>
-                                      </a:schemeClr>
-                                    </a:solidFill>
-                                  </a:rPr>
-                                </m:ctrlPr>
-                              </m:sSubPr>
-                              <m:e>
-                                <m:r>
-                                  <a:rPr lang="en-US" altLang="zh-CN" i="1">
-                                    <a:solidFill>
-                                      <a:schemeClr val="accent5">
-                                        <a:lumMod val="75000"/>
-                                      </a:schemeClr>
-                                    </a:solidFill>
-                                  </a:rPr>
-                                  <m:t>𝐼</m:t>
-                                </m:r>
-                              </m:e>
-                              <m:sub>
-                                <m:r>
-                                  <a:rPr lang="en-US" altLang="zh-CN" i="1">
-                                    <a:solidFill>
-                                      <a:schemeClr val="accent5">
-                                        <a:lumMod val="75000"/>
-                                      </a:schemeClr>
-                                    </a:solidFill>
-                                  </a:rPr>
-                                  <m:t>0</m:t>
-                                </m:r>
-                              </m:sub>
-                            </m:sSub>
-                          </m:num>
-                          <m:den>
-                            <m:sSub>
-                              <m:sSubPr>
-                                <m:ctrlPr>
-                                  <a:rPr lang="zh-CN" altLang="zh-CN" i="1">
-                                    <a:solidFill>
-                                      <a:schemeClr val="accent5">
-                                        <a:lumMod val="75000"/>
-                                      </a:schemeClr>
-                                    </a:solidFill>
-                                  </a:rPr>
-                                </m:ctrlPr>
-                              </m:sSubPr>
-                              <m:e>
-                                <m:r>
-                                  <a:rPr lang="en-US" altLang="zh-CN" i="1">
-                                    <a:solidFill>
-                                      <a:schemeClr val="accent5">
-                                        <a:lumMod val="75000"/>
-                                      </a:schemeClr>
-                                    </a:solidFill>
-                                  </a:rPr>
-                                  <m:t>𝐼</m:t>
-                                </m:r>
-                              </m:e>
-                              <m:sub>
-                                <m:r>
-                                  <a:rPr lang="en-US" altLang="zh-CN" i="1">
-                                    <a:solidFill>
-                                      <a:schemeClr val="accent5">
-                                        <a:lumMod val="75000"/>
-                                      </a:schemeClr>
-                                    </a:solidFill>
-                                  </a:rPr>
-                                  <m:t>𝐴</m:t>
-                                </m:r>
-                              </m:sub>
-                            </m:sSub>
-                          </m:den>
-                        </m:f>
-                      </m:e>
-                    </m:rad>
-                    <m:r>
-                      <a:rPr lang="zh-CN" altLang="zh-CN">
-                        <a:solidFill>
-                          <a:schemeClr val="accent5">
-                            <a:lumMod val="75000"/>
-                          </a:schemeClr>
-                        </a:solidFill>
-                      </a:rPr>
-                      <m:t>）</m:t>
-                    </m:r>
-                    <m:r>
-                      <a:rPr lang="en-US" altLang="zh-CN">
-                        <a:solidFill>
-                          <a:schemeClr val="accent5">
-                            <a:lumMod val="75000"/>
-                          </a:schemeClr>
-                        </a:solidFill>
-                      </a:rPr>
-                      <m:t>²</m:t>
-                    </m:r>
-                  </m:oMath>
-                </a14:m>
-                <a:r>
-                  <a:rPr lang="zh-CN" altLang="zh-CN" sz="1600" dirty="0">
-                    <a:solidFill>
-                      <a:schemeClr val="accent5">
-                        <a:lumMod val="75000"/>
-                      </a:schemeClr>
-                    </a:solidFill>
-                  </a:rPr>
-                  <a:t>一般来讲，最大效率出现在赌转电流</a:t>
-                </a:r>
-                <a:r>
-                  <a:rPr lang="en-US" altLang="zh-CN" sz="1600" dirty="0">
-                    <a:solidFill>
-                      <a:schemeClr val="accent5">
-                        <a:lumMod val="75000"/>
-                      </a:schemeClr>
-                    </a:solidFill>
-                  </a:rPr>
-                  <a:t>1/7</a:t>
-                </a:r>
-                <a:r>
-                  <a:rPr lang="zh-CN" altLang="zh-CN" sz="1600" dirty="0">
-                    <a:solidFill>
-                      <a:schemeClr val="accent5">
-                        <a:lumMod val="75000"/>
-                      </a:schemeClr>
-                    </a:solidFill>
-                  </a:rPr>
-                  <a:t>处</a:t>
-                </a:r>
-              </a:p>
-              <a:p>
-                <a14:m>
-                  <m:oMath xmlns:m="http://schemas.openxmlformats.org/officeDocument/2006/math">
-                    <m:r>
-                      <a:rPr lang="zh-CN" altLang="zh-CN"/>
-                      <m:t>角加速度</m:t>
-                    </m:r>
-                    <m:r>
-                      <a:rPr lang="en-US" altLang="zh-CN"/>
-                      <m:t> </m:t>
-                    </m:r>
-                    <m:r>
-                      <m:rPr>
-                        <m:sty m:val="p"/>
-                      </m:rPr>
-                      <a:rPr lang="en-US" altLang="zh-CN"/>
-                      <m:t>α</m:t>
-                    </m:r>
-                    <m:r>
-                      <a:rPr lang="en-US" altLang="zh-CN"/>
-                      <m:t>=</m:t>
-                    </m:r>
-                    <m:sSup>
-                      <m:sSupPr>
-                        <m:ctrlPr>
-                          <a:rPr lang="zh-CN" altLang="zh-CN" i="1"/>
-                        </m:ctrlPr>
-                      </m:sSupPr>
-                      <m:e>
-                        <m:r>
-                          <a:rPr lang="en-US" altLang="zh-CN" i="1"/>
-                          <m:t>10</m:t>
-                        </m:r>
-                      </m:e>
-                      <m:sup>
-                        <m:r>
-                          <a:rPr lang="en-US" altLang="zh-CN" i="1"/>
-                          <m:t>4</m:t>
-                        </m:r>
-                      </m:sup>
-                    </m:sSup>
-                    <m:r>
-                      <a:rPr lang="en-US" altLang="zh-CN" i="1"/>
-                      <m:t>∗</m:t>
-                    </m:r>
-                    <m:f>
-                      <m:fPr>
-                        <m:ctrlPr>
-                          <a:rPr lang="zh-CN" altLang="zh-CN" i="1"/>
-                        </m:ctrlPr>
-                      </m:fPr>
-                      <m:num>
-                        <m:sSub>
-                          <m:sSubPr>
-                            <m:ctrlPr>
-                              <a:rPr lang="zh-CN" altLang="zh-CN" i="1"/>
-                            </m:ctrlPr>
-                          </m:sSubPr>
-                          <m:e>
-                            <m:r>
-                              <a:rPr lang="en-US" altLang="zh-CN" i="1"/>
-                              <m:t>𝐾</m:t>
-                            </m:r>
-                          </m:e>
-                          <m:sub>
-                            <m:r>
-                              <a:rPr lang="en-US" altLang="zh-CN" i="1"/>
-                              <m:t>𝑚</m:t>
-                            </m:r>
-                          </m:sub>
-                        </m:sSub>
-                        <m:r>
-                          <a:rPr lang="en-US" altLang="zh-CN" i="1"/>
-                          <m:t>∗</m:t>
-                        </m:r>
-                        <m:r>
-                          <a:rPr lang="en-US" altLang="zh-CN" i="1"/>
-                          <m:t>𝐼</m:t>
-                        </m:r>
-                      </m:num>
-                      <m:den>
-                        <m:sSub>
-                          <m:sSubPr>
-                            <m:ctrlPr>
-                              <a:rPr lang="zh-CN" altLang="zh-CN" i="1"/>
-                            </m:ctrlPr>
-                          </m:sSubPr>
-                          <m:e>
-                            <m:r>
-                              <a:rPr lang="en-US" altLang="zh-CN" i="1"/>
-                              <m:t>𝐽</m:t>
-                            </m:r>
-                          </m:e>
-                          <m:sub>
-                            <m:r>
-                              <a:rPr lang="en-US" altLang="zh-CN" i="1"/>
-                              <m:t>𝑅</m:t>
-                            </m:r>
-                          </m:sub>
-                        </m:sSub>
-                        <m:r>
-                          <a:rPr lang="en-US" altLang="zh-CN" i="1"/>
-                          <m:t>+</m:t>
-                        </m:r>
-                        <m:sSub>
-                          <m:sSubPr>
-                            <m:ctrlPr>
-                              <a:rPr lang="zh-CN" altLang="zh-CN" i="1"/>
-                            </m:ctrlPr>
-                          </m:sSubPr>
-                          <m:e>
-                            <m:r>
-                              <a:rPr lang="en-US" altLang="zh-CN" i="1"/>
-                              <m:t>𝐽</m:t>
-                            </m:r>
-                          </m:e>
-                          <m:sub>
-                            <m:r>
-                              <a:rPr lang="en-US" altLang="zh-CN" i="1"/>
-                              <m:t>𝐿</m:t>
-                            </m:r>
-                          </m:sub>
-                        </m:sSub>
-                      </m:den>
-                    </m:f>
-                    <m:r>
-                      <a:rPr lang="en-US" altLang="zh-CN" i="1"/>
-                      <m:t>= </m:t>
-                    </m:r>
-                    <m:sSup>
-                      <m:sSupPr>
-                        <m:ctrlPr>
-                          <a:rPr lang="zh-CN" altLang="zh-CN" i="1"/>
-                        </m:ctrlPr>
-                      </m:sSupPr>
-                      <m:e>
-                        <m:r>
-                          <a:rPr lang="en-US" altLang="zh-CN" i="1"/>
-                          <m:t>10</m:t>
-                        </m:r>
-                      </m:e>
-                      <m:sup>
-                        <m:r>
-                          <a:rPr lang="en-US" altLang="zh-CN" i="1"/>
-                          <m:t>4</m:t>
-                        </m:r>
-                      </m:sup>
-                    </m:sSup>
-                    <m:r>
-                      <a:rPr lang="en-US" altLang="zh-CN" i="1"/>
-                      <m:t>∗</m:t>
-                    </m:r>
-                    <m:f>
-                      <m:fPr>
-                        <m:ctrlPr>
-                          <a:rPr lang="zh-CN" altLang="zh-CN" i="1"/>
-                        </m:ctrlPr>
-                      </m:fPr>
-                      <m:num>
-                        <m:r>
-                          <a:rPr lang="en-US" altLang="zh-CN" i="1"/>
-                          <m:t>𝑀</m:t>
-                        </m:r>
-                      </m:num>
-                      <m:den>
-                        <m:sSub>
-                          <m:sSubPr>
-                            <m:ctrlPr>
-                              <a:rPr lang="zh-CN" altLang="zh-CN" i="1"/>
-                            </m:ctrlPr>
-                          </m:sSubPr>
-                          <m:e>
-                            <m:r>
-                              <a:rPr lang="en-US" altLang="zh-CN" i="1"/>
-                              <m:t>𝐽</m:t>
-                            </m:r>
-                          </m:e>
-                          <m:sub>
-                            <m:r>
-                              <a:rPr lang="en-US" altLang="zh-CN" i="1"/>
-                              <m:t>𝑅</m:t>
-                            </m:r>
-                          </m:sub>
-                        </m:sSub>
-                        <m:r>
-                          <a:rPr lang="en-US" altLang="zh-CN" i="1"/>
-                          <m:t>+</m:t>
-                        </m:r>
-                        <m:sSub>
-                          <m:sSubPr>
-                            <m:ctrlPr>
-                              <a:rPr lang="zh-CN" altLang="zh-CN" i="1"/>
-                            </m:ctrlPr>
-                          </m:sSubPr>
-                          <m:e>
-                            <m:r>
-                              <a:rPr lang="en-US" altLang="zh-CN" i="1"/>
-                              <m:t>𝐽</m:t>
-                            </m:r>
-                          </m:e>
-                          <m:sub>
-                            <m:r>
-                              <a:rPr lang="en-US" altLang="zh-CN" i="1"/>
-                              <m:t>𝐿</m:t>
-                            </m:r>
-                          </m:sub>
-                        </m:sSub>
-                      </m:den>
-                    </m:f>
-                  </m:oMath>
-                </a14:m>
-                <a:r>
-                  <a:rPr lang="zh-CN" altLang="en-US" dirty="0" smtClean="0"/>
-                  <a:t>（恒流启动）</a:t>
-                </a:r>
-                <a:endParaRPr lang="en-US" altLang="zh-CN" dirty="0" smtClean="0"/>
-              </a:p>
-              <a:p>
-                <a14:m>
-                  <m:oMath xmlns:m="http://schemas.openxmlformats.org/officeDocument/2006/math">
-                    <m:sSub>
-                      <m:sSubPr>
-                        <m:ctrlPr>
-                          <a:rPr lang="zh-CN" altLang="zh-CN" i="1" smtClean="0">
-                            <a:solidFill>
-                              <a:schemeClr val="accent5">
-                                <a:lumMod val="75000"/>
-                              </a:schemeClr>
-                            </a:solidFill>
-                          </a:rPr>
-                        </m:ctrlPr>
-                      </m:sSubPr>
-                      <m:e>
-                        <m:r>
-                          <a:rPr lang="zh-CN" altLang="zh-CN">
-                            <a:solidFill>
-                              <a:schemeClr val="accent5">
-                                <a:lumMod val="75000"/>
-                              </a:schemeClr>
-                            </a:solidFill>
-                          </a:rPr>
-                          <m:t>空载机械时间常数</m:t>
-                        </m:r>
-                        <m:r>
-                          <a:rPr lang="en-US" altLang="zh-CN" i="1">
-                            <a:solidFill>
-                              <a:schemeClr val="accent5">
-                                <a:lumMod val="75000"/>
-                              </a:schemeClr>
-                            </a:solidFill>
-                          </a:rPr>
-                          <m:t>𝜏</m:t>
-                        </m:r>
-                      </m:e>
-                      <m:sub>
-                        <m:r>
-                          <a:rPr lang="en-US" altLang="zh-CN" i="1">
-                            <a:solidFill>
-                              <a:schemeClr val="accent5">
-                                <a:lumMod val="75000"/>
-                              </a:schemeClr>
-                            </a:solidFill>
-                          </a:rPr>
-                          <m:t>𝑚</m:t>
-                        </m:r>
-                      </m:sub>
-                    </m:sSub>
-                    <m:r>
-                      <a:rPr lang="en-US" altLang="zh-CN" i="1">
-                        <a:solidFill>
-                          <a:schemeClr val="accent5">
-                            <a:lumMod val="75000"/>
-                          </a:schemeClr>
-                        </a:solidFill>
-                      </a:rPr>
-                      <m:t>=100∗</m:t>
-                    </m:r>
-                    <m:f>
-                      <m:fPr>
-                        <m:ctrlPr>
-                          <a:rPr lang="zh-CN" altLang="zh-CN" i="1">
-                            <a:solidFill>
-                              <a:schemeClr val="accent5">
-                                <a:lumMod val="75000"/>
-                              </a:schemeClr>
-                            </a:solidFill>
-                          </a:rPr>
-                        </m:ctrlPr>
-                      </m:fPr>
-                      <m:num>
-                        <m:sSub>
-                          <m:sSubPr>
-                            <m:ctrlPr>
-                              <a:rPr lang="zh-CN" altLang="zh-CN" i="1">
-                                <a:solidFill>
-                                  <a:schemeClr val="accent5">
-                                    <a:lumMod val="75000"/>
-                                  </a:schemeClr>
-                                </a:solidFill>
-                              </a:rPr>
-                            </m:ctrlPr>
-                          </m:sSubPr>
-                          <m:e>
-                            <m:r>
-                              <a:rPr lang="en-US" altLang="zh-CN" i="1">
-                                <a:solidFill>
-                                  <a:schemeClr val="accent5">
-                                    <a:lumMod val="75000"/>
-                                  </a:schemeClr>
-                                </a:solidFill>
-                              </a:rPr>
-                              <m:t>𝐽</m:t>
-                            </m:r>
-                          </m:e>
-                          <m:sub>
-                            <m:r>
-                              <a:rPr lang="en-US" altLang="zh-CN" i="1">
-                                <a:solidFill>
-                                  <a:schemeClr val="accent5">
-                                    <a:lumMod val="75000"/>
-                                  </a:schemeClr>
-                                </a:solidFill>
-                              </a:rPr>
-                              <m:t>𝑅</m:t>
-                            </m:r>
-                          </m:sub>
-                        </m:sSub>
-                        <m:r>
-                          <a:rPr lang="en-US" altLang="zh-CN" i="1">
-                            <a:solidFill>
-                              <a:schemeClr val="accent5">
-                                <a:lumMod val="75000"/>
-                              </a:schemeClr>
-                            </a:solidFill>
-                          </a:rPr>
-                          <m:t>∗</m:t>
-                        </m:r>
-                        <m:r>
-                          <a:rPr lang="en-US" altLang="zh-CN" i="1">
-                            <a:solidFill>
-                              <a:schemeClr val="accent5">
-                                <a:lumMod val="75000"/>
-                              </a:schemeClr>
-                            </a:solidFill>
-                          </a:rPr>
-                          <m:t>𝑅</m:t>
-                        </m:r>
-                      </m:num>
-                      <m:den>
-                        <m:sSup>
-                          <m:sSupPr>
-                            <m:ctrlPr>
-                              <a:rPr lang="zh-CN" altLang="zh-CN" i="1">
-                                <a:solidFill>
-                                  <a:schemeClr val="accent5">
-                                    <a:lumMod val="75000"/>
-                                  </a:schemeClr>
-                                </a:solidFill>
-                              </a:rPr>
-                            </m:ctrlPr>
-                          </m:sSupPr>
-                          <m:e>
-                            <m:sSub>
-                              <m:sSubPr>
-                                <m:ctrlPr>
-                                  <a:rPr lang="zh-CN" altLang="zh-CN" i="1">
-                                    <a:solidFill>
-                                      <a:schemeClr val="accent5">
-                                        <a:lumMod val="75000"/>
-                                      </a:schemeClr>
-                                    </a:solidFill>
-                                  </a:rPr>
-                                </m:ctrlPr>
-                              </m:sSubPr>
-                              <m:e>
-                                <m:r>
-                                  <a:rPr lang="en-US" altLang="zh-CN" i="1">
-                                    <a:solidFill>
-                                      <a:schemeClr val="accent5">
-                                        <a:lumMod val="75000"/>
-                                      </a:schemeClr>
-                                    </a:solidFill>
-                                  </a:rPr>
-                                  <m:t>𝐾</m:t>
-                                </m:r>
-                              </m:e>
-                              <m:sub>
-                                <m:r>
-                                  <a:rPr lang="en-US" altLang="zh-CN" i="1">
-                                    <a:solidFill>
-                                      <a:schemeClr val="accent5">
-                                        <a:lumMod val="75000"/>
-                                      </a:schemeClr>
-                                    </a:solidFill>
-                                  </a:rPr>
-                                  <m:t>𝑚</m:t>
-                                </m:r>
-                              </m:sub>
-                            </m:sSub>
-                          </m:e>
-                          <m:sup>
-                            <m:r>
-                              <a:rPr lang="en-US" altLang="zh-CN" i="1">
-                                <a:solidFill>
-                                  <a:schemeClr val="accent5">
-                                    <a:lumMod val="75000"/>
-                                  </a:schemeClr>
-                                </a:solidFill>
-                              </a:rPr>
-                              <m:t>2</m:t>
-                            </m:r>
-                          </m:sup>
-                        </m:sSup>
-                      </m:den>
-                    </m:f>
-                  </m:oMath>
-                </a14:m>
-                <a:r>
-                  <a:rPr lang="zh-CN" altLang="en-US" dirty="0" smtClean="0">
-                    <a:solidFill>
-                      <a:schemeClr val="accent5">
-                        <a:lumMod val="75000"/>
-                      </a:schemeClr>
-                    </a:solidFill>
-                  </a:rPr>
-                  <a:t>（恒压启动）</a:t>
-                </a:r>
-                <a:endParaRPr lang="zh-CN" altLang="zh-CN" dirty="0">
-                  <a:solidFill>
-                    <a:schemeClr val="accent5">
-                      <a:lumMod val="75000"/>
-                    </a:schemeClr>
-                  </a:solidFill>
-                </a:endParaRPr>
-              </a:p>
-              <a:p>
-                <a:endParaRPr lang="zh-CN" altLang="en-US" dirty="0"/>
-              </a:p>
-            </p:txBody>
-          </p:sp>
-        </mc:Choice>
-        <mc:Fallback>
-          <p:sp>
-            <p:nvSpPr>
-              <p:cNvPr id="3" name="内容占位符 2"/>
-              <p:cNvSpPr>
-                <a:spLocks noGrp="1" noRot="1" noChangeAspect="1" noMove="1" noResize="1" noEditPoints="1" noAdjustHandles="1" noChangeArrowheads="1" noChangeShapeType="1" noTextEdit="1"/>
-              </p:cNvSpPr>
-              <p:nvPr>
-                <p:ph idx="1"/>
-              </p:nvPr>
-            </p:nvSpPr>
-            <p:spPr>
-              <a:blipFill rotWithShape="0">
-                <a:blip r:embed="rId2"/>
-                <a:stretch>
-                  <a:fillRect/>
-                </a:stretch>
-              </a:blipFill>
-            </p:spPr>
-            <p:txBody>
-              <a:bodyPr/>
-              <a:lstStyle/>
-              <a:p>
-                <a:r>
-                  <a:rPr lang="zh-CN" altLang="en-US">
-                    <a:noFill/>
-                  </a:rPr>
-                  <a:t> </a:t>
-                </a:r>
-              </a:p>
-            </p:txBody>
-          </p:sp>
-        </mc:Fallback>
-      </mc:AlternateContent>
+      <p:sp>
+        <p:nvSpPr>
+          <p:cNvPr id="3" name="内容占位符 2"/>
+          <p:cNvSpPr>
+            <a:spLocks noGrp="1"/>
+          </p:cNvSpPr>
+          <p:nvPr>
+            <p:ph idx="1"/>
+          </p:nvPr>
+        </p:nvSpPr>
+        <p:spPr>
+          <a:xfrm>
+            <a:off x="838200" y="1825625"/>
+            <a:ext cx="4566138" cy="4351338"/>
+          </a:xfrm>
+        </p:spPr>
+        <p:txBody>
+          <a:bodyPr/>
+          <a:lstStyle/>
+          <a:p>
+            <a:r>
+              <a:rPr lang="zh-CN" altLang="en-US" dirty="0" smtClean="0"/>
+              <a:t>热</a:t>
+            </a:r>
+            <a:endParaRPr lang="zh-CN" altLang="en-US" dirty="0"/>
+          </a:p>
+        </p:txBody>
+      </p:sp>
       <p:sp>
         <p:nvSpPr>
           <p:cNvPr id="4" name="日期占位符 3"/>
@@ -6844,7 +5234,7 @@
           <a:p>
             <a:fld id="{09AB9B90-079F-4C02-96FD-F237FBA298D6}" type="datetime1">
               <a:rPr lang="zh-CN" altLang="en-US" smtClean="0"/>
-              <a:t>2016/10/8</a:t>
+              <a:t>2016/10/9</a:t>
             </a:fld>
             <a:endParaRPr lang="zh-CN" altLang="en-US"/>
           </a:p>
@@ -6896,10 +5286,68 @@
           </a:p>
         </p:txBody>
       </p:sp>
+      <p:pic>
+        <p:nvPicPr>
+          <p:cNvPr id="9" name="图片 8"/>
+          <p:cNvPicPr>
+            <a:picLocks noChangeAspect="1"/>
+          </p:cNvPicPr>
+          <p:nvPr/>
+        </p:nvPicPr>
+        <p:blipFill>
+          <a:blip r:embed="rId2"/>
+          <a:stretch>
+            <a:fillRect/>
+          </a:stretch>
+        </p:blipFill>
+        <p:spPr>
+          <a:xfrm>
+            <a:off x="939677" y="2450123"/>
+            <a:ext cx="3876675" cy="3211028"/>
+          </a:xfrm>
+          <a:prstGeom prst="rect">
+            <a:avLst/>
+          </a:prstGeom>
+        </p:spPr>
+      </p:pic>
+      <p:sp>
+        <p:nvSpPr>
+          <p:cNvPr id="11" name="文本框 10"/>
+          <p:cNvSpPr txBox="1"/>
+          <p:nvPr/>
+        </p:nvSpPr>
+        <p:spPr>
+          <a:xfrm>
+            <a:off x="2319702" y="5671581"/>
+            <a:ext cx="1116623" cy="369332"/>
+          </a:xfrm>
+          <a:prstGeom prst="rect">
+            <a:avLst/>
+          </a:prstGeom>
+          <a:noFill/>
+        </p:spPr>
+        <p:txBody>
+          <a:bodyPr wrap="square" rtlCol="0">
+            <a:spAutoFit/>
+          </a:bodyPr>
+          <a:lstStyle/>
+          <a:p>
+            <a:r>
+              <a:rPr lang="zh-CN" altLang="en-US" dirty="0"/>
+              <a:t>散</a:t>
+            </a:r>
+            <a:r>
+              <a:rPr lang="zh-CN" altLang="en-US" dirty="0" smtClean="0"/>
+              <a:t>热</a:t>
+            </a:r>
+            <a:endParaRPr lang="zh-CN" altLang="en-US" dirty="0"/>
+          </a:p>
+        </p:txBody>
+      </p:sp>
     </p:spTree>
     <p:extLst>
       <p:ext uri="{BB962C8B-B14F-4D97-AF65-F5344CB8AC3E}">
-        <p14:creationId xmlns:p14="http://schemas.microsoft.com/office/powerpoint/2010/main" val="3589795459"/>
+        <p14:creationId xmlns:p14="http://schemas.microsoft.com/office/powerpoint/2010/main" val="3591336562"/>
       </p:ext>
     </p:extLst>
   </p:cSld>
@@ -6954,14 +5402,229 @@
             </a:pPr>
             <a:r>
               <a:rPr lang="zh-CN" altLang="en-US" dirty="0" smtClean="0"/>
+              <a:t>电机运行范围</a:t>
+            </a:r>
+            <a:endParaRPr lang="zh-CN" altLang="en-US" dirty="0"/>
+          </a:p>
+        </p:txBody>
+      </p:sp>
+      <p:sp>
+        <p:nvSpPr>
+          <p:cNvPr id="3" name="内容占位符 2"/>
+          <p:cNvSpPr>
+            <a:spLocks noGrp="1"/>
+          </p:cNvSpPr>
+          <p:nvPr>
+            <p:ph idx="1"/>
+          </p:nvPr>
+        </p:nvSpPr>
+        <p:spPr>
+          <a:xfrm>
+            <a:off x="838200" y="1825625"/>
+            <a:ext cx="4566138" cy="4351338"/>
+          </a:xfrm>
+        </p:spPr>
+        <p:txBody>
+          <a:bodyPr/>
+          <a:lstStyle/>
+          <a:p>
+            <a:r>
+              <a:rPr lang="zh-CN" altLang="en-US" dirty="0" smtClean="0"/>
+              <a:t>热</a:t>
+            </a:r>
+            <a:endParaRPr lang="zh-CN" altLang="en-US" dirty="0"/>
+          </a:p>
+        </p:txBody>
+      </p:sp>
+      <p:sp>
+        <p:nvSpPr>
+          <p:cNvPr id="4" name="日期占位符 3"/>
+          <p:cNvSpPr>
+            <a:spLocks noGrp="1"/>
+          </p:cNvSpPr>
+          <p:nvPr>
+            <p:ph type="dt" sz="half" idx="10"/>
+          </p:nvPr>
+        </p:nvSpPr>
+        <p:spPr/>
+        <p:txBody>
+          <a:bodyPr/>
+          <a:lstStyle/>
+          <a:p>
+            <a:fld id="{09AB9B90-079F-4C02-96FD-F237FBA298D6}" type="datetime1">
+              <a:rPr lang="zh-CN" altLang="en-US" smtClean="0"/>
+              <a:t>2016/10/9</a:t>
+            </a:fld>
+            <a:endParaRPr lang="zh-CN" altLang="en-US"/>
+          </a:p>
+        </p:txBody>
+      </p:sp>
+      <p:sp>
+        <p:nvSpPr>
+          <p:cNvPr id="5" name="页脚占位符 4"/>
+          <p:cNvSpPr>
+            <a:spLocks noGrp="1"/>
+          </p:cNvSpPr>
+          <p:nvPr>
+            <p:ph type="ftr" sz="quarter" idx="11"/>
+          </p:nvPr>
+        </p:nvSpPr>
+        <p:spPr/>
+        <p:txBody>
+          <a:bodyPr/>
+          <a:lstStyle/>
+          <a:p>
+            <a:r>
+              <a:rPr lang="zh-CN" altLang="en-US" smtClean="0"/>
+              <a:t>艾克申机器人出品</a:t>
+            </a:r>
+            <a:endParaRPr lang="zh-CN" altLang="en-US"/>
+          </a:p>
+        </p:txBody>
+      </p:sp>
+      <p:sp>
+        <p:nvSpPr>
+          <p:cNvPr id="6" name="灯片编号占位符 5"/>
+          <p:cNvSpPr>
+            <a:spLocks noGrp="1"/>
+          </p:cNvSpPr>
+          <p:nvPr>
+            <p:ph type="sldNum" sz="quarter" idx="12"/>
+          </p:nvPr>
+        </p:nvSpPr>
+        <p:spPr/>
+        <p:txBody>
+          <a:bodyPr/>
+          <a:lstStyle/>
+          <a:p>
+            <a:fld id="{EE00FA2F-700A-4C2D-87BB-7F963A8CB484}" type="slidenum">
+              <a:rPr lang="zh-CN" altLang="en-US" smtClean="0"/>
+              <a:t>17</a:t>
+            </a:fld>
+            <a:endParaRPr lang="zh-CN" altLang="en-US"/>
+          </a:p>
+        </p:txBody>
+      </p:sp>
+      <p:sp>
+        <p:nvSpPr>
+          <p:cNvPr id="10" name="文本框 9"/>
+          <p:cNvSpPr txBox="1"/>
+          <p:nvPr/>
+        </p:nvSpPr>
+        <p:spPr>
+          <a:xfrm>
+            <a:off x="2209800" y="5730196"/>
+            <a:ext cx="1828800" cy="369332"/>
+          </a:xfrm>
+          <a:prstGeom prst="rect">
+            <a:avLst/>
+          </a:prstGeom>
+          <a:noFill/>
+        </p:spPr>
+        <p:txBody>
+          <a:bodyPr wrap="square" rtlCol="0">
+            <a:spAutoFit/>
+          </a:bodyPr>
+          <a:lstStyle/>
+          <a:p>
+            <a:r>
+              <a:rPr lang="zh-CN" altLang="en-US" dirty="0" smtClean="0"/>
+              <a:t>不同功率发热</a:t>
+            </a:r>
+            <a:endParaRPr lang="zh-CN" altLang="en-US" dirty="0"/>
+          </a:p>
+        </p:txBody>
+      </p:sp>
+      <p:pic>
+        <p:nvPicPr>
+          <p:cNvPr id="7" name="图片 6"/>
+          <p:cNvPicPr>
+            <a:picLocks noChangeAspect="1"/>
+          </p:cNvPicPr>
+          <p:nvPr/>
+        </p:nvPicPr>
+        <p:blipFill>
+          <a:blip r:embed="rId2"/>
+          <a:stretch>
+            <a:fillRect/>
+          </a:stretch>
+        </p:blipFill>
+        <p:spPr>
+          <a:xfrm>
+            <a:off x="1190991" y="2710771"/>
+            <a:ext cx="3362325" cy="3019425"/>
+          </a:xfrm>
+          <a:prstGeom prst="rect">
+            <a:avLst/>
+          </a:prstGeom>
+        </p:spPr>
+      </p:pic>
+    </p:spTree>
+    <p:extLst>
+      <p:ext uri="{BB962C8B-B14F-4D97-AF65-F5344CB8AC3E}">
+        <p14:creationId xmlns:p14="http://schemas.microsoft.com/office/powerpoint/2010/main" val="3169124951"/>
+      </p:ext>
+    </p:extLst>
+  </p:cSld>
+  <p:clrMapOvr>
+    <a:masterClrMapping/>
+  </p:clrMapOvr>
+  <p:timing>
+    <p:tnLst>
+      <p:par>
+        <p:cTn id="1" dur="indefinite" restart="never" nodeType="tmRoot"/>
+      </p:par>
+    </p:tnLst>
+  </p:timing>
+</p:sld>
+</file>
+
+<file path=ppt/slides/slide18.xml><?xml version="1.0" encoding="utf-8"?>
+<p:sld xmlns:a="http://schemas.openxmlformats.org/drawingml/2006/main" xmlns:r="http://schemas.openxmlformats.org/officeDocument/2006/relationships" xmlns:p="http://schemas.openxmlformats.org/presentationml/2006/main">
+  <p:cSld>
+    <p:spTree>
+      <p:nvGrpSpPr>
+        <p:cNvPr id="1" name=""/>
+        <p:cNvGrpSpPr/>
+        <p:nvPr/>
+      </p:nvGrpSpPr>
+      <p:grpSpPr>
+        <a:xfrm>
+          <a:off x="0" y="0"/>
+          <a:ext cx="0" cy="0"/>
+          <a:chOff x="0" y="0"/>
+          <a:chExt cx="0" cy="0"/>
+        </a:xfrm>
+      </p:grpSpPr>
+      <p:sp>
+        <p:nvSpPr>
+          <p:cNvPr id="2" name="标题 1"/>
+          <p:cNvSpPr>
+            <a:spLocks noGrp="1"/>
+          </p:cNvSpPr>
+          <p:nvPr>
+            <p:ph type="title"/>
+          </p:nvPr>
+        </p:nvSpPr>
+        <p:spPr/>
+        <p:txBody>
+          <a:bodyPr/>
+          <a:lstStyle/>
+          <a:p>
+            <a:pPr marL="571500" indent="-571500">
+              <a:buFont typeface="Wingdings" panose="05000000000000000000" pitchFamily="2" charset="2"/>
+              <a:buChar char="Ø"/>
+            </a:pPr>
+            <a:r>
+              <a:rPr lang="zh-CN" altLang="en-US" dirty="0" smtClean="0"/>
               <a:t>公式</a:t>
             </a:r>
             <a:endParaRPr lang="zh-CN" altLang="en-US" dirty="0"/>
           </a:p>
         </p:txBody>
       </p:sp>
-      <mc:AlternateContent xmlns:mc="http://schemas.openxmlformats.org/markup-compatibility/2006">
-        <mc:Choice xmlns:a14="http://schemas.microsoft.com/office/drawing/2010/main" Requires="a14">
+      <mc:AlternateContent xmlns:mc="http://schemas.openxmlformats.org/markup-compatibility/2006" xmlns:a14="http://schemas.microsoft.com/office/drawing/2010/main">
+        <mc:Choice Requires="a14">
           <p:sp>
             <p:nvSpPr>
               <p:cNvPr id="3" name="内容占位符 2"/>
@@ -6988,20 +5651,27 @@
                                 <a:lumMod val="75000"/>
                               </a:schemeClr>
                             </a:solidFill>
+                            <a:latin typeface="Cambria Math" panose="02040503050406030204" pitchFamily="18" charset="0"/>
                           </a:rPr>
                         </m:ctrlPr>
                       </m:sSubPr>
                       <m:e>
                         <m:r>
-                          <a:rPr lang="zh-CN" altLang="zh-CN">
+                          <m:rPr>
+                            <m:sty m:val="p"/>
+                          </m:rPr>
+                          <a:rPr lang="en-US" altLang="zh-CN">
                             <a:solidFill>
                               <a:schemeClr val="accent5">
                                 <a:lumMod val="75000"/>
                               </a:schemeClr>
                             </a:solidFill>
-                          </a:rPr>
-                          <m:t>带负载机械时间常数</m:t>
-                        </m:r>
+                            <a:latin typeface="Cambria Math" panose="02040503050406030204" pitchFamily="18" charset="0"/>
+                          </a:rPr>
+                          <m:t>P</m:t>
+                        </m:r>
+                      </m:e>
+                      <m:sub>
                         <m:r>
                           <a:rPr lang="en-US" altLang="zh-CN" i="1">
                             <a:solidFill>
@@ -7009,11 +5679,37 @@
                                 <a:lumMod val="75000"/>
                               </a:schemeClr>
                             </a:solidFill>
-                          </a:rPr>
-                          <m:t>𝜏</m:t>
-                        </m:r>
-                      </m:e>
-                      <m:sub>
+                            <a:latin typeface="Cambria Math" panose="02040503050406030204" pitchFamily="18" charset="0"/>
+                          </a:rPr>
+                          <m:t>𝑒𝑙</m:t>
+                        </m:r>
+                      </m:sub>
+                    </m:sSub>
+                    <m:r>
+                      <a:rPr lang="en-US" altLang="zh-CN" i="1">
+                        <a:solidFill>
+                          <a:schemeClr val="accent5">
+                            <a:lumMod val="75000"/>
+                          </a:schemeClr>
+                        </a:solidFill>
+                        <a:latin typeface="Cambria Math" panose="02040503050406030204" pitchFamily="18" charset="0"/>
+                      </a:rPr>
+                      <m:t>= </m:t>
+                    </m:r>
+                    <m:sSub>
+                      <m:sSubPr>
+                        <m:ctrlPr>
+                          <a:rPr lang="zh-CN" altLang="zh-CN" i="1">
+                            <a:solidFill>
+                              <a:schemeClr val="accent5">
+                                <a:lumMod val="75000"/>
+                              </a:schemeClr>
+                            </a:solidFill>
+                            <a:latin typeface="Cambria Math" panose="02040503050406030204" pitchFamily="18" charset="0"/>
+                          </a:rPr>
+                        </m:ctrlPr>
+                      </m:sSubPr>
+                      <m:e>
                         <m:r>
                           <a:rPr lang="en-US" altLang="zh-CN" i="1">
                             <a:solidFill>
@@ -7021,8 +5717,22 @@
                                 <a:lumMod val="75000"/>
                               </a:schemeClr>
                             </a:solidFill>
-                          </a:rPr>
-                          <m:t>𝑚</m:t>
+                            <a:latin typeface="Cambria Math" panose="02040503050406030204" pitchFamily="18" charset="0"/>
+                          </a:rPr>
+                          <m:t>𝑃</m:t>
+                        </m:r>
+                      </m:e>
+                      <m:sub>
+                        <m:r>
+                          <a:rPr lang="en-US" altLang="zh-CN" i="1">
+                            <a:solidFill>
+                              <a:schemeClr val="accent5">
+                                <a:lumMod val="75000"/>
+                              </a:schemeClr>
+                            </a:solidFill>
+                            <a:latin typeface="Cambria Math" panose="02040503050406030204" pitchFamily="18" charset="0"/>
+                          </a:rPr>
+                          <m:t>𝑚𝑒𝑐h</m:t>
                         </m:r>
                       </m:sub>
                     </m:sSub>
@@ -7033,8 +5743,464 @@
                             <a:lumMod val="75000"/>
                           </a:schemeClr>
                         </a:solidFill>
-                      </a:rPr>
-                      <m:t>‘=100∗</m:t>
+                        <a:latin typeface="Cambria Math" panose="02040503050406030204" pitchFamily="18" charset="0"/>
+                      </a:rPr>
+                      <m:t>+ </m:t>
+                    </m:r>
+                    <m:sSub>
+                      <m:sSubPr>
+                        <m:ctrlPr>
+                          <a:rPr lang="zh-CN" altLang="zh-CN" i="1">
+                            <a:solidFill>
+                              <a:schemeClr val="accent5">
+                                <a:lumMod val="75000"/>
+                              </a:schemeClr>
+                            </a:solidFill>
+                            <a:latin typeface="Cambria Math" panose="02040503050406030204" pitchFamily="18" charset="0"/>
+                          </a:rPr>
+                        </m:ctrlPr>
+                      </m:sSubPr>
+                      <m:e>
+                        <m:r>
+                          <a:rPr lang="en-US" altLang="zh-CN" i="1">
+                            <a:solidFill>
+                              <a:schemeClr val="accent5">
+                                <a:lumMod val="75000"/>
+                              </a:schemeClr>
+                            </a:solidFill>
+                            <a:latin typeface="Cambria Math" panose="02040503050406030204" pitchFamily="18" charset="0"/>
+                          </a:rPr>
+                          <m:t>𝑃</m:t>
+                        </m:r>
+                      </m:e>
+                      <m:sub>
+                        <m:r>
+                          <a:rPr lang="en-US" altLang="zh-CN" i="1">
+                            <a:solidFill>
+                              <a:schemeClr val="accent5">
+                                <a:lumMod val="75000"/>
+                              </a:schemeClr>
+                            </a:solidFill>
+                            <a:latin typeface="Cambria Math" panose="02040503050406030204" pitchFamily="18" charset="0"/>
+                          </a:rPr>
+                          <m:t>𝐽</m:t>
+                        </m:r>
+                      </m:sub>
+                    </m:sSub>
+                  </m:oMath>
+                </a14:m>
+                <a:r>
+                  <a:rPr lang="zh-CN" altLang="en-US" dirty="0" smtClean="0">
+                    <a:solidFill>
+                      <a:schemeClr val="accent5">
+                        <a:lumMod val="75000"/>
+                      </a:schemeClr>
+                    </a:solidFill>
+                  </a:rPr>
+                  <a:t>   电能 </a:t>
+                </a:r>
+                <a:r>
+                  <a:rPr lang="en-US" altLang="zh-CN" dirty="0" smtClean="0">
+                    <a:solidFill>
+                      <a:schemeClr val="accent5">
+                        <a:lumMod val="75000"/>
+                      </a:schemeClr>
+                    </a:solidFill>
+                  </a:rPr>
+                  <a:t>= </a:t>
+                </a:r>
+                <a:r>
+                  <a:rPr lang="zh-CN" altLang="en-US" dirty="0" smtClean="0">
+                    <a:solidFill>
+                      <a:schemeClr val="accent5">
+                        <a:lumMod val="75000"/>
+                      </a:schemeClr>
+                    </a:solidFill>
+                  </a:rPr>
+                  <a:t>机械能</a:t>
+                </a:r>
+                <a:r>
+                  <a:rPr lang="en-US" altLang="zh-CN" dirty="0" smtClean="0">
+                    <a:solidFill>
+                      <a:schemeClr val="accent5">
+                        <a:lumMod val="75000"/>
+                      </a:schemeClr>
+                    </a:solidFill>
+                  </a:rPr>
+                  <a:t>+</a:t>
+                </a:r>
+                <a:r>
+                  <a:rPr lang="zh-CN" altLang="en-US" dirty="0" smtClean="0">
+                    <a:solidFill>
+                      <a:schemeClr val="accent5">
+                        <a:lumMod val="75000"/>
+                      </a:schemeClr>
+                    </a:solidFill>
+                  </a:rPr>
+                  <a:t>热能</a:t>
+                </a:r>
+                <a:endParaRPr lang="en-US" altLang="zh-CN" dirty="0" smtClean="0">
+                  <a:solidFill>
+                    <a:schemeClr val="accent5">
+                      <a:lumMod val="75000"/>
+                    </a:schemeClr>
+                  </a:solidFill>
+                </a:endParaRPr>
+              </a:p>
+              <a:p>
+                <a:r>
+                  <a:rPr lang="en-US" altLang="zh-CN" dirty="0">
+                    <a:solidFill>
+                      <a:schemeClr val="accent5">
+                        <a:lumMod val="75000"/>
+                      </a:schemeClr>
+                    </a:solidFill>
+                  </a:rPr>
+                  <a:t>U*I = </a:t>
+                </a:r>
+                <a:r>
+                  <a:rPr lang="zh-CN" altLang="zh-CN" dirty="0">
+                    <a:solidFill>
+                      <a:schemeClr val="accent5">
+                        <a:lumMod val="75000"/>
+                      </a:schemeClr>
+                    </a:solidFill>
+                  </a:rPr>
+                  <a:t>π</a:t>
+                </a:r>
+                <a:r>
+                  <a:rPr lang="en-US" altLang="zh-CN" dirty="0">
+                    <a:solidFill>
+                      <a:schemeClr val="accent5">
+                        <a:lumMod val="75000"/>
+                      </a:schemeClr>
+                    </a:solidFill>
+                  </a:rPr>
+                  <a:t>/30000*n*M + </a:t>
+                </a:r>
+                <a:r>
+                  <a:rPr lang="en-US" altLang="zh-CN" dirty="0" smtClean="0">
+                    <a:solidFill>
+                      <a:schemeClr val="accent5">
+                        <a:lumMod val="75000"/>
+                      </a:schemeClr>
+                    </a:solidFill>
+                  </a:rPr>
+                  <a:t>R*I²</a:t>
+                </a:r>
+              </a:p>
+              <a:p>
+                <a14:m>
+                  <m:oMath xmlns:m="http://schemas.openxmlformats.org/officeDocument/2006/math">
+                    <m:r>
+                      <m:rPr>
+                        <m:sty m:val="p"/>
+                      </m:rPr>
+                      <a:rPr lang="en-US" altLang="zh-CN">
+                        <a:latin typeface="Cambria Math" panose="02040503050406030204" pitchFamily="18" charset="0"/>
+                      </a:rPr>
+                      <m:t>n</m:t>
+                    </m:r>
+                    <m:r>
+                      <a:rPr lang="en-US" altLang="zh-CN">
+                        <a:latin typeface="Cambria Math" panose="02040503050406030204" pitchFamily="18" charset="0"/>
+                      </a:rPr>
+                      <m:t>= </m:t>
+                    </m:r>
+                    <m:sSub>
+                      <m:sSubPr>
+                        <m:ctrlPr>
+                          <a:rPr lang="zh-CN" altLang="zh-CN" i="1">
+                            <a:latin typeface="Cambria Math" panose="02040503050406030204" pitchFamily="18" charset="0"/>
+                          </a:rPr>
+                        </m:ctrlPr>
+                      </m:sSubPr>
+                      <m:e>
+                        <m:r>
+                          <a:rPr lang="en-US" altLang="zh-CN" i="1">
+                            <a:latin typeface="Cambria Math" panose="02040503050406030204" pitchFamily="18" charset="0"/>
+                          </a:rPr>
+                          <m:t>𝐾</m:t>
+                        </m:r>
+                      </m:e>
+                      <m:sub>
+                        <m:r>
+                          <a:rPr lang="en-US" altLang="zh-CN" i="1">
+                            <a:latin typeface="Cambria Math" panose="02040503050406030204" pitchFamily="18" charset="0"/>
+                          </a:rPr>
+                          <m:t>𝑛</m:t>
+                        </m:r>
+                      </m:sub>
+                    </m:sSub>
+                    <m:r>
+                      <a:rPr lang="en-US" altLang="zh-CN" i="1">
+                        <a:latin typeface="Cambria Math" panose="02040503050406030204" pitchFamily="18" charset="0"/>
+                      </a:rPr>
+                      <m:t>∗</m:t>
+                    </m:r>
+                    <m:r>
+                      <a:rPr lang="en-US" altLang="zh-CN" i="1">
+                        <a:latin typeface="Cambria Math" panose="02040503050406030204" pitchFamily="18" charset="0"/>
+                      </a:rPr>
+                      <m:t>𝑈</m:t>
+                    </m:r>
+                  </m:oMath>
+                </a14:m>
+                <a:r>
+                  <a:rPr lang="en-US" altLang="zh-CN" dirty="0"/>
+                  <a:t> </a:t>
+                </a:r>
+                <a:endParaRPr lang="zh-CN" altLang="zh-CN" dirty="0"/>
+              </a:p>
+              <a:p>
+                <a14:m>
+                  <m:oMath xmlns:m="http://schemas.openxmlformats.org/officeDocument/2006/math">
+                    <m:r>
+                      <m:rPr>
+                        <m:sty m:val="p"/>
+                      </m:rPr>
+                      <a:rPr lang="en-US" altLang="zh-CN">
+                        <a:latin typeface="Cambria Math" panose="02040503050406030204" pitchFamily="18" charset="0"/>
+                      </a:rPr>
+                      <m:t>M</m:t>
+                    </m:r>
+                    <m:r>
+                      <a:rPr lang="en-US" altLang="zh-CN">
+                        <a:latin typeface="Cambria Math" panose="02040503050406030204" pitchFamily="18" charset="0"/>
+                      </a:rPr>
+                      <m:t>= </m:t>
+                    </m:r>
+                    <m:sSub>
+                      <m:sSubPr>
+                        <m:ctrlPr>
+                          <a:rPr lang="zh-CN" altLang="zh-CN" i="1">
+                            <a:latin typeface="Cambria Math" panose="02040503050406030204" pitchFamily="18" charset="0"/>
+                          </a:rPr>
+                        </m:ctrlPr>
+                      </m:sSubPr>
+                      <m:e>
+                        <m:r>
+                          <a:rPr lang="en-US" altLang="zh-CN" i="1">
+                            <a:latin typeface="Cambria Math" panose="02040503050406030204" pitchFamily="18" charset="0"/>
+                          </a:rPr>
+                          <m:t>𝐾</m:t>
+                        </m:r>
+                      </m:e>
+                      <m:sub>
+                        <m:r>
+                          <a:rPr lang="en-US" altLang="zh-CN" i="1">
+                            <a:latin typeface="Cambria Math" panose="02040503050406030204" pitchFamily="18" charset="0"/>
+                          </a:rPr>
+                          <m:t>𝑚</m:t>
+                        </m:r>
+                      </m:sub>
+                    </m:sSub>
+                    <m:r>
+                      <a:rPr lang="en-US" altLang="zh-CN" i="1">
+                        <a:latin typeface="Cambria Math" panose="02040503050406030204" pitchFamily="18" charset="0"/>
+                      </a:rPr>
+                      <m:t>∗</m:t>
+                    </m:r>
+                    <m:r>
+                      <a:rPr lang="en-US" altLang="zh-CN" i="1">
+                        <a:latin typeface="Cambria Math" panose="02040503050406030204" pitchFamily="18" charset="0"/>
+                      </a:rPr>
+                      <m:t>𝐼</m:t>
+                    </m:r>
+                  </m:oMath>
+                </a14:m>
+                <a:r>
+                  <a:rPr lang="en-US" altLang="zh-CN" dirty="0"/>
+                  <a:t> </a:t>
+                </a:r>
+                <a:endParaRPr lang="zh-CN" altLang="zh-CN" dirty="0"/>
+              </a:p>
+              <a:p>
+                <a14:m>
+                  <m:oMath xmlns:m="http://schemas.openxmlformats.org/officeDocument/2006/math">
+                    <m:sSub>
+                      <m:sSubPr>
+                        <m:ctrlPr>
+                          <a:rPr lang="zh-CN" altLang="zh-CN" i="1">
+                            <a:latin typeface="Cambria Math" panose="02040503050406030204" pitchFamily="18" charset="0"/>
+                          </a:rPr>
+                        </m:ctrlPr>
+                      </m:sSubPr>
+                      <m:e>
+                        <m:r>
+                          <a:rPr lang="en-US" altLang="zh-CN" i="1">
+                            <a:latin typeface="Cambria Math" panose="02040503050406030204" pitchFamily="18" charset="0"/>
+                          </a:rPr>
+                          <m:t>𝐾</m:t>
+                        </m:r>
+                      </m:e>
+                      <m:sub>
+                        <m:r>
+                          <a:rPr lang="en-US" altLang="zh-CN" i="1">
+                            <a:latin typeface="Cambria Math" panose="02040503050406030204" pitchFamily="18" charset="0"/>
+                          </a:rPr>
+                          <m:t>𝑛</m:t>
+                        </m:r>
+                      </m:sub>
+                    </m:sSub>
+                    <m:r>
+                      <a:rPr lang="en-US" altLang="zh-CN" i="1">
+                        <a:latin typeface="Cambria Math" panose="02040503050406030204" pitchFamily="18" charset="0"/>
+                      </a:rPr>
+                      <m:t>∗</m:t>
+                    </m:r>
+                    <m:sSub>
+                      <m:sSubPr>
+                        <m:ctrlPr>
+                          <a:rPr lang="zh-CN" altLang="zh-CN" i="1">
+                            <a:latin typeface="Cambria Math" panose="02040503050406030204" pitchFamily="18" charset="0"/>
+                          </a:rPr>
+                        </m:ctrlPr>
+                      </m:sSubPr>
+                      <m:e>
+                        <m:r>
+                          <a:rPr lang="en-US" altLang="zh-CN" i="1">
+                            <a:latin typeface="Cambria Math" panose="02040503050406030204" pitchFamily="18" charset="0"/>
+                          </a:rPr>
+                          <m:t>𝐾</m:t>
+                        </m:r>
+                      </m:e>
+                      <m:sub>
+                        <m:r>
+                          <a:rPr lang="en-US" altLang="zh-CN" i="1">
+                            <a:latin typeface="Cambria Math" panose="02040503050406030204" pitchFamily="18" charset="0"/>
+                          </a:rPr>
+                          <m:t>𝑚</m:t>
+                        </m:r>
+                      </m:sub>
+                    </m:sSub>
+                    <m:r>
+                      <a:rPr lang="en-US" altLang="zh-CN" i="1">
+                        <a:latin typeface="Cambria Math" panose="02040503050406030204" pitchFamily="18" charset="0"/>
+                      </a:rPr>
+                      <m:t>=</m:t>
+                    </m:r>
+                    <m:f>
+                      <m:fPr>
+                        <m:ctrlPr>
+                          <a:rPr lang="zh-CN" altLang="zh-CN" i="1">
+                            <a:latin typeface="Cambria Math" panose="02040503050406030204" pitchFamily="18" charset="0"/>
+                          </a:rPr>
+                        </m:ctrlPr>
+                      </m:fPr>
+                      <m:num>
+                        <m:r>
+                          <a:rPr lang="en-US" altLang="zh-CN" i="1">
+                            <a:latin typeface="Cambria Math" panose="02040503050406030204" pitchFamily="18" charset="0"/>
+                          </a:rPr>
+                          <m:t>30000</m:t>
+                        </m:r>
+                      </m:num>
+                      <m:den>
+                        <m:r>
+                          <m:rPr>
+                            <m:sty m:val="p"/>
+                          </m:rPr>
+                          <a:rPr lang="en-US" altLang="zh-CN">
+                            <a:latin typeface="Cambria Math" panose="02040503050406030204" pitchFamily="18" charset="0"/>
+                          </a:rPr>
+                          <m:t>π</m:t>
+                        </m:r>
+                      </m:den>
+                    </m:f>
+                  </m:oMath>
+                </a14:m>
+                <a:r>
+                  <a:rPr lang="en-US" altLang="zh-CN" dirty="0"/>
+                  <a:t> </a:t>
+                </a:r>
+                <a:endParaRPr lang="zh-CN" altLang="zh-CN" dirty="0"/>
+              </a:p>
+              <a:p>
+                <a:r>
+                  <a:rPr lang="en-US" altLang="zh-CN" dirty="0" smtClean="0">
+                    <a:solidFill>
+                      <a:schemeClr val="accent5">
+                        <a:lumMod val="75000"/>
+                      </a:schemeClr>
+                    </a:solidFill>
+                  </a:rPr>
+                  <a:t>n = </a:t>
+                </a:r>
+                <a14:m>
+                  <m:oMath xmlns:m="http://schemas.openxmlformats.org/officeDocument/2006/math">
+                    <m:sSub>
+                      <m:sSubPr>
+                        <m:ctrlPr>
+                          <a:rPr lang="zh-CN" altLang="zh-CN" i="1">
+                            <a:solidFill>
+                              <a:schemeClr val="accent5">
+                                <a:lumMod val="75000"/>
+                              </a:schemeClr>
+                            </a:solidFill>
+                            <a:latin typeface="Cambria Math" panose="02040503050406030204" pitchFamily="18" charset="0"/>
+                          </a:rPr>
+                        </m:ctrlPr>
+                      </m:sSubPr>
+                      <m:e>
+                        <m:r>
+                          <a:rPr lang="en-US" altLang="zh-CN" i="1">
+                            <a:solidFill>
+                              <a:schemeClr val="accent5">
+                                <a:lumMod val="75000"/>
+                              </a:schemeClr>
+                            </a:solidFill>
+                            <a:latin typeface="Cambria Math" panose="02040503050406030204" pitchFamily="18" charset="0"/>
+                          </a:rPr>
+                          <m:t>𝐾</m:t>
+                        </m:r>
+                      </m:e>
+                      <m:sub>
+                        <m:r>
+                          <a:rPr lang="en-US" altLang="zh-CN" i="1">
+                            <a:solidFill>
+                              <a:schemeClr val="accent5">
+                                <a:lumMod val="75000"/>
+                              </a:schemeClr>
+                            </a:solidFill>
+                            <a:latin typeface="Cambria Math" panose="02040503050406030204" pitchFamily="18" charset="0"/>
+                          </a:rPr>
+                          <m:t>𝑛</m:t>
+                        </m:r>
+                      </m:sub>
+                    </m:sSub>
+                    <m:r>
+                      <a:rPr lang="en-US" altLang="zh-CN" i="1">
+                        <a:solidFill>
+                          <a:schemeClr val="accent5">
+                            <a:lumMod val="75000"/>
+                          </a:schemeClr>
+                        </a:solidFill>
+                        <a:latin typeface="Cambria Math" panose="02040503050406030204" pitchFamily="18" charset="0"/>
+                      </a:rPr>
+                      <m:t>∗</m:t>
+                    </m:r>
+                    <m:r>
+                      <a:rPr lang="en-US" altLang="zh-CN" i="1">
+                        <a:solidFill>
+                          <a:schemeClr val="accent5">
+                            <a:lumMod val="75000"/>
+                          </a:schemeClr>
+                        </a:solidFill>
+                        <a:latin typeface="Cambria Math" panose="02040503050406030204" pitchFamily="18" charset="0"/>
+                      </a:rPr>
+                      <m:t>𝑈</m:t>
+                    </m:r>
+                    <m:r>
+                      <a:rPr lang="en-US" altLang="zh-CN" i="1">
+                        <a:solidFill>
+                          <a:schemeClr val="accent5">
+                            <a:lumMod val="75000"/>
+                          </a:schemeClr>
+                        </a:solidFill>
+                        <a:latin typeface="Cambria Math" panose="02040503050406030204" pitchFamily="18" charset="0"/>
+                      </a:rPr>
+                      <m:t>−</m:t>
                     </m:r>
                     <m:f>
                       <m:fPr>
@@ -7045,6 +6211,1461 @@
                                 <a:lumMod val="75000"/>
                               </a:schemeClr>
                             </a:solidFill>
+                            <a:latin typeface="Cambria Math" panose="02040503050406030204" pitchFamily="18" charset="0"/>
+                          </a:rPr>
+                        </m:ctrlPr>
+                      </m:fPr>
+                      <m:num>
+                        <m:r>
+                          <a:rPr lang="en-US" altLang="zh-CN" i="1">
+                            <a:solidFill>
+                              <a:schemeClr val="accent5">
+                                <a:lumMod val="75000"/>
+                              </a:schemeClr>
+                            </a:solidFill>
+                            <a:latin typeface="Cambria Math" panose="02040503050406030204" pitchFamily="18" charset="0"/>
+                          </a:rPr>
+                          <m:t>30000</m:t>
+                        </m:r>
+                      </m:num>
+                      <m:den>
+                        <m:r>
+                          <m:rPr>
+                            <m:sty m:val="p"/>
+                          </m:rPr>
+                          <a:rPr lang="en-US" altLang="zh-CN">
+                            <a:solidFill>
+                              <a:schemeClr val="accent5">
+                                <a:lumMod val="75000"/>
+                              </a:schemeClr>
+                            </a:solidFill>
+                            <a:latin typeface="Cambria Math" panose="02040503050406030204" pitchFamily="18" charset="0"/>
+                          </a:rPr>
+                          <m:t>π</m:t>
+                        </m:r>
+                      </m:den>
+                    </m:f>
+                    <m:r>
+                      <a:rPr lang="en-US" altLang="zh-CN" i="1">
+                        <a:solidFill>
+                          <a:schemeClr val="accent5">
+                            <a:lumMod val="75000"/>
+                          </a:schemeClr>
+                        </a:solidFill>
+                        <a:latin typeface="Cambria Math" panose="02040503050406030204" pitchFamily="18" charset="0"/>
+                      </a:rPr>
+                      <m:t>∗</m:t>
+                    </m:r>
+                    <m:f>
+                      <m:fPr>
+                        <m:ctrlPr>
+                          <a:rPr lang="zh-CN" altLang="zh-CN" i="1">
+                            <a:solidFill>
+                              <a:schemeClr val="accent5">
+                                <a:lumMod val="75000"/>
+                              </a:schemeClr>
+                            </a:solidFill>
+                            <a:latin typeface="Cambria Math" panose="02040503050406030204" pitchFamily="18" charset="0"/>
+                          </a:rPr>
+                        </m:ctrlPr>
+                      </m:fPr>
+                      <m:num>
+                        <m:r>
+                          <a:rPr lang="en-US" altLang="zh-CN" i="1">
+                            <a:solidFill>
+                              <a:schemeClr val="accent5">
+                                <a:lumMod val="75000"/>
+                              </a:schemeClr>
+                            </a:solidFill>
+                            <a:latin typeface="Cambria Math" panose="02040503050406030204" pitchFamily="18" charset="0"/>
+                          </a:rPr>
+                          <m:t>𝑅</m:t>
+                        </m:r>
+                      </m:num>
+                      <m:den>
+                        <m:sSubSup>
+                          <m:sSubSupPr>
+                            <m:ctrlPr>
+                              <a:rPr lang="zh-CN" altLang="zh-CN" i="1">
+                                <a:solidFill>
+                                  <a:schemeClr val="accent5">
+                                    <a:lumMod val="75000"/>
+                                  </a:schemeClr>
+                                </a:solidFill>
+                                <a:latin typeface="Cambria Math" panose="02040503050406030204" pitchFamily="18" charset="0"/>
+                              </a:rPr>
+                            </m:ctrlPr>
+                          </m:sSubSupPr>
+                          <m:e>
+                            <m:r>
+                              <a:rPr lang="en-US" altLang="zh-CN" i="1">
+                                <a:solidFill>
+                                  <a:schemeClr val="accent5">
+                                    <a:lumMod val="75000"/>
+                                  </a:schemeClr>
+                                </a:solidFill>
+                                <a:latin typeface="Cambria Math" panose="02040503050406030204" pitchFamily="18" charset="0"/>
+                              </a:rPr>
+                              <m:t>𝐾</m:t>
+                            </m:r>
+                          </m:e>
+                          <m:sub>
+                            <m:r>
+                              <a:rPr lang="en-US" altLang="zh-CN" i="1">
+                                <a:solidFill>
+                                  <a:schemeClr val="accent5">
+                                    <a:lumMod val="75000"/>
+                                  </a:schemeClr>
+                                </a:solidFill>
+                                <a:latin typeface="Cambria Math" panose="02040503050406030204" pitchFamily="18" charset="0"/>
+                              </a:rPr>
+                              <m:t>𝑚</m:t>
+                            </m:r>
+                          </m:sub>
+                          <m:sup>
+                            <m:r>
+                              <a:rPr lang="en-US" altLang="zh-CN">
+                                <a:solidFill>
+                                  <a:schemeClr val="accent5">
+                                    <a:lumMod val="75000"/>
+                                  </a:schemeClr>
+                                </a:solidFill>
+                                <a:latin typeface="Cambria Math" panose="02040503050406030204" pitchFamily="18" charset="0"/>
+                              </a:rPr>
+                              <m:t>2</m:t>
+                            </m:r>
+                          </m:sup>
+                        </m:sSubSup>
+                      </m:den>
+                    </m:f>
+                    <m:r>
+                      <a:rPr lang="en-US" altLang="zh-CN" i="1">
+                        <a:solidFill>
+                          <a:schemeClr val="accent5">
+                            <a:lumMod val="75000"/>
+                          </a:schemeClr>
+                        </a:solidFill>
+                        <a:latin typeface="Cambria Math" panose="02040503050406030204" pitchFamily="18" charset="0"/>
+                      </a:rPr>
+                      <m:t>∗</m:t>
+                    </m:r>
+                    <m:r>
+                      <a:rPr lang="en-US" altLang="zh-CN" i="1">
+                        <a:solidFill>
+                          <a:schemeClr val="accent5">
+                            <a:lumMod val="75000"/>
+                          </a:schemeClr>
+                        </a:solidFill>
+                        <a:latin typeface="Cambria Math" panose="02040503050406030204" pitchFamily="18" charset="0"/>
+                      </a:rPr>
+                      <m:t>𝑀</m:t>
+                    </m:r>
+                  </m:oMath>
+                </a14:m>
+                <a:r>
+                  <a:rPr lang="en-US" altLang="zh-CN" dirty="0">
+                    <a:solidFill>
+                      <a:schemeClr val="accent5">
+                        <a:lumMod val="75000"/>
+                      </a:schemeClr>
+                    </a:solidFill>
+                  </a:rPr>
+                  <a:t> </a:t>
+                </a:r>
+                <a:endParaRPr lang="zh-CN" altLang="zh-CN" dirty="0">
+                  <a:solidFill>
+                    <a:schemeClr val="accent5">
+                      <a:lumMod val="75000"/>
+                    </a:schemeClr>
+                  </a:solidFill>
+                </a:endParaRPr>
+              </a:p>
+              <a:p>
+                <a:endParaRPr lang="zh-CN" altLang="en-US" dirty="0"/>
+              </a:p>
+            </p:txBody>
+          </p:sp>
+        </mc:Choice>
+        <mc:Fallback xmlns="">
+          <p:sp>
+            <p:nvSpPr>
+              <p:cNvPr id="3" name="内容占位符 2"/>
+              <p:cNvSpPr>
+                <a:spLocks noGrp="1" noRot="1" noChangeAspect="1" noMove="1" noResize="1" noEditPoints="1" noAdjustHandles="1" noChangeArrowheads="1" noChangeShapeType="1" noTextEdit="1"/>
+              </p:cNvSpPr>
+              <p:nvPr>
+                <p:ph idx="1"/>
+              </p:nvPr>
+            </p:nvSpPr>
+            <p:spPr>
+              <a:blipFill rotWithShape="0">
+                <a:blip r:embed="rId2"/>
+                <a:stretch>
+                  <a:fillRect l="-1043" t="-2661"/>
+                </a:stretch>
+              </a:blipFill>
+            </p:spPr>
+            <p:txBody>
+              <a:bodyPr/>
+              <a:lstStyle/>
+              <a:p>
+                <a:r>
+                  <a:rPr lang="zh-CN" altLang="en-US">
+                    <a:noFill/>
+                  </a:rPr>
+                  <a:t> </a:t>
+                </a:r>
+              </a:p>
+            </p:txBody>
+          </p:sp>
+        </mc:Fallback>
+      </mc:AlternateContent>
+      <p:sp>
+        <p:nvSpPr>
+          <p:cNvPr id="4" name="日期占位符 3"/>
+          <p:cNvSpPr>
+            <a:spLocks noGrp="1"/>
+          </p:cNvSpPr>
+          <p:nvPr>
+            <p:ph type="dt" sz="half" idx="10"/>
+          </p:nvPr>
+        </p:nvSpPr>
+        <p:spPr/>
+        <p:txBody>
+          <a:bodyPr/>
+          <a:lstStyle/>
+          <a:p>
+            <a:fld id="{09AB9B90-079F-4C02-96FD-F237FBA298D6}" type="datetime1">
+              <a:rPr lang="zh-CN" altLang="en-US" smtClean="0"/>
+              <a:t>2016/10/8</a:t>
+            </a:fld>
+            <a:endParaRPr lang="zh-CN" altLang="en-US"/>
+          </a:p>
+        </p:txBody>
+      </p:sp>
+      <p:sp>
+        <p:nvSpPr>
+          <p:cNvPr id="5" name="页脚占位符 4"/>
+          <p:cNvSpPr>
+            <a:spLocks noGrp="1"/>
+          </p:cNvSpPr>
+          <p:nvPr>
+            <p:ph type="ftr" sz="quarter" idx="11"/>
+          </p:nvPr>
+        </p:nvSpPr>
+        <p:spPr/>
+        <p:txBody>
+          <a:bodyPr/>
+          <a:lstStyle/>
+          <a:p>
+            <a:r>
+              <a:rPr lang="zh-CN" altLang="en-US" smtClean="0"/>
+              <a:t>艾克申机器人出品</a:t>
+            </a:r>
+            <a:endParaRPr lang="zh-CN" altLang="en-US"/>
+          </a:p>
+        </p:txBody>
+      </p:sp>
+      <p:sp>
+        <p:nvSpPr>
+          <p:cNvPr id="6" name="灯片编号占位符 5"/>
+          <p:cNvSpPr>
+            <a:spLocks noGrp="1"/>
+          </p:cNvSpPr>
+          <p:nvPr>
+            <p:ph type="sldNum" sz="quarter" idx="12"/>
+          </p:nvPr>
+        </p:nvSpPr>
+        <p:spPr/>
+        <p:txBody>
+          <a:bodyPr/>
+          <a:lstStyle/>
+          <a:p>
+            <a:fld id="{EE00FA2F-700A-4C2D-87BB-7F963A8CB484}" type="slidenum">
+              <a:rPr lang="zh-CN" altLang="en-US" smtClean="0"/>
+              <a:t>18</a:t>
+            </a:fld>
+            <a:endParaRPr lang="zh-CN" altLang="en-US"/>
+          </a:p>
+        </p:txBody>
+      </p:sp>
+    </p:spTree>
+    <p:extLst>
+      <p:ext uri="{BB962C8B-B14F-4D97-AF65-F5344CB8AC3E}">
+        <p14:creationId xmlns:p14="http://schemas.microsoft.com/office/powerpoint/2010/main" val="1125100505"/>
+      </p:ext>
+    </p:extLst>
+  </p:cSld>
+  <p:clrMapOvr>
+    <a:masterClrMapping/>
+  </p:clrMapOvr>
+  <p:timing>
+    <p:tnLst>
+      <p:par>
+        <p:cTn id="1" dur="indefinite" restart="never" nodeType="tmRoot"/>
+      </p:par>
+    </p:tnLst>
+  </p:timing>
+</p:sld>
+</file>
+
+<file path=ppt/slides/slide19.xml><?xml version="1.0" encoding="utf-8"?>
+<p:sld xmlns:a="http://schemas.openxmlformats.org/drawingml/2006/main" xmlns:r="http://schemas.openxmlformats.org/officeDocument/2006/relationships" xmlns:p="http://schemas.openxmlformats.org/presentationml/2006/main">
+  <p:cSld>
+    <p:spTree>
+      <p:nvGrpSpPr>
+        <p:cNvPr id="1" name=""/>
+        <p:cNvGrpSpPr/>
+        <p:nvPr/>
+      </p:nvGrpSpPr>
+      <p:grpSpPr>
+        <a:xfrm>
+          <a:off x="0" y="0"/>
+          <a:ext cx="0" cy="0"/>
+          <a:chOff x="0" y="0"/>
+          <a:chExt cx="0" cy="0"/>
+        </a:xfrm>
+      </p:grpSpPr>
+      <p:sp>
+        <p:nvSpPr>
+          <p:cNvPr id="2" name="标题 1"/>
+          <p:cNvSpPr>
+            <a:spLocks noGrp="1"/>
+          </p:cNvSpPr>
+          <p:nvPr>
+            <p:ph type="title"/>
+          </p:nvPr>
+        </p:nvSpPr>
+        <p:spPr/>
+        <p:txBody>
+          <a:bodyPr/>
+          <a:lstStyle/>
+          <a:p>
+            <a:pPr marL="571500" indent="-571500">
+              <a:buFont typeface="Wingdings" panose="05000000000000000000" pitchFamily="2" charset="2"/>
+              <a:buChar char="Ø"/>
+            </a:pPr>
+            <a:r>
+              <a:rPr lang="zh-CN" altLang="en-US" dirty="0" smtClean="0"/>
+              <a:t>公式</a:t>
+            </a:r>
+            <a:endParaRPr lang="zh-CN" altLang="en-US" dirty="0"/>
+          </a:p>
+        </p:txBody>
+      </p:sp>
+      <mc:AlternateContent xmlns:mc="http://schemas.openxmlformats.org/markup-compatibility/2006" xmlns:a14="http://schemas.microsoft.com/office/drawing/2010/main">
+        <mc:Choice Requires="a14">
+          <p:sp>
+            <p:nvSpPr>
+              <p:cNvPr id="3" name="内容占位符 2"/>
+              <p:cNvSpPr>
+                <a:spLocks noGrp="1"/>
+              </p:cNvSpPr>
+              <p:nvPr>
+                <p:ph idx="1"/>
+              </p:nvPr>
+            </p:nvSpPr>
+            <p:spPr/>
+            <p:txBody>
+              <a:bodyPr/>
+              <a:lstStyle/>
+              <a:p>
+                <a14:m>
+                  <m:oMath xmlns:m="http://schemas.openxmlformats.org/officeDocument/2006/math">
+                    <m:sSub>
+                      <m:sSubPr>
+                        <m:ctrlPr>
+                          <a:rPr lang="zh-CN" altLang="zh-CN" i="1">
+                            <a:latin typeface="Cambria Math" panose="02040503050406030204" pitchFamily="18" charset="0"/>
+                          </a:rPr>
+                        </m:ctrlPr>
+                      </m:sSubPr>
+                      <m:e>
+                        <m:r>
+                          <a:rPr lang="en-US" altLang="zh-CN" i="1">
+                            <a:latin typeface="Cambria Math" panose="02040503050406030204" pitchFamily="18" charset="0"/>
+                          </a:rPr>
+                          <m:t>𝑀</m:t>
+                        </m:r>
+                      </m:e>
+                      <m:sub>
+                        <m:r>
+                          <m:rPr>
+                            <m:sty m:val="p"/>
+                          </m:rPr>
+                          <a:rPr lang="en-US" altLang="zh-CN">
+                            <a:latin typeface="Cambria Math" panose="02040503050406030204" pitchFamily="18" charset="0"/>
+                          </a:rPr>
+                          <m:t>R</m:t>
+                        </m:r>
+                      </m:sub>
+                    </m:sSub>
+                    <m:r>
+                      <a:rPr lang="en-US" altLang="zh-CN" i="1">
+                        <a:latin typeface="Cambria Math" panose="02040503050406030204" pitchFamily="18" charset="0"/>
+                      </a:rPr>
+                      <m:t>= </m:t>
+                    </m:r>
+                    <m:sSub>
+                      <m:sSubPr>
+                        <m:ctrlPr>
+                          <a:rPr lang="zh-CN" altLang="zh-CN" i="1">
+                            <a:latin typeface="Cambria Math" panose="02040503050406030204" pitchFamily="18" charset="0"/>
+                          </a:rPr>
+                        </m:ctrlPr>
+                      </m:sSubPr>
+                      <m:e>
+                        <m:r>
+                          <a:rPr lang="en-US" altLang="zh-CN" i="1">
+                            <a:latin typeface="Cambria Math" panose="02040503050406030204" pitchFamily="18" charset="0"/>
+                          </a:rPr>
+                          <m:t>𝐾</m:t>
+                        </m:r>
+                      </m:e>
+                      <m:sub>
+                        <m:r>
+                          <a:rPr lang="en-US" altLang="zh-CN" i="1">
+                            <a:latin typeface="Cambria Math" panose="02040503050406030204" pitchFamily="18" charset="0"/>
+                          </a:rPr>
+                          <m:t>𝑚</m:t>
+                        </m:r>
+                      </m:sub>
+                    </m:sSub>
+                    <m:r>
+                      <a:rPr lang="en-US" altLang="zh-CN" i="1">
+                        <a:latin typeface="Cambria Math" panose="02040503050406030204" pitchFamily="18" charset="0"/>
+                      </a:rPr>
+                      <m:t>∗</m:t>
+                    </m:r>
+                    <m:sSub>
+                      <m:sSubPr>
+                        <m:ctrlPr>
+                          <a:rPr lang="zh-CN" altLang="zh-CN" i="1">
+                            <a:latin typeface="Cambria Math" panose="02040503050406030204" pitchFamily="18" charset="0"/>
+                          </a:rPr>
+                        </m:ctrlPr>
+                      </m:sSubPr>
+                      <m:e>
+                        <m:r>
+                          <a:rPr lang="en-US" altLang="zh-CN" i="1">
+                            <a:latin typeface="Cambria Math" panose="02040503050406030204" pitchFamily="18" charset="0"/>
+                          </a:rPr>
+                          <m:t>𝐼</m:t>
+                        </m:r>
+                      </m:e>
+                      <m:sub>
+                        <m:r>
+                          <a:rPr lang="en-US" altLang="zh-CN" i="1">
+                            <a:latin typeface="Cambria Math" panose="02040503050406030204" pitchFamily="18" charset="0"/>
+                          </a:rPr>
+                          <m:t>0</m:t>
+                        </m:r>
+                      </m:sub>
+                    </m:sSub>
+                  </m:oMath>
+                </a14:m>
+                <a:endParaRPr lang="zh-CN" altLang="zh-CN" dirty="0"/>
+              </a:p>
+              <a:p>
+                <a14:m>
+                  <m:oMath xmlns:m="http://schemas.openxmlformats.org/officeDocument/2006/math">
+                    <m:sSub>
+                      <m:sSubPr>
+                        <m:ctrlPr>
+                          <a:rPr lang="zh-CN" altLang="zh-CN" i="1" smtClean="0">
+                            <a:latin typeface="Cambria Math" panose="02040503050406030204" pitchFamily="18" charset="0"/>
+                          </a:rPr>
+                        </m:ctrlPr>
+                      </m:sSubPr>
+                      <m:e>
+                        <m:r>
+                          <a:rPr lang="en-US" altLang="zh-CN" i="1">
+                            <a:latin typeface="Cambria Math" panose="02040503050406030204" pitchFamily="18" charset="0"/>
+                          </a:rPr>
+                          <m:t>𝑀</m:t>
+                        </m:r>
+                      </m:e>
+                      <m:sub>
+                        <m:r>
+                          <m:rPr>
+                            <m:sty m:val="p"/>
+                          </m:rPr>
+                          <a:rPr lang="en-US" altLang="zh-CN">
+                            <a:latin typeface="Cambria Math" panose="02040503050406030204" pitchFamily="18" charset="0"/>
+                          </a:rPr>
+                          <m:t>H</m:t>
+                        </m:r>
+                      </m:sub>
+                    </m:sSub>
+                    <m:r>
+                      <a:rPr lang="en-US" altLang="zh-CN" i="1">
+                        <a:latin typeface="Cambria Math" panose="02040503050406030204" pitchFamily="18" charset="0"/>
+                      </a:rPr>
+                      <m:t>= </m:t>
+                    </m:r>
+                    <m:sSub>
+                      <m:sSubPr>
+                        <m:ctrlPr>
+                          <a:rPr lang="zh-CN" altLang="zh-CN" i="1">
+                            <a:latin typeface="Cambria Math" panose="02040503050406030204" pitchFamily="18" charset="0"/>
+                          </a:rPr>
+                        </m:ctrlPr>
+                      </m:sSubPr>
+                      <m:e>
+                        <m:r>
+                          <a:rPr lang="en-US" altLang="zh-CN" i="1">
+                            <a:latin typeface="Cambria Math" panose="02040503050406030204" pitchFamily="18" charset="0"/>
+                          </a:rPr>
+                          <m:t>𝐾</m:t>
+                        </m:r>
+                      </m:e>
+                      <m:sub>
+                        <m:r>
+                          <a:rPr lang="en-US" altLang="zh-CN" i="1">
+                            <a:latin typeface="Cambria Math" panose="02040503050406030204" pitchFamily="18" charset="0"/>
+                          </a:rPr>
+                          <m:t>𝑚</m:t>
+                        </m:r>
+                      </m:sub>
+                    </m:sSub>
+                    <m:r>
+                      <a:rPr lang="en-US" altLang="zh-CN" i="1">
+                        <a:latin typeface="Cambria Math" panose="02040503050406030204" pitchFamily="18" charset="0"/>
+                      </a:rPr>
+                      <m:t>∗</m:t>
+                    </m:r>
+                    <m:sSub>
+                      <m:sSubPr>
+                        <m:ctrlPr>
+                          <a:rPr lang="zh-CN" altLang="zh-CN" i="1">
+                            <a:latin typeface="Cambria Math" panose="02040503050406030204" pitchFamily="18" charset="0"/>
+                          </a:rPr>
+                        </m:ctrlPr>
+                      </m:sSubPr>
+                      <m:e>
+                        <m:r>
+                          <a:rPr lang="en-US" altLang="zh-CN" i="1">
+                            <a:latin typeface="Cambria Math" panose="02040503050406030204" pitchFamily="18" charset="0"/>
+                          </a:rPr>
+                          <m:t>𝐼</m:t>
+                        </m:r>
+                      </m:e>
+                      <m:sub>
+                        <m:r>
+                          <a:rPr lang="en-US" altLang="zh-CN" i="1">
+                            <a:latin typeface="Cambria Math" panose="02040503050406030204" pitchFamily="18" charset="0"/>
+                          </a:rPr>
+                          <m:t>𝐴</m:t>
+                        </m:r>
+                      </m:sub>
+                    </m:sSub>
+                  </m:oMath>
+                </a14:m>
+                <a:endParaRPr lang="zh-CN" altLang="zh-CN" dirty="0"/>
+              </a:p>
+              <a:p>
+                <a14:m>
+                  <m:oMath xmlns:m="http://schemas.openxmlformats.org/officeDocument/2006/math">
+                    <m:r>
+                      <m:rPr>
+                        <m:sty m:val="p"/>
+                      </m:rPr>
+                      <a:rPr lang="en-US" altLang="zh-CN" smtClean="0">
+                        <a:solidFill>
+                          <a:schemeClr val="accent5">
+                            <a:lumMod val="75000"/>
+                          </a:schemeClr>
+                        </a:solidFill>
+                        <a:latin typeface="Cambria Math" panose="02040503050406030204" pitchFamily="18" charset="0"/>
+                      </a:rPr>
+                      <m:t>η</m:t>
+                    </m:r>
+                    <m:r>
+                      <a:rPr lang="en-US" altLang="zh-CN" i="1">
+                        <a:solidFill>
+                          <a:schemeClr val="accent5">
+                            <a:lumMod val="75000"/>
+                          </a:schemeClr>
+                        </a:solidFill>
+                        <a:latin typeface="Cambria Math" panose="02040503050406030204" pitchFamily="18" charset="0"/>
+                      </a:rPr>
+                      <m:t>= </m:t>
+                    </m:r>
+                    <m:f>
+                      <m:fPr>
+                        <m:ctrlPr>
+                          <a:rPr lang="zh-CN" altLang="zh-CN" i="1">
+                            <a:solidFill>
+                              <a:schemeClr val="accent5">
+                                <a:lumMod val="75000"/>
+                              </a:schemeClr>
+                            </a:solidFill>
+                            <a:latin typeface="Cambria Math" panose="02040503050406030204" pitchFamily="18" charset="0"/>
+                          </a:rPr>
+                        </m:ctrlPr>
+                      </m:fPr>
+                      <m:num>
+                        <m:r>
+                          <a:rPr lang="en-US" altLang="zh-CN" i="1">
+                            <a:solidFill>
+                              <a:schemeClr val="accent5">
+                                <a:lumMod val="75000"/>
+                              </a:schemeClr>
+                            </a:solidFill>
+                            <a:latin typeface="Cambria Math" panose="02040503050406030204" pitchFamily="18" charset="0"/>
+                          </a:rPr>
+                          <m:t>30000</m:t>
+                        </m:r>
+                      </m:num>
+                      <m:den>
+                        <m:r>
+                          <m:rPr>
+                            <m:sty m:val="p"/>
+                          </m:rPr>
+                          <a:rPr lang="en-US" altLang="zh-CN">
+                            <a:solidFill>
+                              <a:schemeClr val="accent5">
+                                <a:lumMod val="75000"/>
+                              </a:schemeClr>
+                            </a:solidFill>
+                            <a:latin typeface="Cambria Math" panose="02040503050406030204" pitchFamily="18" charset="0"/>
+                          </a:rPr>
+                          <m:t>π</m:t>
+                        </m:r>
+                      </m:den>
+                    </m:f>
+                    <m:r>
+                      <a:rPr lang="en-US" altLang="zh-CN" i="1">
+                        <a:solidFill>
+                          <a:schemeClr val="accent5">
+                            <a:lumMod val="75000"/>
+                          </a:schemeClr>
+                        </a:solidFill>
+                        <a:latin typeface="Cambria Math" panose="02040503050406030204" pitchFamily="18" charset="0"/>
+                      </a:rPr>
+                      <m:t>∗</m:t>
+                    </m:r>
+                    <m:f>
+                      <m:fPr>
+                        <m:ctrlPr>
+                          <a:rPr lang="zh-CN" altLang="zh-CN" i="1">
+                            <a:solidFill>
+                              <a:schemeClr val="accent5">
+                                <a:lumMod val="75000"/>
+                              </a:schemeClr>
+                            </a:solidFill>
+                            <a:latin typeface="Cambria Math" panose="02040503050406030204" pitchFamily="18" charset="0"/>
+                          </a:rPr>
+                        </m:ctrlPr>
+                      </m:fPr>
+                      <m:num>
+                        <m:r>
+                          <a:rPr lang="en-US" altLang="zh-CN" i="1">
+                            <a:solidFill>
+                              <a:schemeClr val="accent5">
+                                <a:lumMod val="75000"/>
+                              </a:schemeClr>
+                            </a:solidFill>
+                            <a:latin typeface="Cambria Math" panose="02040503050406030204" pitchFamily="18" charset="0"/>
+                          </a:rPr>
+                          <m:t>𝑛</m:t>
+                        </m:r>
+                        <m:r>
+                          <a:rPr lang="en-US" altLang="zh-CN" i="1">
+                            <a:solidFill>
+                              <a:schemeClr val="accent5">
+                                <a:lumMod val="75000"/>
+                              </a:schemeClr>
+                            </a:solidFill>
+                            <a:latin typeface="Cambria Math" panose="02040503050406030204" pitchFamily="18" charset="0"/>
+                          </a:rPr>
+                          <m:t>∗</m:t>
+                        </m:r>
+                        <m:r>
+                          <a:rPr lang="zh-CN" altLang="zh-CN">
+                            <a:solidFill>
+                              <a:schemeClr val="accent5">
+                                <a:lumMod val="75000"/>
+                              </a:schemeClr>
+                            </a:solidFill>
+                            <a:latin typeface="Cambria Math" panose="02040503050406030204" pitchFamily="18" charset="0"/>
+                          </a:rPr>
+                          <m:t>（</m:t>
+                        </m:r>
+                        <m:r>
+                          <m:rPr>
+                            <m:sty m:val="p"/>
+                          </m:rPr>
+                          <a:rPr lang="en-US" altLang="zh-CN">
+                            <a:solidFill>
+                              <a:schemeClr val="accent5">
+                                <a:lumMod val="75000"/>
+                              </a:schemeClr>
+                            </a:solidFill>
+                            <a:latin typeface="Cambria Math" panose="02040503050406030204" pitchFamily="18" charset="0"/>
+                          </a:rPr>
+                          <m:t>M</m:t>
+                        </m:r>
+                        <m:r>
+                          <a:rPr lang="en-US" altLang="zh-CN" i="1">
+                            <a:solidFill>
+                              <a:schemeClr val="accent5">
+                                <a:lumMod val="75000"/>
+                              </a:schemeClr>
+                            </a:solidFill>
+                            <a:latin typeface="Cambria Math" panose="02040503050406030204" pitchFamily="18" charset="0"/>
+                          </a:rPr>
+                          <m:t>−</m:t>
+                        </m:r>
+                        <m:sSub>
+                          <m:sSubPr>
+                            <m:ctrlPr>
+                              <a:rPr lang="zh-CN" altLang="zh-CN" i="1">
+                                <a:solidFill>
+                                  <a:schemeClr val="accent5">
+                                    <a:lumMod val="75000"/>
+                                  </a:schemeClr>
+                                </a:solidFill>
+                                <a:latin typeface="Cambria Math" panose="02040503050406030204" pitchFamily="18" charset="0"/>
+                              </a:rPr>
+                            </m:ctrlPr>
+                          </m:sSubPr>
+                          <m:e>
+                            <m:r>
+                              <a:rPr lang="en-US" altLang="zh-CN" i="1">
+                                <a:solidFill>
+                                  <a:schemeClr val="accent5">
+                                    <a:lumMod val="75000"/>
+                                  </a:schemeClr>
+                                </a:solidFill>
+                                <a:latin typeface="Cambria Math" panose="02040503050406030204" pitchFamily="18" charset="0"/>
+                              </a:rPr>
+                              <m:t>𝑀</m:t>
+                            </m:r>
+                          </m:e>
+                          <m:sub>
+                            <m:r>
+                              <m:rPr>
+                                <m:sty m:val="p"/>
+                              </m:rPr>
+                              <a:rPr lang="en-US" altLang="zh-CN">
+                                <a:solidFill>
+                                  <a:schemeClr val="accent5">
+                                    <a:lumMod val="75000"/>
+                                  </a:schemeClr>
+                                </a:solidFill>
+                                <a:latin typeface="Cambria Math" panose="02040503050406030204" pitchFamily="18" charset="0"/>
+                              </a:rPr>
+                              <m:t>R</m:t>
+                            </m:r>
+                          </m:sub>
+                        </m:sSub>
+                        <m:r>
+                          <a:rPr lang="zh-CN" altLang="zh-CN">
+                            <a:solidFill>
+                              <a:schemeClr val="accent5">
+                                <a:lumMod val="75000"/>
+                              </a:schemeClr>
+                            </a:solidFill>
+                            <a:latin typeface="Cambria Math" panose="02040503050406030204" pitchFamily="18" charset="0"/>
+                          </a:rPr>
+                          <m:t>）</m:t>
+                        </m:r>
+                      </m:num>
+                      <m:den>
+                        <m:r>
+                          <m:rPr>
+                            <m:sty m:val="p"/>
+                          </m:rPr>
+                          <a:rPr lang="en-US" altLang="zh-CN">
+                            <a:solidFill>
+                              <a:schemeClr val="accent5">
+                                <a:lumMod val="75000"/>
+                              </a:schemeClr>
+                            </a:solidFill>
+                            <a:latin typeface="Cambria Math" panose="02040503050406030204" pitchFamily="18" charset="0"/>
+                          </a:rPr>
+                          <m:t>U</m:t>
+                        </m:r>
+                        <m:r>
+                          <a:rPr lang="en-US" altLang="zh-CN" i="1">
+                            <a:solidFill>
+                              <a:schemeClr val="accent5">
+                                <a:lumMod val="75000"/>
+                              </a:schemeClr>
+                            </a:solidFill>
+                            <a:latin typeface="Cambria Math" panose="02040503050406030204" pitchFamily="18" charset="0"/>
+                          </a:rPr>
+                          <m:t>∗</m:t>
+                        </m:r>
+                        <m:r>
+                          <m:rPr>
+                            <m:sty m:val="p"/>
+                          </m:rPr>
+                          <a:rPr lang="en-US" altLang="zh-CN">
+                            <a:solidFill>
+                              <a:schemeClr val="accent5">
+                                <a:lumMod val="75000"/>
+                              </a:schemeClr>
+                            </a:solidFill>
+                            <a:latin typeface="Cambria Math" panose="02040503050406030204" pitchFamily="18" charset="0"/>
+                          </a:rPr>
+                          <m:t>I</m:t>
+                        </m:r>
+                      </m:den>
+                    </m:f>
+                  </m:oMath>
+                </a14:m>
+                <a:endParaRPr lang="zh-CN" altLang="zh-CN" dirty="0">
+                  <a:solidFill>
+                    <a:schemeClr val="accent5">
+                      <a:lumMod val="75000"/>
+                    </a:schemeClr>
+                  </a:solidFill>
+                </a:endParaRPr>
+              </a:p>
+              <a:p>
+                <a14:m>
+                  <m:oMath xmlns:m="http://schemas.openxmlformats.org/officeDocument/2006/math">
+                    <m:sSub>
+                      <m:sSubPr>
+                        <m:ctrlPr>
+                          <a:rPr lang="zh-CN" altLang="zh-CN" i="1">
+                            <a:solidFill>
+                              <a:schemeClr val="accent5">
+                                <a:lumMod val="75000"/>
+                              </a:schemeClr>
+                            </a:solidFill>
+                            <a:latin typeface="Cambria Math" panose="02040503050406030204" pitchFamily="18" charset="0"/>
+                          </a:rPr>
+                        </m:ctrlPr>
+                      </m:sSubPr>
+                      <m:e>
+                        <m:r>
+                          <a:rPr lang="en-US" altLang="zh-CN" i="1">
+                            <a:solidFill>
+                              <a:schemeClr val="accent5">
+                                <a:lumMod val="75000"/>
+                              </a:schemeClr>
+                            </a:solidFill>
+                            <a:latin typeface="Cambria Math" panose="02040503050406030204" pitchFamily="18" charset="0"/>
+                          </a:rPr>
+                          <m:t>𝜂</m:t>
+                        </m:r>
+                      </m:e>
+                      <m:sub>
+                        <m:r>
+                          <a:rPr lang="en-US" altLang="zh-CN" i="1">
+                            <a:solidFill>
+                              <a:schemeClr val="accent5">
+                                <a:lumMod val="75000"/>
+                              </a:schemeClr>
+                            </a:solidFill>
+                            <a:latin typeface="Cambria Math" panose="02040503050406030204" pitchFamily="18" charset="0"/>
+                          </a:rPr>
+                          <m:t>𝑚𝑎𝑥</m:t>
+                        </m:r>
+                      </m:sub>
+                    </m:sSub>
+                    <m:r>
+                      <a:rPr lang="en-US" altLang="zh-CN" i="1">
+                        <a:solidFill>
+                          <a:schemeClr val="accent5">
+                            <a:lumMod val="75000"/>
+                          </a:schemeClr>
+                        </a:solidFill>
+                        <a:latin typeface="Cambria Math" panose="02040503050406030204" pitchFamily="18" charset="0"/>
+                      </a:rPr>
+                      <m:t>=</m:t>
+                    </m:r>
+                    <m:r>
+                      <a:rPr lang="zh-CN" altLang="zh-CN">
+                        <a:solidFill>
+                          <a:schemeClr val="accent5">
+                            <a:lumMod val="75000"/>
+                          </a:schemeClr>
+                        </a:solidFill>
+                        <a:latin typeface="Cambria Math" panose="02040503050406030204" pitchFamily="18" charset="0"/>
+                      </a:rPr>
+                      <m:t>（</m:t>
+                    </m:r>
+                    <m:r>
+                      <a:rPr lang="en-US" altLang="zh-CN">
+                        <a:solidFill>
+                          <a:schemeClr val="accent5">
+                            <a:lumMod val="75000"/>
+                          </a:schemeClr>
+                        </a:solidFill>
+                        <a:latin typeface="Cambria Math" panose="02040503050406030204" pitchFamily="18" charset="0"/>
+                      </a:rPr>
+                      <m:t>1 </m:t>
+                    </m:r>
+                    <m:r>
+                      <a:rPr lang="en-US" altLang="zh-CN" i="1">
+                        <a:solidFill>
+                          <a:schemeClr val="accent5">
+                            <a:lumMod val="75000"/>
+                          </a:schemeClr>
+                        </a:solidFill>
+                        <a:latin typeface="Cambria Math" panose="02040503050406030204" pitchFamily="18" charset="0"/>
+                      </a:rPr>
+                      <m:t>−</m:t>
+                    </m:r>
+                    <m:r>
+                      <a:rPr lang="en-US" altLang="zh-CN">
+                        <a:solidFill>
+                          <a:schemeClr val="accent5">
+                            <a:lumMod val="75000"/>
+                          </a:schemeClr>
+                        </a:solidFill>
+                        <a:latin typeface="Cambria Math" panose="02040503050406030204" pitchFamily="18" charset="0"/>
+                      </a:rPr>
+                      <m:t> </m:t>
+                    </m:r>
+                    <m:rad>
+                      <m:radPr>
+                        <m:ctrlPr>
+                          <a:rPr lang="zh-CN" altLang="zh-CN" i="1">
+                            <a:solidFill>
+                              <a:schemeClr val="accent5">
+                                <a:lumMod val="75000"/>
+                              </a:schemeClr>
+                            </a:solidFill>
+                            <a:latin typeface="Cambria Math" panose="02040503050406030204" pitchFamily="18" charset="0"/>
+                          </a:rPr>
+                        </m:ctrlPr>
+                      </m:radPr>
+                      <m:deg>
+                        <m:r>
+                          <a:rPr lang="en-US" altLang="zh-CN">
+                            <a:solidFill>
+                              <a:schemeClr val="accent5">
+                                <a:lumMod val="75000"/>
+                              </a:schemeClr>
+                            </a:solidFill>
+                            <a:latin typeface="Cambria Math" panose="02040503050406030204" pitchFamily="18" charset="0"/>
+                          </a:rPr>
+                          <m:t>2</m:t>
+                        </m:r>
+                      </m:deg>
+                      <m:e>
+                        <m:f>
+                          <m:fPr>
+                            <m:ctrlPr>
+                              <a:rPr lang="zh-CN" altLang="zh-CN" i="1">
+                                <a:solidFill>
+                                  <a:schemeClr val="accent5">
+                                    <a:lumMod val="75000"/>
+                                  </a:schemeClr>
+                                </a:solidFill>
+                                <a:latin typeface="Cambria Math" panose="02040503050406030204" pitchFamily="18" charset="0"/>
+                              </a:rPr>
+                            </m:ctrlPr>
+                          </m:fPr>
+                          <m:num>
+                            <m:sSub>
+                              <m:sSubPr>
+                                <m:ctrlPr>
+                                  <a:rPr lang="zh-CN" altLang="zh-CN" i="1">
+                                    <a:solidFill>
+                                      <a:schemeClr val="accent5">
+                                        <a:lumMod val="75000"/>
+                                      </a:schemeClr>
+                                    </a:solidFill>
+                                    <a:latin typeface="Cambria Math" panose="02040503050406030204" pitchFamily="18" charset="0"/>
+                                  </a:rPr>
+                                </m:ctrlPr>
+                              </m:sSubPr>
+                              <m:e>
+                                <m:r>
+                                  <a:rPr lang="en-US" altLang="zh-CN" i="1">
+                                    <a:solidFill>
+                                      <a:schemeClr val="accent5">
+                                        <a:lumMod val="75000"/>
+                                      </a:schemeClr>
+                                    </a:solidFill>
+                                    <a:latin typeface="Cambria Math" panose="02040503050406030204" pitchFamily="18" charset="0"/>
+                                  </a:rPr>
+                                  <m:t>𝐼</m:t>
+                                </m:r>
+                              </m:e>
+                              <m:sub>
+                                <m:r>
+                                  <a:rPr lang="en-US" altLang="zh-CN" i="1">
+                                    <a:solidFill>
+                                      <a:schemeClr val="accent5">
+                                        <a:lumMod val="75000"/>
+                                      </a:schemeClr>
+                                    </a:solidFill>
+                                    <a:latin typeface="Cambria Math" panose="02040503050406030204" pitchFamily="18" charset="0"/>
+                                  </a:rPr>
+                                  <m:t>0</m:t>
+                                </m:r>
+                              </m:sub>
+                            </m:sSub>
+                          </m:num>
+                          <m:den>
+                            <m:sSub>
+                              <m:sSubPr>
+                                <m:ctrlPr>
+                                  <a:rPr lang="zh-CN" altLang="zh-CN" i="1">
+                                    <a:solidFill>
+                                      <a:schemeClr val="accent5">
+                                        <a:lumMod val="75000"/>
+                                      </a:schemeClr>
+                                    </a:solidFill>
+                                    <a:latin typeface="Cambria Math" panose="02040503050406030204" pitchFamily="18" charset="0"/>
+                                  </a:rPr>
+                                </m:ctrlPr>
+                              </m:sSubPr>
+                              <m:e>
+                                <m:r>
+                                  <a:rPr lang="en-US" altLang="zh-CN" i="1">
+                                    <a:solidFill>
+                                      <a:schemeClr val="accent5">
+                                        <a:lumMod val="75000"/>
+                                      </a:schemeClr>
+                                    </a:solidFill>
+                                    <a:latin typeface="Cambria Math" panose="02040503050406030204" pitchFamily="18" charset="0"/>
+                                  </a:rPr>
+                                  <m:t>𝐼</m:t>
+                                </m:r>
+                              </m:e>
+                              <m:sub>
+                                <m:r>
+                                  <a:rPr lang="en-US" altLang="zh-CN" i="1">
+                                    <a:solidFill>
+                                      <a:schemeClr val="accent5">
+                                        <a:lumMod val="75000"/>
+                                      </a:schemeClr>
+                                    </a:solidFill>
+                                    <a:latin typeface="Cambria Math" panose="02040503050406030204" pitchFamily="18" charset="0"/>
+                                  </a:rPr>
+                                  <m:t>𝐴</m:t>
+                                </m:r>
+                              </m:sub>
+                            </m:sSub>
+                          </m:den>
+                        </m:f>
+                      </m:e>
+                    </m:rad>
+                    <m:r>
+                      <a:rPr lang="zh-CN" altLang="zh-CN">
+                        <a:solidFill>
+                          <a:schemeClr val="accent5">
+                            <a:lumMod val="75000"/>
+                          </a:schemeClr>
+                        </a:solidFill>
+                        <a:latin typeface="Cambria Math" panose="02040503050406030204" pitchFamily="18" charset="0"/>
+                      </a:rPr>
+                      <m:t>）</m:t>
+                    </m:r>
+                    <m:r>
+                      <a:rPr lang="en-US" altLang="zh-CN">
+                        <a:solidFill>
+                          <a:schemeClr val="accent5">
+                            <a:lumMod val="75000"/>
+                          </a:schemeClr>
+                        </a:solidFill>
+                        <a:latin typeface="Cambria Math" panose="02040503050406030204" pitchFamily="18" charset="0"/>
+                      </a:rPr>
+                      <m:t>²</m:t>
+                    </m:r>
+                  </m:oMath>
+                </a14:m>
+                <a:r>
+                  <a:rPr lang="zh-CN" altLang="zh-CN" sz="1600" dirty="0">
+                    <a:solidFill>
+                      <a:schemeClr val="accent5">
+                        <a:lumMod val="75000"/>
+                      </a:schemeClr>
+                    </a:solidFill>
+                  </a:rPr>
+                  <a:t>一般来讲，最大效率出现在赌转电流</a:t>
+                </a:r>
+                <a:r>
+                  <a:rPr lang="en-US" altLang="zh-CN" sz="1600" dirty="0">
+                    <a:solidFill>
+                      <a:schemeClr val="accent5">
+                        <a:lumMod val="75000"/>
+                      </a:schemeClr>
+                    </a:solidFill>
+                  </a:rPr>
+                  <a:t>1/7</a:t>
+                </a:r>
+                <a:r>
+                  <a:rPr lang="zh-CN" altLang="zh-CN" sz="1600" dirty="0">
+                    <a:solidFill>
+                      <a:schemeClr val="accent5">
+                        <a:lumMod val="75000"/>
+                      </a:schemeClr>
+                    </a:solidFill>
+                  </a:rPr>
+                  <a:t>处</a:t>
+                </a:r>
+              </a:p>
+              <a:p>
+                <a14:m>
+                  <m:oMath xmlns:m="http://schemas.openxmlformats.org/officeDocument/2006/math">
+                    <m:r>
+                      <a:rPr lang="zh-CN" altLang="zh-CN">
+                        <a:latin typeface="Cambria Math" panose="02040503050406030204" pitchFamily="18" charset="0"/>
+                      </a:rPr>
+                      <m:t>角加速度</m:t>
+                    </m:r>
+                    <m:r>
+                      <a:rPr lang="en-US" altLang="zh-CN">
+                        <a:latin typeface="Cambria Math" panose="02040503050406030204" pitchFamily="18" charset="0"/>
+                      </a:rPr>
+                      <m:t> </m:t>
+                    </m:r>
+                    <m:r>
+                      <m:rPr>
+                        <m:sty m:val="p"/>
+                      </m:rPr>
+                      <a:rPr lang="en-US" altLang="zh-CN">
+                        <a:latin typeface="Cambria Math" panose="02040503050406030204" pitchFamily="18" charset="0"/>
+                      </a:rPr>
+                      <m:t>α</m:t>
+                    </m:r>
+                    <m:r>
+                      <a:rPr lang="en-US" altLang="zh-CN">
+                        <a:latin typeface="Cambria Math" panose="02040503050406030204" pitchFamily="18" charset="0"/>
+                      </a:rPr>
+                      <m:t>=</m:t>
+                    </m:r>
+                    <m:sSup>
+                      <m:sSupPr>
+                        <m:ctrlPr>
+                          <a:rPr lang="zh-CN" altLang="zh-CN" i="1">
+                            <a:latin typeface="Cambria Math" panose="02040503050406030204" pitchFamily="18" charset="0"/>
+                          </a:rPr>
+                        </m:ctrlPr>
+                      </m:sSupPr>
+                      <m:e>
+                        <m:r>
+                          <a:rPr lang="en-US" altLang="zh-CN" i="1">
+                            <a:latin typeface="Cambria Math" panose="02040503050406030204" pitchFamily="18" charset="0"/>
+                          </a:rPr>
+                          <m:t>10</m:t>
+                        </m:r>
+                      </m:e>
+                      <m:sup>
+                        <m:r>
+                          <a:rPr lang="en-US" altLang="zh-CN" i="1">
+                            <a:latin typeface="Cambria Math" panose="02040503050406030204" pitchFamily="18" charset="0"/>
+                          </a:rPr>
+                          <m:t>4</m:t>
+                        </m:r>
+                      </m:sup>
+                    </m:sSup>
+                    <m:r>
+                      <a:rPr lang="en-US" altLang="zh-CN" i="1">
+                        <a:latin typeface="Cambria Math" panose="02040503050406030204" pitchFamily="18" charset="0"/>
+                      </a:rPr>
+                      <m:t>∗</m:t>
+                    </m:r>
+                    <m:f>
+                      <m:fPr>
+                        <m:ctrlPr>
+                          <a:rPr lang="zh-CN" altLang="zh-CN" i="1">
+                            <a:latin typeface="Cambria Math" panose="02040503050406030204" pitchFamily="18" charset="0"/>
+                          </a:rPr>
+                        </m:ctrlPr>
+                      </m:fPr>
+                      <m:num>
+                        <m:sSub>
+                          <m:sSubPr>
+                            <m:ctrlPr>
+                              <a:rPr lang="zh-CN" altLang="zh-CN" i="1">
+                                <a:latin typeface="Cambria Math" panose="02040503050406030204" pitchFamily="18" charset="0"/>
+                              </a:rPr>
+                            </m:ctrlPr>
+                          </m:sSubPr>
+                          <m:e>
+                            <m:r>
+                              <a:rPr lang="en-US" altLang="zh-CN" i="1">
+                                <a:latin typeface="Cambria Math" panose="02040503050406030204" pitchFamily="18" charset="0"/>
+                              </a:rPr>
+                              <m:t>𝐾</m:t>
+                            </m:r>
+                          </m:e>
+                          <m:sub>
+                            <m:r>
+                              <a:rPr lang="en-US" altLang="zh-CN" i="1">
+                                <a:latin typeface="Cambria Math" panose="02040503050406030204" pitchFamily="18" charset="0"/>
+                              </a:rPr>
+                              <m:t>𝑚</m:t>
+                            </m:r>
+                          </m:sub>
+                        </m:sSub>
+                        <m:r>
+                          <a:rPr lang="en-US" altLang="zh-CN" i="1">
+                            <a:latin typeface="Cambria Math" panose="02040503050406030204" pitchFamily="18" charset="0"/>
+                          </a:rPr>
+                          <m:t>∗</m:t>
+                        </m:r>
+                        <m:r>
+                          <a:rPr lang="en-US" altLang="zh-CN" i="1">
+                            <a:latin typeface="Cambria Math" panose="02040503050406030204" pitchFamily="18" charset="0"/>
+                          </a:rPr>
+                          <m:t>𝐼</m:t>
+                        </m:r>
+                      </m:num>
+                      <m:den>
+                        <m:sSub>
+                          <m:sSubPr>
+                            <m:ctrlPr>
+                              <a:rPr lang="zh-CN" altLang="zh-CN" i="1">
+                                <a:latin typeface="Cambria Math" panose="02040503050406030204" pitchFamily="18" charset="0"/>
+                              </a:rPr>
+                            </m:ctrlPr>
+                          </m:sSubPr>
+                          <m:e>
+                            <m:r>
+                              <a:rPr lang="en-US" altLang="zh-CN" i="1">
+                                <a:latin typeface="Cambria Math" panose="02040503050406030204" pitchFamily="18" charset="0"/>
+                              </a:rPr>
+                              <m:t>𝐽</m:t>
+                            </m:r>
+                          </m:e>
+                          <m:sub>
+                            <m:r>
+                              <a:rPr lang="en-US" altLang="zh-CN" i="1">
+                                <a:latin typeface="Cambria Math" panose="02040503050406030204" pitchFamily="18" charset="0"/>
+                              </a:rPr>
+                              <m:t>𝑅</m:t>
+                            </m:r>
+                          </m:sub>
+                        </m:sSub>
+                        <m:r>
+                          <a:rPr lang="en-US" altLang="zh-CN" i="1">
+                            <a:latin typeface="Cambria Math" panose="02040503050406030204" pitchFamily="18" charset="0"/>
+                          </a:rPr>
+                          <m:t>+</m:t>
+                        </m:r>
+                        <m:sSub>
+                          <m:sSubPr>
+                            <m:ctrlPr>
+                              <a:rPr lang="zh-CN" altLang="zh-CN" i="1">
+                                <a:latin typeface="Cambria Math" panose="02040503050406030204" pitchFamily="18" charset="0"/>
+                              </a:rPr>
+                            </m:ctrlPr>
+                          </m:sSubPr>
+                          <m:e>
+                            <m:r>
+                              <a:rPr lang="en-US" altLang="zh-CN" i="1">
+                                <a:latin typeface="Cambria Math" panose="02040503050406030204" pitchFamily="18" charset="0"/>
+                              </a:rPr>
+                              <m:t>𝐽</m:t>
+                            </m:r>
+                          </m:e>
+                          <m:sub>
+                            <m:r>
+                              <a:rPr lang="en-US" altLang="zh-CN" i="1">
+                                <a:latin typeface="Cambria Math" panose="02040503050406030204" pitchFamily="18" charset="0"/>
+                              </a:rPr>
+                              <m:t>𝐿</m:t>
+                            </m:r>
+                          </m:sub>
+                        </m:sSub>
+                      </m:den>
+                    </m:f>
+                    <m:r>
+                      <a:rPr lang="en-US" altLang="zh-CN" i="1">
+                        <a:latin typeface="Cambria Math" panose="02040503050406030204" pitchFamily="18" charset="0"/>
+                      </a:rPr>
+                      <m:t>= </m:t>
+                    </m:r>
+                    <m:sSup>
+                      <m:sSupPr>
+                        <m:ctrlPr>
+                          <a:rPr lang="zh-CN" altLang="zh-CN" i="1">
+                            <a:latin typeface="Cambria Math" panose="02040503050406030204" pitchFamily="18" charset="0"/>
+                          </a:rPr>
+                        </m:ctrlPr>
+                      </m:sSupPr>
+                      <m:e>
+                        <m:r>
+                          <a:rPr lang="en-US" altLang="zh-CN" i="1">
+                            <a:latin typeface="Cambria Math" panose="02040503050406030204" pitchFamily="18" charset="0"/>
+                          </a:rPr>
+                          <m:t>10</m:t>
+                        </m:r>
+                      </m:e>
+                      <m:sup>
+                        <m:r>
+                          <a:rPr lang="en-US" altLang="zh-CN" i="1">
+                            <a:latin typeface="Cambria Math" panose="02040503050406030204" pitchFamily="18" charset="0"/>
+                          </a:rPr>
+                          <m:t>4</m:t>
+                        </m:r>
+                      </m:sup>
+                    </m:sSup>
+                    <m:r>
+                      <a:rPr lang="en-US" altLang="zh-CN" i="1">
+                        <a:latin typeface="Cambria Math" panose="02040503050406030204" pitchFamily="18" charset="0"/>
+                      </a:rPr>
+                      <m:t>∗</m:t>
+                    </m:r>
+                    <m:f>
+                      <m:fPr>
+                        <m:ctrlPr>
+                          <a:rPr lang="zh-CN" altLang="zh-CN" i="1">
+                            <a:latin typeface="Cambria Math" panose="02040503050406030204" pitchFamily="18" charset="0"/>
+                          </a:rPr>
+                        </m:ctrlPr>
+                      </m:fPr>
+                      <m:num>
+                        <m:r>
+                          <a:rPr lang="en-US" altLang="zh-CN" i="1">
+                            <a:latin typeface="Cambria Math" panose="02040503050406030204" pitchFamily="18" charset="0"/>
+                          </a:rPr>
+                          <m:t>𝑀</m:t>
+                        </m:r>
+                      </m:num>
+                      <m:den>
+                        <m:sSub>
+                          <m:sSubPr>
+                            <m:ctrlPr>
+                              <a:rPr lang="zh-CN" altLang="zh-CN" i="1">
+                                <a:latin typeface="Cambria Math" panose="02040503050406030204" pitchFamily="18" charset="0"/>
+                              </a:rPr>
+                            </m:ctrlPr>
+                          </m:sSubPr>
+                          <m:e>
+                            <m:r>
+                              <a:rPr lang="en-US" altLang="zh-CN" i="1">
+                                <a:latin typeface="Cambria Math" panose="02040503050406030204" pitchFamily="18" charset="0"/>
+                              </a:rPr>
+                              <m:t>𝐽</m:t>
+                            </m:r>
+                          </m:e>
+                          <m:sub>
+                            <m:r>
+                              <a:rPr lang="en-US" altLang="zh-CN" i="1">
+                                <a:latin typeface="Cambria Math" panose="02040503050406030204" pitchFamily="18" charset="0"/>
+                              </a:rPr>
+                              <m:t>𝑅</m:t>
+                            </m:r>
+                          </m:sub>
+                        </m:sSub>
+                        <m:r>
+                          <a:rPr lang="en-US" altLang="zh-CN" i="1">
+                            <a:latin typeface="Cambria Math" panose="02040503050406030204" pitchFamily="18" charset="0"/>
+                          </a:rPr>
+                          <m:t>+</m:t>
+                        </m:r>
+                        <m:sSub>
+                          <m:sSubPr>
+                            <m:ctrlPr>
+                              <a:rPr lang="zh-CN" altLang="zh-CN" i="1">
+                                <a:latin typeface="Cambria Math" panose="02040503050406030204" pitchFamily="18" charset="0"/>
+                              </a:rPr>
+                            </m:ctrlPr>
+                          </m:sSubPr>
+                          <m:e>
+                            <m:r>
+                              <a:rPr lang="en-US" altLang="zh-CN" i="1">
+                                <a:latin typeface="Cambria Math" panose="02040503050406030204" pitchFamily="18" charset="0"/>
+                              </a:rPr>
+                              <m:t>𝐽</m:t>
+                            </m:r>
+                          </m:e>
+                          <m:sub>
+                            <m:r>
+                              <a:rPr lang="en-US" altLang="zh-CN" i="1">
+                                <a:latin typeface="Cambria Math" panose="02040503050406030204" pitchFamily="18" charset="0"/>
+                              </a:rPr>
+                              <m:t>𝐿</m:t>
+                            </m:r>
+                          </m:sub>
+                        </m:sSub>
+                      </m:den>
+                    </m:f>
+                  </m:oMath>
+                </a14:m>
+                <a:r>
+                  <a:rPr lang="zh-CN" altLang="en-US" dirty="0" smtClean="0"/>
+                  <a:t>（恒流启动）</a:t>
+                </a:r>
+                <a:endParaRPr lang="en-US" altLang="zh-CN" dirty="0" smtClean="0"/>
+              </a:p>
+              <a:p>
+                <a14:m>
+                  <m:oMath xmlns:m="http://schemas.openxmlformats.org/officeDocument/2006/math">
+                    <m:sSub>
+                      <m:sSubPr>
+                        <m:ctrlPr>
+                          <a:rPr lang="zh-CN" altLang="zh-CN" i="1" smtClean="0">
+                            <a:solidFill>
+                              <a:schemeClr val="accent5">
+                                <a:lumMod val="75000"/>
+                              </a:schemeClr>
+                            </a:solidFill>
+                            <a:latin typeface="Cambria Math" panose="02040503050406030204" pitchFamily="18" charset="0"/>
+                          </a:rPr>
+                        </m:ctrlPr>
+                      </m:sSubPr>
+                      <m:e>
+                        <m:r>
+                          <a:rPr lang="zh-CN" altLang="zh-CN">
+                            <a:solidFill>
+                              <a:schemeClr val="accent5">
+                                <a:lumMod val="75000"/>
+                              </a:schemeClr>
+                            </a:solidFill>
+                            <a:latin typeface="Cambria Math" panose="02040503050406030204" pitchFamily="18" charset="0"/>
+                          </a:rPr>
+                          <m:t>空载机械时间常数</m:t>
+                        </m:r>
+                        <m:r>
+                          <a:rPr lang="en-US" altLang="zh-CN" i="1">
+                            <a:solidFill>
+                              <a:schemeClr val="accent5">
+                                <a:lumMod val="75000"/>
+                              </a:schemeClr>
+                            </a:solidFill>
+                            <a:latin typeface="Cambria Math" panose="02040503050406030204" pitchFamily="18" charset="0"/>
+                          </a:rPr>
+                          <m:t>𝜏</m:t>
+                        </m:r>
+                      </m:e>
+                      <m:sub>
+                        <m:r>
+                          <a:rPr lang="en-US" altLang="zh-CN" i="1">
+                            <a:solidFill>
+                              <a:schemeClr val="accent5">
+                                <a:lumMod val="75000"/>
+                              </a:schemeClr>
+                            </a:solidFill>
+                            <a:latin typeface="Cambria Math" panose="02040503050406030204" pitchFamily="18" charset="0"/>
+                          </a:rPr>
+                          <m:t>𝑚</m:t>
+                        </m:r>
+                      </m:sub>
+                    </m:sSub>
+                    <m:r>
+                      <a:rPr lang="en-US" altLang="zh-CN" i="1">
+                        <a:solidFill>
+                          <a:schemeClr val="accent5">
+                            <a:lumMod val="75000"/>
+                          </a:schemeClr>
+                        </a:solidFill>
+                        <a:latin typeface="Cambria Math" panose="02040503050406030204" pitchFamily="18" charset="0"/>
+                      </a:rPr>
+                      <m:t>=100∗</m:t>
+                    </m:r>
+                    <m:f>
+                      <m:fPr>
+                        <m:ctrlPr>
+                          <a:rPr lang="zh-CN" altLang="zh-CN" i="1">
+                            <a:solidFill>
+                              <a:schemeClr val="accent5">
+                                <a:lumMod val="75000"/>
+                              </a:schemeClr>
+                            </a:solidFill>
+                            <a:latin typeface="Cambria Math" panose="02040503050406030204" pitchFamily="18" charset="0"/>
                           </a:rPr>
                         </m:ctrlPr>
                       </m:fPr>
@@ -7058,6 +7679,7 @@
                                     <a:lumMod val="75000"/>
                                   </a:schemeClr>
                                 </a:solidFill>
+                                <a:latin typeface="Cambria Math" panose="02040503050406030204" pitchFamily="18" charset="0"/>
                               </a:rPr>
                             </m:ctrlPr>
                           </m:sSubPr>
@@ -7069,6 +7691,7 @@
                                     <a:lumMod val="75000"/>
                                   </a:schemeClr>
                                 </a:solidFill>
+                                <a:latin typeface="Cambria Math" panose="02040503050406030204" pitchFamily="18" charset="0"/>
                               </a:rPr>
                               <m:t>𝐽</m:t>
                             </m:r>
@@ -7081,6 +7704,7 @@
                                     <a:lumMod val="75000"/>
                                   </a:schemeClr>
                                 </a:solidFill>
+                                <a:latin typeface="Cambria Math" panose="02040503050406030204" pitchFamily="18" charset="0"/>
                               </a:rPr>
                               <m:t>𝑅</m:t>
                             </m:r>
@@ -7093,6 +7717,7 @@
                                 <a:lumMod val="75000"/>
                               </a:schemeClr>
                             </a:solidFill>
+                            <a:latin typeface="Cambria Math" panose="02040503050406030204" pitchFamily="18" charset="0"/>
                           </a:rPr>
                           <m:t>∗</m:t>
                         </m:r>
@@ -7103,6 +7728,7 @@
                                 <a:lumMod val="75000"/>
                               </a:schemeClr>
                             </a:solidFill>
+                            <a:latin typeface="Cambria Math" panose="02040503050406030204" pitchFamily="18" charset="0"/>
                           </a:rPr>
                           <m:t>𝑅</m:t>
                         </m:r>
@@ -7117,6 +7743,7 @@
                                     <a:lumMod val="75000"/>
                                   </a:schemeClr>
                                 </a:solidFill>
+                                <a:latin typeface="Cambria Math" panose="02040503050406030204" pitchFamily="18" charset="0"/>
                               </a:rPr>
                             </m:ctrlPr>
                           </m:sSupPr>
@@ -7130,6 +7757,7 @@
                                         <a:lumMod val="75000"/>
                                       </a:schemeClr>
                                     </a:solidFill>
+                                    <a:latin typeface="Cambria Math" panose="02040503050406030204" pitchFamily="18" charset="0"/>
                                   </a:rPr>
                                 </m:ctrlPr>
                               </m:sSubPr>
@@ -7141,6 +7769,7 @@
                                         <a:lumMod val="75000"/>
                                       </a:schemeClr>
                                     </a:solidFill>
+                                    <a:latin typeface="Cambria Math" panose="02040503050406030204" pitchFamily="18" charset="0"/>
                                   </a:rPr>
                                   <m:t>𝐾</m:t>
                                 </m:r>
@@ -7153,6 +7782,7 @@
                                         <a:lumMod val="75000"/>
                                       </a:schemeClr>
                                     </a:solidFill>
+                                    <a:latin typeface="Cambria Math" panose="02040503050406030204" pitchFamily="18" charset="0"/>
                                   </a:rPr>
                                   <m:t>𝑚</m:t>
                                 </m:r>
@@ -7167,6 +7797,7 @@
                                     <a:lumMod val="75000"/>
                                   </a:schemeClr>
                                 </a:solidFill>
+                                <a:latin typeface="Cambria Math" panose="02040503050406030204" pitchFamily="18" charset="0"/>
                               </a:rPr>
                               <m:t>2</m:t>
                             </m:r>
@@ -7174,25 +7805,531 @@
                         </m:sSup>
                       </m:den>
                     </m:f>
-                    <m:r>
-                      <a:rPr lang="zh-CN" altLang="zh-CN">
+                  </m:oMath>
+                </a14:m>
+                <a:r>
+                  <a:rPr lang="zh-CN" altLang="en-US" dirty="0" smtClean="0">
+                    <a:solidFill>
+                      <a:schemeClr val="accent5">
+                        <a:lumMod val="75000"/>
+                      </a:schemeClr>
+                    </a:solidFill>
+                  </a:rPr>
+                  <a:t>（恒压启动）</a:t>
+                </a:r>
+                <a:endParaRPr lang="zh-CN" altLang="zh-CN" dirty="0">
+                  <a:solidFill>
+                    <a:schemeClr val="accent5">
+                      <a:lumMod val="75000"/>
+                    </a:schemeClr>
+                  </a:solidFill>
+                </a:endParaRPr>
+              </a:p>
+              <a:p>
+                <a:endParaRPr lang="zh-CN" altLang="en-US" dirty="0"/>
+              </a:p>
+            </p:txBody>
+          </p:sp>
+        </mc:Choice>
+        <mc:Fallback xmlns="">
+          <p:sp>
+            <p:nvSpPr>
+              <p:cNvPr id="3" name="内容占位符 2"/>
+              <p:cNvSpPr>
+                <a:spLocks noGrp="1" noRot="1" noChangeAspect="1" noMove="1" noResize="1" noEditPoints="1" noAdjustHandles="1" noChangeArrowheads="1" noChangeShapeType="1" noTextEdit="1"/>
+              </p:cNvSpPr>
+              <p:nvPr>
+                <p:ph idx="1"/>
+              </p:nvPr>
+            </p:nvSpPr>
+            <p:spPr>
+              <a:blipFill rotWithShape="0">
+                <a:blip r:embed="rId2"/>
+                <a:stretch>
+                  <a:fillRect/>
+                </a:stretch>
+              </a:blipFill>
+            </p:spPr>
+            <p:txBody>
+              <a:bodyPr/>
+              <a:lstStyle/>
+              <a:p>
+                <a:r>
+                  <a:rPr lang="zh-CN" altLang="en-US">
+                    <a:noFill/>
+                  </a:rPr>
+                  <a:t> </a:t>
+                </a:r>
+              </a:p>
+            </p:txBody>
+          </p:sp>
+        </mc:Fallback>
+      </mc:AlternateContent>
+      <p:sp>
+        <p:nvSpPr>
+          <p:cNvPr id="4" name="日期占位符 3"/>
+          <p:cNvSpPr>
+            <a:spLocks noGrp="1"/>
+          </p:cNvSpPr>
+          <p:nvPr>
+            <p:ph type="dt" sz="half" idx="10"/>
+          </p:nvPr>
+        </p:nvSpPr>
+        <p:spPr/>
+        <p:txBody>
+          <a:bodyPr/>
+          <a:lstStyle/>
+          <a:p>
+            <a:fld id="{09AB9B90-079F-4C02-96FD-F237FBA298D6}" type="datetime1">
+              <a:rPr lang="zh-CN" altLang="en-US" smtClean="0"/>
+              <a:t>2016/10/8</a:t>
+            </a:fld>
+            <a:endParaRPr lang="zh-CN" altLang="en-US"/>
+          </a:p>
+        </p:txBody>
+      </p:sp>
+      <p:sp>
+        <p:nvSpPr>
+          <p:cNvPr id="5" name="页脚占位符 4"/>
+          <p:cNvSpPr>
+            <a:spLocks noGrp="1"/>
+          </p:cNvSpPr>
+          <p:nvPr>
+            <p:ph type="ftr" sz="quarter" idx="11"/>
+          </p:nvPr>
+        </p:nvSpPr>
+        <p:spPr/>
+        <p:txBody>
+          <a:bodyPr/>
+          <a:lstStyle/>
+          <a:p>
+            <a:r>
+              <a:rPr lang="zh-CN" altLang="en-US" smtClean="0"/>
+              <a:t>艾克申机器人出品</a:t>
+            </a:r>
+            <a:endParaRPr lang="zh-CN" altLang="en-US"/>
+          </a:p>
+        </p:txBody>
+      </p:sp>
+      <p:sp>
+        <p:nvSpPr>
+          <p:cNvPr id="6" name="灯片编号占位符 5"/>
+          <p:cNvSpPr>
+            <a:spLocks noGrp="1"/>
+          </p:cNvSpPr>
+          <p:nvPr>
+            <p:ph type="sldNum" sz="quarter" idx="12"/>
+          </p:nvPr>
+        </p:nvSpPr>
+        <p:spPr/>
+        <p:txBody>
+          <a:bodyPr/>
+          <a:lstStyle/>
+          <a:p>
+            <a:fld id="{EE00FA2F-700A-4C2D-87BB-7F963A8CB484}" type="slidenum">
+              <a:rPr lang="zh-CN" altLang="en-US" smtClean="0"/>
+              <a:t>19</a:t>
+            </a:fld>
+            <a:endParaRPr lang="zh-CN" altLang="en-US"/>
+          </a:p>
+        </p:txBody>
+      </p:sp>
+    </p:spTree>
+    <p:extLst>
+      <p:ext uri="{BB962C8B-B14F-4D97-AF65-F5344CB8AC3E}">
+        <p14:creationId xmlns:p14="http://schemas.microsoft.com/office/powerpoint/2010/main" val="3589795459"/>
+      </p:ext>
+    </p:extLst>
+  </p:cSld>
+  <p:clrMapOvr>
+    <a:masterClrMapping/>
+  </p:clrMapOvr>
+  <p:timing>
+    <p:tnLst>
+      <p:par>
+        <p:cTn id="1" dur="indefinite" restart="never" nodeType="tmRoot"/>
+      </p:par>
+    </p:tnLst>
+  </p:timing>
+</p:sld>
+</file>
+
+<file path=ppt/slides/slide2.xml><?xml version="1.0" encoding="utf-8"?>
+<p:sld xmlns:a="http://schemas.openxmlformats.org/drawingml/2006/main" xmlns:r="http://schemas.openxmlformats.org/officeDocument/2006/relationships" xmlns:p="http://schemas.openxmlformats.org/presentationml/2006/main">
+  <p:cSld>
+    <p:spTree>
+      <p:nvGrpSpPr>
+        <p:cNvPr id="1" name=""/>
+        <p:cNvGrpSpPr/>
+        <p:nvPr/>
+      </p:nvGrpSpPr>
+      <p:grpSpPr>
+        <a:xfrm>
+          <a:off x="0" y="0"/>
+          <a:ext cx="0" cy="0"/>
+          <a:chOff x="0" y="0"/>
+          <a:chExt cx="0" cy="0"/>
+        </a:xfrm>
+      </p:grpSpPr>
+      <p:sp>
+        <p:nvSpPr>
+          <p:cNvPr id="2" name="标题 1"/>
+          <p:cNvSpPr>
+            <a:spLocks noGrp="1"/>
+          </p:cNvSpPr>
+          <p:nvPr>
+            <p:ph type="title"/>
+          </p:nvPr>
+        </p:nvSpPr>
+        <p:spPr/>
+        <p:txBody>
+          <a:bodyPr/>
+          <a:lstStyle/>
+          <a:p>
+            <a:r>
+              <a:rPr lang="zh-CN" altLang="en-US" dirty="0" smtClean="0"/>
+              <a:t>主要内容</a:t>
+            </a:r>
+            <a:endParaRPr lang="zh-CN" altLang="en-US" dirty="0"/>
+          </a:p>
+        </p:txBody>
+      </p:sp>
+      <p:sp>
+        <p:nvSpPr>
+          <p:cNvPr id="3" name="内容占位符 2"/>
+          <p:cNvSpPr>
+            <a:spLocks noGrp="1"/>
+          </p:cNvSpPr>
+          <p:nvPr>
+            <p:ph idx="1"/>
+          </p:nvPr>
+        </p:nvSpPr>
+        <p:spPr/>
+        <p:txBody>
+          <a:bodyPr/>
+          <a:lstStyle/>
+          <a:p>
+            <a:pPr marL="0" indent="0">
+              <a:buNone/>
+            </a:pPr>
+            <a:r>
+              <a:rPr lang="zh-CN" altLang="en-US" dirty="0" smtClean="0"/>
+              <a:t>本文以</a:t>
+            </a:r>
+            <a:r>
+              <a:rPr lang="en-US" altLang="zh-CN" dirty="0" smtClean="0"/>
+              <a:t>MAXON RE40</a:t>
+            </a:r>
+            <a:r>
+              <a:rPr lang="zh-CN" altLang="en-US" dirty="0" smtClean="0"/>
+              <a:t>（</a:t>
+            </a:r>
+            <a:r>
+              <a:rPr lang="en-US" altLang="zh-CN" dirty="0" smtClean="0"/>
+              <a:t>24V</a:t>
+            </a:r>
+            <a:r>
+              <a:rPr lang="zh-CN" altLang="en-US" dirty="0" smtClean="0"/>
+              <a:t>）电机为例，主要从如下三个角度对电机进行讲解</a:t>
+            </a:r>
+            <a:endParaRPr lang="en-US" altLang="zh-CN" dirty="0" smtClean="0"/>
+          </a:p>
+          <a:p>
+            <a:r>
+              <a:rPr lang="zh-CN" altLang="en-US" dirty="0" smtClean="0"/>
+              <a:t>参数</a:t>
+            </a:r>
+            <a:endParaRPr lang="en-US" altLang="zh-CN" dirty="0" smtClean="0"/>
+          </a:p>
+          <a:p>
+            <a:pPr marL="0" indent="0">
+              <a:buNone/>
+            </a:pPr>
+            <a:r>
+              <a:rPr lang="zh-CN" altLang="en-US" dirty="0"/>
+              <a:t> </a:t>
+            </a:r>
+            <a:r>
+              <a:rPr lang="en-US" altLang="zh-CN" dirty="0"/>
+              <a:t>	</a:t>
+            </a:r>
+            <a:r>
+              <a:rPr lang="en-US" altLang="zh-CN" dirty="0" smtClean="0"/>
+              <a:t>31</a:t>
+            </a:r>
+            <a:r>
+              <a:rPr lang="zh-CN" altLang="en-US" smtClean="0"/>
+              <a:t>个电机参数</a:t>
+            </a:r>
+            <a:endParaRPr lang="en-US" altLang="zh-CN" dirty="0" smtClean="0"/>
+          </a:p>
+          <a:p>
+            <a:r>
+              <a:rPr lang="zh-CN" altLang="en-US" dirty="0"/>
+              <a:t>图</a:t>
+            </a:r>
+            <a:endParaRPr lang="en-US" altLang="zh-CN" dirty="0" smtClean="0"/>
+          </a:p>
+          <a:p>
+            <a:pPr marL="0" indent="0">
+              <a:buNone/>
+            </a:pPr>
+            <a:r>
+              <a:rPr lang="en-US" altLang="zh-CN" dirty="0" smtClean="0"/>
+              <a:t>	</a:t>
+            </a:r>
+            <a:r>
+              <a:rPr lang="zh-CN" altLang="en-US" dirty="0" smtClean="0"/>
+              <a:t>速度</a:t>
+            </a:r>
+            <a:r>
+              <a:rPr lang="en-US" altLang="zh-CN" dirty="0" smtClean="0"/>
+              <a:t>-</a:t>
+            </a:r>
+            <a:r>
+              <a:rPr lang="zh-CN" altLang="en-US" dirty="0" smtClean="0"/>
+              <a:t>转矩图、功率图、效率图</a:t>
+            </a:r>
+            <a:endParaRPr lang="en-US" altLang="zh-CN" dirty="0" smtClean="0"/>
+          </a:p>
+          <a:p>
+            <a:r>
+              <a:rPr lang="zh-CN" altLang="en-US" dirty="0" smtClean="0"/>
+              <a:t>公式</a:t>
+            </a:r>
+            <a:endParaRPr lang="en-US" altLang="zh-CN" dirty="0" smtClean="0"/>
+          </a:p>
+          <a:p>
+            <a:pPr marL="0" indent="0">
+              <a:buNone/>
+            </a:pPr>
+            <a:r>
+              <a:rPr lang="en-US" altLang="zh-CN" dirty="0"/>
+              <a:t>	</a:t>
+            </a:r>
+            <a:r>
+              <a:rPr lang="zh-CN" altLang="en-US" dirty="0" smtClean="0"/>
+              <a:t>通过这些公式，真正理解上面的参数和图</a:t>
+            </a:r>
+            <a:endParaRPr lang="en-US" altLang="zh-CN" dirty="0" smtClean="0"/>
+          </a:p>
+        </p:txBody>
+      </p:sp>
+      <p:sp>
+        <p:nvSpPr>
+          <p:cNvPr id="4" name="日期占位符 3"/>
+          <p:cNvSpPr>
+            <a:spLocks noGrp="1"/>
+          </p:cNvSpPr>
+          <p:nvPr>
+            <p:ph type="dt" sz="half" idx="10"/>
+          </p:nvPr>
+        </p:nvSpPr>
+        <p:spPr/>
+        <p:txBody>
+          <a:bodyPr/>
+          <a:lstStyle/>
+          <a:p>
+            <a:fld id="{09AB9B90-079F-4C02-96FD-F237FBA298D6}" type="datetime1">
+              <a:rPr lang="zh-CN" altLang="en-US" smtClean="0"/>
+              <a:t>2016/10/8</a:t>
+            </a:fld>
+            <a:endParaRPr lang="zh-CN" altLang="en-US"/>
+          </a:p>
+        </p:txBody>
+      </p:sp>
+      <p:sp>
+        <p:nvSpPr>
+          <p:cNvPr id="5" name="页脚占位符 4"/>
+          <p:cNvSpPr>
+            <a:spLocks noGrp="1"/>
+          </p:cNvSpPr>
+          <p:nvPr>
+            <p:ph type="ftr" sz="quarter" idx="11"/>
+          </p:nvPr>
+        </p:nvSpPr>
+        <p:spPr/>
+        <p:txBody>
+          <a:bodyPr/>
+          <a:lstStyle/>
+          <a:p>
+            <a:r>
+              <a:rPr lang="zh-CN" altLang="en-US" smtClean="0"/>
+              <a:t>艾克申机器人出品</a:t>
+            </a:r>
+            <a:endParaRPr lang="zh-CN" altLang="en-US"/>
+          </a:p>
+        </p:txBody>
+      </p:sp>
+      <p:sp>
+        <p:nvSpPr>
+          <p:cNvPr id="6" name="灯片编号占位符 5"/>
+          <p:cNvSpPr>
+            <a:spLocks noGrp="1"/>
+          </p:cNvSpPr>
+          <p:nvPr>
+            <p:ph type="sldNum" sz="quarter" idx="12"/>
+          </p:nvPr>
+        </p:nvSpPr>
+        <p:spPr/>
+        <p:txBody>
+          <a:bodyPr/>
+          <a:lstStyle/>
+          <a:p>
+            <a:fld id="{EE00FA2F-700A-4C2D-87BB-7F963A8CB484}" type="slidenum">
+              <a:rPr lang="zh-CN" altLang="en-US" smtClean="0"/>
+              <a:t>2</a:t>
+            </a:fld>
+            <a:endParaRPr lang="zh-CN" altLang="en-US"/>
+          </a:p>
+        </p:txBody>
+      </p:sp>
+    </p:spTree>
+    <p:extLst>
+      <p:ext uri="{BB962C8B-B14F-4D97-AF65-F5344CB8AC3E}">
+        <p14:creationId xmlns:p14="http://schemas.microsoft.com/office/powerpoint/2010/main" val="2732087439"/>
+      </p:ext>
+    </p:extLst>
+  </p:cSld>
+  <p:clrMapOvr>
+    <a:masterClrMapping/>
+  </p:clrMapOvr>
+  <p:timing>
+    <p:tnLst>
+      <p:par>
+        <p:cTn id="1" dur="indefinite" restart="never" nodeType="tmRoot"/>
+      </p:par>
+    </p:tnLst>
+  </p:timing>
+</p:sld>
+</file>
+
+<file path=ppt/slides/slide20.xml><?xml version="1.0" encoding="utf-8"?>
+<p:sld xmlns:a="http://schemas.openxmlformats.org/drawingml/2006/main" xmlns:r="http://schemas.openxmlformats.org/officeDocument/2006/relationships" xmlns:p="http://schemas.openxmlformats.org/presentationml/2006/main">
+  <p:cSld>
+    <p:spTree>
+      <p:nvGrpSpPr>
+        <p:cNvPr id="1" name=""/>
+        <p:cNvGrpSpPr/>
+        <p:nvPr/>
+      </p:nvGrpSpPr>
+      <p:grpSpPr>
+        <a:xfrm>
+          <a:off x="0" y="0"/>
+          <a:ext cx="0" cy="0"/>
+          <a:chOff x="0" y="0"/>
+          <a:chExt cx="0" cy="0"/>
+        </a:xfrm>
+      </p:grpSpPr>
+      <p:sp>
+        <p:nvSpPr>
+          <p:cNvPr id="2" name="标题 1"/>
+          <p:cNvSpPr>
+            <a:spLocks noGrp="1"/>
+          </p:cNvSpPr>
+          <p:nvPr>
+            <p:ph type="title"/>
+          </p:nvPr>
+        </p:nvSpPr>
+        <p:spPr/>
+        <p:txBody>
+          <a:bodyPr/>
+          <a:lstStyle/>
+          <a:p>
+            <a:pPr marL="571500" indent="-571500">
+              <a:buFont typeface="Wingdings" panose="05000000000000000000" pitchFamily="2" charset="2"/>
+              <a:buChar char="Ø"/>
+            </a:pPr>
+            <a:r>
+              <a:rPr lang="zh-CN" altLang="en-US" dirty="0" smtClean="0"/>
+              <a:t>公式</a:t>
+            </a:r>
+            <a:endParaRPr lang="zh-CN" altLang="en-US" dirty="0"/>
+          </a:p>
+        </p:txBody>
+      </p:sp>
+      <mc:AlternateContent xmlns:mc="http://schemas.openxmlformats.org/markup-compatibility/2006">
+        <mc:Choice xmlns:a14="http://schemas.microsoft.com/office/drawing/2010/main" Requires="a14">
+          <p:sp>
+            <p:nvSpPr>
+              <p:cNvPr id="3" name="内容占位符 2"/>
+              <p:cNvSpPr>
+                <a:spLocks noGrp="1"/>
+              </p:cNvSpPr>
+              <p:nvPr>
+                <p:ph idx="1"/>
+              </p:nvPr>
+            </p:nvSpPr>
+            <p:spPr/>
+            <p:txBody>
+              <a:bodyPr>
+                <a:normAutofit fontScale="92500" lnSpcReduction="10000"/>
+              </a:bodyPr>
+              <a:lstStyle/>
+              <a:p>
+                <a14:m>
+                  <m:oMath xmlns:m="http://schemas.openxmlformats.org/officeDocument/2006/math">
+                    <m:sSub>
+                      <m:sSubPr>
+                        <m:ctrlPr>
+                          <a:rPr lang="zh-CN" altLang="zh-CN" i="1" smtClean="0">
+                            <a:solidFill>
+                              <a:schemeClr val="accent5">
+                                <a:lumMod val="75000"/>
+                              </a:schemeClr>
+                            </a:solidFill>
+                            <a:latin typeface="Cambria Math" panose="02040503050406030204" pitchFamily="18" charset="0"/>
+                          </a:rPr>
+                        </m:ctrlPr>
+                      </m:sSubPr>
+                      <m:e>
+                        <m:r>
+                          <a:rPr lang="zh-CN" altLang="zh-CN">
+                            <a:solidFill>
+                              <a:schemeClr val="accent5">
+                                <a:lumMod val="75000"/>
+                              </a:schemeClr>
+                            </a:solidFill>
+                            <a:latin typeface="Cambria Math" panose="02040503050406030204" pitchFamily="18" charset="0"/>
+                          </a:rPr>
+                          <m:t>带负载机械时间常数</m:t>
+                        </m:r>
+                        <m:r>
+                          <a:rPr lang="en-US" altLang="zh-CN" i="1">
+                            <a:solidFill>
+                              <a:schemeClr val="accent5">
+                                <a:lumMod val="75000"/>
+                              </a:schemeClr>
+                            </a:solidFill>
+                            <a:latin typeface="Cambria Math" panose="02040503050406030204" pitchFamily="18" charset="0"/>
+                          </a:rPr>
+                          <m:t>𝜏</m:t>
+                        </m:r>
+                      </m:e>
+                      <m:sub>
+                        <m:r>
+                          <a:rPr lang="en-US" altLang="zh-CN" i="1">
+                            <a:solidFill>
+                              <a:schemeClr val="accent5">
+                                <a:lumMod val="75000"/>
+                              </a:schemeClr>
+                            </a:solidFill>
+                            <a:latin typeface="Cambria Math" panose="02040503050406030204" pitchFamily="18" charset="0"/>
+                          </a:rPr>
+                          <m:t>𝑚</m:t>
+                        </m:r>
+                      </m:sub>
+                    </m:sSub>
+                    <m:r>
+                      <a:rPr lang="en-US" altLang="zh-CN" i="1">
                         <a:solidFill>
                           <a:schemeClr val="accent5">
                             <a:lumMod val="75000"/>
                           </a:schemeClr>
                         </a:solidFill>
-                      </a:rPr>
-                      <m:t>（</m:t>
-                    </m:r>
-                    <m:r>
-                      <a:rPr lang="en-US" altLang="zh-CN">
-                        <a:solidFill>
-                          <a:schemeClr val="accent5">
-                            <a:lumMod val="75000"/>
-                          </a:schemeClr>
-                        </a:solidFill>
-                      </a:rPr>
-                      <m:t>1+</m:t>
+                        <a:latin typeface="Cambria Math" panose="02040503050406030204" pitchFamily="18" charset="0"/>
+                      </a:rPr>
+                      <m:t>‘=100∗</m:t>
                     </m:r>
                     <m:f>
                       <m:fPr>
@@ -7203,6 +8340,7 @@
                                 <a:lumMod val="75000"/>
                               </a:schemeClr>
                             </a:solidFill>
+                            <a:latin typeface="Cambria Math" panose="02040503050406030204" pitchFamily="18" charset="0"/>
                           </a:rPr>
                         </m:ctrlPr>
                       </m:fPr>
@@ -7216,6 +8354,7 @@
                                     <a:lumMod val="75000"/>
                                   </a:schemeClr>
                                 </a:solidFill>
+                                <a:latin typeface="Cambria Math" panose="02040503050406030204" pitchFamily="18" charset="0"/>
                               </a:rPr>
                             </m:ctrlPr>
                           </m:sSubPr>
@@ -7227,6 +8366,7 @@
                                     <a:lumMod val="75000"/>
                                   </a:schemeClr>
                                 </a:solidFill>
+                                <a:latin typeface="Cambria Math" panose="02040503050406030204" pitchFamily="18" charset="0"/>
                               </a:rPr>
                               <m:t>𝐽</m:t>
                             </m:r>
@@ -7239,6 +8379,178 @@
                                     <a:lumMod val="75000"/>
                                   </a:schemeClr>
                                 </a:solidFill>
+                                <a:latin typeface="Cambria Math" panose="02040503050406030204" pitchFamily="18" charset="0"/>
+                              </a:rPr>
+                              <m:t>𝑅</m:t>
+                            </m:r>
+                          </m:sub>
+                        </m:sSub>
+                        <m:r>
+                          <a:rPr lang="en-US" altLang="zh-CN" i="1">
+                            <a:solidFill>
+                              <a:schemeClr val="accent5">
+                                <a:lumMod val="75000"/>
+                              </a:schemeClr>
+                            </a:solidFill>
+                            <a:latin typeface="Cambria Math" panose="02040503050406030204" pitchFamily="18" charset="0"/>
+                          </a:rPr>
+                          <m:t>∗</m:t>
+                        </m:r>
+                        <m:r>
+                          <a:rPr lang="en-US" altLang="zh-CN" i="1">
+                            <a:solidFill>
+                              <a:schemeClr val="accent5">
+                                <a:lumMod val="75000"/>
+                              </a:schemeClr>
+                            </a:solidFill>
+                            <a:latin typeface="Cambria Math" panose="02040503050406030204" pitchFamily="18" charset="0"/>
+                          </a:rPr>
+                          <m:t>𝑅</m:t>
+                        </m:r>
+                      </m:num>
+                      <m:den>
+                        <m:sSup>
+                          <m:sSupPr>
+                            <m:ctrlPr>
+                              <a:rPr lang="zh-CN" altLang="zh-CN" i="1">
+                                <a:solidFill>
+                                  <a:schemeClr val="accent5">
+                                    <a:lumMod val="75000"/>
+                                  </a:schemeClr>
+                                </a:solidFill>
+                                <a:latin typeface="Cambria Math" panose="02040503050406030204" pitchFamily="18" charset="0"/>
+                              </a:rPr>
+                            </m:ctrlPr>
+                          </m:sSupPr>
+                          <m:e>
+                            <m:sSub>
+                              <m:sSubPr>
+                                <m:ctrlPr>
+                                  <a:rPr lang="zh-CN" altLang="zh-CN" i="1">
+                                    <a:solidFill>
+                                      <a:schemeClr val="accent5">
+                                        <a:lumMod val="75000"/>
+                                      </a:schemeClr>
+                                    </a:solidFill>
+                                    <a:latin typeface="Cambria Math" panose="02040503050406030204" pitchFamily="18" charset="0"/>
+                                  </a:rPr>
+                                </m:ctrlPr>
+                              </m:sSubPr>
+                              <m:e>
+                                <m:r>
+                                  <a:rPr lang="en-US" altLang="zh-CN" i="1">
+                                    <a:solidFill>
+                                      <a:schemeClr val="accent5">
+                                        <a:lumMod val="75000"/>
+                                      </a:schemeClr>
+                                    </a:solidFill>
+                                    <a:latin typeface="Cambria Math" panose="02040503050406030204" pitchFamily="18" charset="0"/>
+                                  </a:rPr>
+                                  <m:t>𝐾</m:t>
+                                </m:r>
+                              </m:e>
+                              <m:sub>
+                                <m:r>
+                                  <a:rPr lang="en-US" altLang="zh-CN" i="1">
+                                    <a:solidFill>
+                                      <a:schemeClr val="accent5">
+                                        <a:lumMod val="75000"/>
+                                      </a:schemeClr>
+                                    </a:solidFill>
+                                    <a:latin typeface="Cambria Math" panose="02040503050406030204" pitchFamily="18" charset="0"/>
+                                  </a:rPr>
+                                  <m:t>𝑚</m:t>
+                                </m:r>
+                              </m:sub>
+                            </m:sSub>
+                          </m:e>
+                          <m:sup>
+                            <m:r>
+                              <a:rPr lang="en-US" altLang="zh-CN" i="1">
+                                <a:solidFill>
+                                  <a:schemeClr val="accent5">
+                                    <a:lumMod val="75000"/>
+                                  </a:schemeClr>
+                                </a:solidFill>
+                                <a:latin typeface="Cambria Math" panose="02040503050406030204" pitchFamily="18" charset="0"/>
+                              </a:rPr>
+                              <m:t>2</m:t>
+                            </m:r>
+                          </m:sup>
+                        </m:sSup>
+                      </m:den>
+                    </m:f>
+                    <m:r>
+                      <a:rPr lang="zh-CN" altLang="zh-CN">
+                        <a:solidFill>
+                          <a:schemeClr val="accent5">
+                            <a:lumMod val="75000"/>
+                          </a:schemeClr>
+                        </a:solidFill>
+                        <a:latin typeface="Cambria Math" panose="02040503050406030204" pitchFamily="18" charset="0"/>
+                      </a:rPr>
+                      <m:t>（</m:t>
+                    </m:r>
+                    <m:r>
+                      <a:rPr lang="en-US" altLang="zh-CN">
+                        <a:solidFill>
+                          <a:schemeClr val="accent5">
+                            <a:lumMod val="75000"/>
+                          </a:schemeClr>
+                        </a:solidFill>
+                        <a:latin typeface="Cambria Math" panose="02040503050406030204" pitchFamily="18" charset="0"/>
+                      </a:rPr>
+                      <m:t>1+</m:t>
+                    </m:r>
+                    <m:f>
+                      <m:fPr>
+                        <m:ctrlPr>
+                          <a:rPr lang="zh-CN" altLang="zh-CN" i="1">
+                            <a:solidFill>
+                              <a:schemeClr val="accent5">
+                                <a:lumMod val="75000"/>
+                              </a:schemeClr>
+                            </a:solidFill>
+                            <a:latin typeface="Cambria Math" panose="02040503050406030204" pitchFamily="18" charset="0"/>
+                          </a:rPr>
+                        </m:ctrlPr>
+                      </m:fPr>
+                      <m:num>
+                        <m:sSub>
+                          <m:sSubPr>
+                            <m:ctrlPr>
+                              <a:rPr lang="zh-CN" altLang="zh-CN" i="1">
+                                <a:solidFill>
+                                  <a:schemeClr val="accent5">
+                                    <a:lumMod val="75000"/>
+                                  </a:schemeClr>
+                                </a:solidFill>
+                                <a:latin typeface="Cambria Math" panose="02040503050406030204" pitchFamily="18" charset="0"/>
+                              </a:rPr>
+                            </m:ctrlPr>
+                          </m:sSubPr>
+                          <m:e>
+                            <m:r>
+                              <a:rPr lang="en-US" altLang="zh-CN" i="1">
+                                <a:solidFill>
+                                  <a:schemeClr val="accent5">
+                                    <a:lumMod val="75000"/>
+                                  </a:schemeClr>
+                                </a:solidFill>
+                                <a:latin typeface="Cambria Math" panose="02040503050406030204" pitchFamily="18" charset="0"/>
+                              </a:rPr>
+                              <m:t>𝐽</m:t>
+                            </m:r>
+                          </m:e>
+                          <m:sub>
+                            <m:r>
+                              <a:rPr lang="en-US" altLang="zh-CN" i="1">
+                                <a:solidFill>
+                                  <a:schemeClr val="accent5">
+                                    <a:lumMod val="75000"/>
+                                  </a:schemeClr>
+                                </a:solidFill>
+                                <a:latin typeface="Cambria Math" panose="02040503050406030204" pitchFamily="18" charset="0"/>
                               </a:rPr>
                               <m:t>𝐿</m:t>
                             </m:r>
@@ -7255,6 +8567,7 @@
                                     <a:lumMod val="75000"/>
                                   </a:schemeClr>
                                 </a:solidFill>
+                                <a:latin typeface="Cambria Math" panose="02040503050406030204" pitchFamily="18" charset="0"/>
                               </a:rPr>
                             </m:ctrlPr>
                           </m:sSubPr>
@@ -7266,6 +8579,7 @@
                                     <a:lumMod val="75000"/>
                                   </a:schemeClr>
                                 </a:solidFill>
+                                <a:latin typeface="Cambria Math" panose="02040503050406030204" pitchFamily="18" charset="0"/>
                               </a:rPr>
                               <m:t>𝐽</m:t>
                             </m:r>
@@ -7278,6 +8592,7 @@
                                     <a:lumMod val="75000"/>
                                   </a:schemeClr>
                                 </a:solidFill>
+                                <a:latin typeface="Cambria Math" panose="02040503050406030204" pitchFamily="18" charset="0"/>
                               </a:rPr>
                               <m:t>𝑅</m:t>
                             </m:r>
@@ -7292,6 +8607,7 @@
                             <a:lumMod val="75000"/>
                           </a:schemeClr>
                         </a:solidFill>
+                        <a:latin typeface="Cambria Math" panose="02040503050406030204" pitchFamily="18" charset="0"/>
                       </a:rPr>
                       <m:t>）</m:t>
                     </m:r>
@@ -7328,8 +8644,20 @@
                             <a:lumMod val="75000"/>
                           </a:schemeClr>
                         </a:solidFill>
-                      </a:rPr>
-                      <m:t>空载最大角加速度 </m:t>
+                        <a:latin typeface="Cambria Math" panose="02040503050406030204" pitchFamily="18" charset="0"/>
+                      </a:rPr>
+                      <m:t>空载最大角加速度</m:t>
+                    </m:r>
+                    <m:r>
+                      <a:rPr lang="zh-CN" altLang="zh-CN">
+                        <a:solidFill>
+                          <a:schemeClr val="accent5">
+                            <a:lumMod val="75000"/>
+                          </a:schemeClr>
+                        </a:solidFill>
+                        <a:latin typeface="Cambria Math" panose="02040503050406030204" pitchFamily="18" charset="0"/>
+                      </a:rPr>
+                      <m:t> </m:t>
                     </m:r>
                     <m:sSub>
                       <m:sSubPr>
@@ -7340,6 +8668,7 @@
                                 <a:lumMod val="75000"/>
                               </a:schemeClr>
                             </a:solidFill>
+                            <a:latin typeface="Cambria Math" panose="02040503050406030204" pitchFamily="18" charset="0"/>
                           </a:rPr>
                         </m:ctrlPr>
                       </m:sSubPr>
@@ -7351,6 +8680,7 @@
                                 <a:lumMod val="75000"/>
                               </a:schemeClr>
                             </a:solidFill>
+                            <a:latin typeface="Cambria Math" panose="02040503050406030204" pitchFamily="18" charset="0"/>
                           </a:rPr>
                           <m:t>𝛼</m:t>
                         </m:r>
@@ -7363,6 +8693,7 @@
                                 <a:lumMod val="75000"/>
                               </a:schemeClr>
                             </a:solidFill>
+                            <a:latin typeface="Cambria Math" panose="02040503050406030204" pitchFamily="18" charset="0"/>
                           </a:rPr>
                           <m:t>𝑚𝑎𝑥</m:t>
                         </m:r>
@@ -7375,6 +8706,7 @@
                             <a:lumMod val="75000"/>
                           </a:schemeClr>
                         </a:solidFill>
+                        <a:latin typeface="Cambria Math" panose="02040503050406030204" pitchFamily="18" charset="0"/>
                       </a:rPr>
                       <m:t>=</m:t>
                     </m:r>
@@ -7387,6 +8719,7 @@
                                 <a:lumMod val="75000"/>
                               </a:schemeClr>
                             </a:solidFill>
+                            <a:latin typeface="Cambria Math" panose="02040503050406030204" pitchFamily="18" charset="0"/>
                           </a:rPr>
                         </m:ctrlPr>
                       </m:sSupPr>
@@ -7398,6 +8731,7 @@
                                 <a:lumMod val="75000"/>
                               </a:schemeClr>
                             </a:solidFill>
+                            <a:latin typeface="Cambria Math" panose="02040503050406030204" pitchFamily="18" charset="0"/>
                           </a:rPr>
                           <m:t>10</m:t>
                         </m:r>
@@ -7410,6 +8744,7 @@
                                 <a:lumMod val="75000"/>
                               </a:schemeClr>
                             </a:solidFill>
+                            <a:latin typeface="Cambria Math" panose="02040503050406030204" pitchFamily="18" charset="0"/>
                           </a:rPr>
                           <m:t>4</m:t>
                         </m:r>
@@ -7422,6 +8757,7 @@
                             <a:lumMod val="75000"/>
                           </a:schemeClr>
                         </a:solidFill>
+                        <a:latin typeface="Cambria Math" panose="02040503050406030204" pitchFamily="18" charset="0"/>
                       </a:rPr>
                       <m:t>∗</m:t>
                     </m:r>
@@ -7434,6 +8770,7 @@
                                 <a:lumMod val="75000"/>
                               </a:schemeClr>
                             </a:solidFill>
+                            <a:latin typeface="Cambria Math" panose="02040503050406030204" pitchFamily="18" charset="0"/>
                           </a:rPr>
                         </m:ctrlPr>
                       </m:fPr>
@@ -7447,6 +8784,7 @@
                                     <a:lumMod val="75000"/>
                                   </a:schemeClr>
                                 </a:solidFill>
+                                <a:latin typeface="Cambria Math" panose="02040503050406030204" pitchFamily="18" charset="0"/>
                               </a:rPr>
                             </m:ctrlPr>
                           </m:sSubPr>
@@ -7458,6 +8796,7 @@
                                     <a:lumMod val="75000"/>
                                   </a:schemeClr>
                                 </a:solidFill>
+                                <a:latin typeface="Cambria Math" panose="02040503050406030204" pitchFamily="18" charset="0"/>
                               </a:rPr>
                               <m:t>𝑀</m:t>
                             </m:r>
@@ -7470,6 +8809,7 @@
                                     <a:lumMod val="75000"/>
                                   </a:schemeClr>
                                 </a:solidFill>
+                                <a:latin typeface="Cambria Math" panose="02040503050406030204" pitchFamily="18" charset="0"/>
                               </a:rPr>
                               <m:t>𝐻</m:t>
                             </m:r>
@@ -7486,6 +8826,7 @@
                                     <a:lumMod val="75000"/>
                                   </a:schemeClr>
                                 </a:solidFill>
+                                <a:latin typeface="Cambria Math" panose="02040503050406030204" pitchFamily="18" charset="0"/>
                               </a:rPr>
                             </m:ctrlPr>
                           </m:sSubPr>
@@ -7497,6 +8838,7 @@
                                     <a:lumMod val="75000"/>
                                   </a:schemeClr>
                                 </a:solidFill>
+                                <a:latin typeface="Cambria Math" panose="02040503050406030204" pitchFamily="18" charset="0"/>
                               </a:rPr>
                               <m:t>𝐽</m:t>
                             </m:r>
@@ -7509,6 +8851,7 @@
                                     <a:lumMod val="75000"/>
                                   </a:schemeClr>
                                 </a:solidFill>
+                                <a:latin typeface="Cambria Math" panose="02040503050406030204" pitchFamily="18" charset="0"/>
                               </a:rPr>
                               <m:t>𝑅</m:t>
                             </m:r>
@@ -7546,8 +8889,20 @@
                             <a:lumMod val="75000"/>
                           </a:schemeClr>
                         </a:solidFill>
-                      </a:rPr>
-                      <m:t>带负载最大角加速度 </m:t>
+                        <a:latin typeface="Cambria Math" panose="02040503050406030204" pitchFamily="18" charset="0"/>
+                      </a:rPr>
+                      <m:t>带负载最大角加速度</m:t>
+                    </m:r>
+                    <m:r>
+                      <a:rPr lang="zh-CN" altLang="zh-CN">
+                        <a:solidFill>
+                          <a:schemeClr val="accent5">
+                            <a:lumMod val="75000"/>
+                          </a:schemeClr>
+                        </a:solidFill>
+                        <a:latin typeface="Cambria Math" panose="02040503050406030204" pitchFamily="18" charset="0"/>
+                      </a:rPr>
+                      <m:t> </m:t>
                     </m:r>
                     <m:sSub>
                       <m:sSubPr>
@@ -7558,6 +8913,7 @@
                                 <a:lumMod val="75000"/>
                               </a:schemeClr>
                             </a:solidFill>
+                            <a:latin typeface="Cambria Math" panose="02040503050406030204" pitchFamily="18" charset="0"/>
                           </a:rPr>
                         </m:ctrlPr>
                       </m:sSubPr>
@@ -7569,6 +8925,7 @@
                                 <a:lumMod val="75000"/>
                               </a:schemeClr>
                             </a:solidFill>
+                            <a:latin typeface="Cambria Math" panose="02040503050406030204" pitchFamily="18" charset="0"/>
                           </a:rPr>
                           <m:t>𝛼</m:t>
                         </m:r>
@@ -7581,6 +8938,7 @@
                                 <a:lumMod val="75000"/>
                               </a:schemeClr>
                             </a:solidFill>
+                            <a:latin typeface="Cambria Math" panose="02040503050406030204" pitchFamily="18" charset="0"/>
                           </a:rPr>
                           <m:t>𝑚𝑎𝑥</m:t>
                         </m:r>
@@ -7593,6 +8951,7 @@
                             <a:lumMod val="75000"/>
                           </a:schemeClr>
                         </a:solidFill>
+                        <a:latin typeface="Cambria Math" panose="02040503050406030204" pitchFamily="18" charset="0"/>
                       </a:rPr>
                       <m:t>=</m:t>
                     </m:r>
@@ -7605,6 +8964,7 @@
                                 <a:lumMod val="75000"/>
                               </a:schemeClr>
                             </a:solidFill>
+                            <a:latin typeface="Cambria Math" panose="02040503050406030204" pitchFamily="18" charset="0"/>
                           </a:rPr>
                         </m:ctrlPr>
                       </m:sSupPr>
@@ -7616,6 +8976,7 @@
                                 <a:lumMod val="75000"/>
                               </a:schemeClr>
                             </a:solidFill>
+                            <a:latin typeface="Cambria Math" panose="02040503050406030204" pitchFamily="18" charset="0"/>
                           </a:rPr>
                           <m:t>10</m:t>
                         </m:r>
@@ -7628,6 +8989,7 @@
                                 <a:lumMod val="75000"/>
                               </a:schemeClr>
                             </a:solidFill>
+                            <a:latin typeface="Cambria Math" panose="02040503050406030204" pitchFamily="18" charset="0"/>
                           </a:rPr>
                           <m:t>4</m:t>
                         </m:r>
@@ -7640,6 +9002,7 @@
                             <a:lumMod val="75000"/>
                           </a:schemeClr>
                         </a:solidFill>
+                        <a:latin typeface="Cambria Math" panose="02040503050406030204" pitchFamily="18" charset="0"/>
                       </a:rPr>
                       <m:t>∗</m:t>
                     </m:r>
@@ -7652,6 +9015,7 @@
                                 <a:lumMod val="75000"/>
                               </a:schemeClr>
                             </a:solidFill>
+                            <a:latin typeface="Cambria Math" panose="02040503050406030204" pitchFamily="18" charset="0"/>
                           </a:rPr>
                         </m:ctrlPr>
                       </m:fPr>
@@ -7665,6 +9029,7 @@
                                     <a:lumMod val="75000"/>
                                   </a:schemeClr>
                                 </a:solidFill>
+                                <a:latin typeface="Cambria Math" panose="02040503050406030204" pitchFamily="18" charset="0"/>
                               </a:rPr>
                             </m:ctrlPr>
                           </m:sSubPr>
@@ -7676,6 +9041,7 @@
                                     <a:lumMod val="75000"/>
                                   </a:schemeClr>
                                 </a:solidFill>
+                                <a:latin typeface="Cambria Math" panose="02040503050406030204" pitchFamily="18" charset="0"/>
                               </a:rPr>
                               <m:t>𝑀</m:t>
                             </m:r>
@@ -7688,6 +9054,7 @@
                                     <a:lumMod val="75000"/>
                                   </a:schemeClr>
                                 </a:solidFill>
+                                <a:latin typeface="Cambria Math" panose="02040503050406030204" pitchFamily="18" charset="0"/>
                               </a:rPr>
                               <m:t>𝐻</m:t>
                             </m:r>
@@ -7704,6 +9071,7 @@
                                     <a:lumMod val="75000"/>
                                   </a:schemeClr>
                                 </a:solidFill>
+                                <a:latin typeface="Cambria Math" panose="02040503050406030204" pitchFamily="18" charset="0"/>
                               </a:rPr>
                             </m:ctrlPr>
                           </m:sSubPr>
@@ -7715,6 +9083,7 @@
                                     <a:lumMod val="75000"/>
                                   </a:schemeClr>
                                 </a:solidFill>
+                                <a:latin typeface="Cambria Math" panose="02040503050406030204" pitchFamily="18" charset="0"/>
                               </a:rPr>
                               <m:t>𝐽</m:t>
                             </m:r>
@@ -7727,6 +9096,7 @@
                                     <a:lumMod val="75000"/>
                                   </a:schemeClr>
                                 </a:solidFill>
+                                <a:latin typeface="Cambria Math" panose="02040503050406030204" pitchFamily="18" charset="0"/>
                               </a:rPr>
                               <m:t>𝑅</m:t>
                             </m:r>
@@ -7739,6 +9109,7 @@
                                 <a:lumMod val="75000"/>
                               </a:schemeClr>
                             </a:solidFill>
+                            <a:latin typeface="Cambria Math" panose="02040503050406030204" pitchFamily="18" charset="0"/>
                           </a:rPr>
                           <m:t>+</m:t>
                         </m:r>
@@ -7751,6 +9122,7 @@
                                     <a:lumMod val="75000"/>
                                   </a:schemeClr>
                                 </a:solidFill>
+                                <a:latin typeface="Cambria Math" panose="02040503050406030204" pitchFamily="18" charset="0"/>
                               </a:rPr>
                             </m:ctrlPr>
                           </m:sSubPr>
@@ -7762,6 +9134,7 @@
                                     <a:lumMod val="75000"/>
                                   </a:schemeClr>
                                 </a:solidFill>
+                                <a:latin typeface="Cambria Math" panose="02040503050406030204" pitchFamily="18" charset="0"/>
                               </a:rPr>
                               <m:t>𝐽</m:t>
                             </m:r>
@@ -7774,6 +9147,7 @@
                                     <a:lumMod val="75000"/>
                                   </a:schemeClr>
                                 </a:solidFill>
+                                <a:latin typeface="Cambria Math" panose="02040503050406030204" pitchFamily="18" charset="0"/>
                               </a:rPr>
                               <m:t>𝐿</m:t>
                             </m:r>
@@ -7801,125 +9175,169 @@
                     <m:sSub>
                       <m:sSubPr>
                         <m:ctrlPr>
-                          <a:rPr lang="zh-CN" altLang="zh-CN" i="1"/>
+                          <a:rPr lang="zh-CN" altLang="zh-CN" i="1">
+                            <a:latin typeface="Cambria Math" panose="02040503050406030204" pitchFamily="18" charset="0"/>
+                          </a:rPr>
                         </m:ctrlPr>
                       </m:sSubPr>
                       <m:e>
                         <m:r>
-                          <a:rPr lang="en-US" altLang="zh-CN" i="1"/>
+                          <a:rPr lang="en-US" altLang="zh-CN" i="1">
+                            <a:latin typeface="Cambria Math" panose="02040503050406030204" pitchFamily="18" charset="0"/>
+                          </a:rPr>
                           <m:t>𝑇</m:t>
                         </m:r>
                       </m:e>
                       <m:sub>
                         <m:r>
-                          <a:rPr lang="en-US" altLang="zh-CN" i="1"/>
+                          <a:rPr lang="en-US" altLang="zh-CN" i="1">
+                            <a:latin typeface="Cambria Math" panose="02040503050406030204" pitchFamily="18" charset="0"/>
+                          </a:rPr>
                           <m:t>𝑊</m:t>
                         </m:r>
                       </m:sub>
                     </m:sSub>
                     <m:r>
-                      <a:rPr lang="en-US" altLang="zh-CN" i="1"/>
+                      <a:rPr lang="en-US" altLang="zh-CN" i="1">
+                        <a:latin typeface="Cambria Math" panose="02040503050406030204" pitchFamily="18" charset="0"/>
+                      </a:rPr>
                       <m:t>−</m:t>
                     </m:r>
                     <m:sSub>
                       <m:sSubPr>
                         <m:ctrlPr>
-                          <a:rPr lang="zh-CN" altLang="zh-CN" i="1"/>
+                          <a:rPr lang="zh-CN" altLang="zh-CN" i="1">
+                            <a:latin typeface="Cambria Math" panose="02040503050406030204" pitchFamily="18" charset="0"/>
+                          </a:rPr>
                         </m:ctrlPr>
                       </m:sSubPr>
                       <m:e>
                         <m:r>
-                          <a:rPr lang="en-US" altLang="zh-CN" i="1"/>
+                          <a:rPr lang="en-US" altLang="zh-CN" i="1">
+                            <a:latin typeface="Cambria Math" panose="02040503050406030204" pitchFamily="18" charset="0"/>
+                          </a:rPr>
                           <m:t>𝑇</m:t>
                         </m:r>
                       </m:e>
                       <m:sub>
                         <m:r>
-                          <a:rPr lang="en-US" altLang="zh-CN" i="1"/>
+                          <a:rPr lang="en-US" altLang="zh-CN" i="1">
+                            <a:latin typeface="Cambria Math" panose="02040503050406030204" pitchFamily="18" charset="0"/>
+                          </a:rPr>
                           <m:t>𝑈</m:t>
                         </m:r>
                       </m:sub>
                     </m:sSub>
                     <m:r>
-                      <a:rPr lang="en-US" altLang="zh-CN" i="1"/>
+                      <a:rPr lang="en-US" altLang="zh-CN" i="1">
+                        <a:latin typeface="Cambria Math" panose="02040503050406030204" pitchFamily="18" charset="0"/>
+                      </a:rPr>
                       <m:t>= ∆</m:t>
                     </m:r>
                     <m:sSub>
                       <m:sSubPr>
                         <m:ctrlPr>
-                          <a:rPr lang="zh-CN" altLang="zh-CN" i="1"/>
+                          <a:rPr lang="zh-CN" altLang="zh-CN" i="1">
+                            <a:latin typeface="Cambria Math" panose="02040503050406030204" pitchFamily="18" charset="0"/>
+                          </a:rPr>
                         </m:ctrlPr>
                       </m:sSubPr>
                       <m:e>
                         <m:r>
-                          <a:rPr lang="en-US" altLang="zh-CN" i="1"/>
+                          <a:rPr lang="en-US" altLang="zh-CN" i="1">
+                            <a:latin typeface="Cambria Math" panose="02040503050406030204" pitchFamily="18" charset="0"/>
+                          </a:rPr>
                           <m:t>𝑇</m:t>
                         </m:r>
                       </m:e>
                       <m:sub>
                         <m:r>
-                          <a:rPr lang="en-US" altLang="zh-CN" i="1"/>
+                          <a:rPr lang="en-US" altLang="zh-CN" i="1">
+                            <a:latin typeface="Cambria Math" panose="02040503050406030204" pitchFamily="18" charset="0"/>
+                          </a:rPr>
                           <m:t>𝑊</m:t>
                         </m:r>
                       </m:sub>
                     </m:sSub>
                     <m:r>
-                      <a:rPr lang="en-US" altLang="zh-CN" i="1"/>
+                      <a:rPr lang="en-US" altLang="zh-CN" i="1">
+                        <a:latin typeface="Cambria Math" panose="02040503050406030204" pitchFamily="18" charset="0"/>
+                      </a:rPr>
                       <m:t>=</m:t>
                     </m:r>
                     <m:d>
                       <m:dPr>
                         <m:ctrlPr>
-                          <a:rPr lang="zh-CN" altLang="zh-CN" i="1"/>
+                          <a:rPr lang="zh-CN" altLang="zh-CN" i="1">
+                            <a:latin typeface="Cambria Math" panose="02040503050406030204" pitchFamily="18" charset="0"/>
+                          </a:rPr>
                         </m:ctrlPr>
                       </m:dPr>
                       <m:e>
                         <m:sSub>
                           <m:sSubPr>
                             <m:ctrlPr>
-                              <a:rPr lang="zh-CN" altLang="zh-CN" i="1"/>
+                              <a:rPr lang="zh-CN" altLang="zh-CN" i="1">
+                                <a:latin typeface="Cambria Math" panose="02040503050406030204" pitchFamily="18" charset="0"/>
+                              </a:rPr>
                             </m:ctrlPr>
                           </m:sSubPr>
                           <m:e>
                             <m:r>
-                              <a:rPr lang="en-US" altLang="zh-CN" i="1"/>
+                              <a:rPr lang="en-US" altLang="zh-CN" i="1">
+                                <a:latin typeface="Cambria Math" panose="02040503050406030204" pitchFamily="18" charset="0"/>
+                              </a:rPr>
                               <m:t>𝑅</m:t>
                             </m:r>
                           </m:e>
                           <m:sub>
                             <m:r>
-                              <a:rPr lang="en-US" altLang="zh-CN" i="1"/>
+                              <a:rPr lang="en-US" altLang="zh-CN" i="1">
+                                <a:latin typeface="Cambria Math" panose="02040503050406030204" pitchFamily="18" charset="0"/>
+                              </a:rPr>
                               <m:t>𝑡h</m:t>
                             </m:r>
                             <m:r>
-                              <a:rPr lang="en-US" altLang="zh-CN" i="1"/>
+                              <a:rPr lang="en-US" altLang="zh-CN" i="1">
+                                <a:latin typeface="Cambria Math" panose="02040503050406030204" pitchFamily="18" charset="0"/>
+                              </a:rPr>
                               <m:t>1</m:t>
                             </m:r>
                           </m:sub>
                         </m:sSub>
                         <m:r>
-                          <a:rPr lang="en-US" altLang="zh-CN" i="1"/>
+                          <a:rPr lang="en-US" altLang="zh-CN" i="1">
+                            <a:latin typeface="Cambria Math" panose="02040503050406030204" pitchFamily="18" charset="0"/>
+                          </a:rPr>
                           <m:t>+</m:t>
                         </m:r>
                         <m:sSub>
                           <m:sSubPr>
                             <m:ctrlPr>
-                              <a:rPr lang="zh-CN" altLang="zh-CN" i="1"/>
+                              <a:rPr lang="zh-CN" altLang="zh-CN" i="1">
+                                <a:latin typeface="Cambria Math" panose="02040503050406030204" pitchFamily="18" charset="0"/>
+                              </a:rPr>
                             </m:ctrlPr>
                           </m:sSubPr>
                           <m:e>
                             <m:r>
-                              <a:rPr lang="en-US" altLang="zh-CN" i="1"/>
+                              <a:rPr lang="en-US" altLang="zh-CN" i="1">
+                                <a:latin typeface="Cambria Math" panose="02040503050406030204" pitchFamily="18" charset="0"/>
+                              </a:rPr>
                               <m:t>𝑅</m:t>
                             </m:r>
                           </m:e>
                           <m:sub>
                             <m:r>
-                              <a:rPr lang="en-US" altLang="zh-CN" i="1"/>
+                              <a:rPr lang="en-US" altLang="zh-CN" i="1">
+                                <a:latin typeface="Cambria Math" panose="02040503050406030204" pitchFamily="18" charset="0"/>
+                              </a:rPr>
                               <m:t>𝑡h</m:t>
                             </m:r>
                             <m:r>
-                              <a:rPr lang="en-US" altLang="zh-CN" i="1"/>
+                              <a:rPr lang="en-US" altLang="zh-CN" i="1">
+                                <a:latin typeface="Cambria Math" panose="02040503050406030204" pitchFamily="18" charset="0"/>
+                              </a:rPr>
                               <m:t>2</m:t>
                             </m:r>
                           </m:sub>
@@ -7927,30 +9345,400 @@
                       </m:e>
                     </m:d>
                     <m:r>
-                      <a:rPr lang="en-US" altLang="zh-CN" i="1"/>
+                      <a:rPr lang="en-US" altLang="zh-CN" i="1">
+                        <a:latin typeface="Cambria Math" panose="02040503050406030204" pitchFamily="18" charset="0"/>
+                      </a:rPr>
                       <m:t>∗</m:t>
                     </m:r>
                     <m:sSub>
                       <m:sSubPr>
                         <m:ctrlPr>
-                          <a:rPr lang="zh-CN" altLang="zh-CN" i="1"/>
+                          <a:rPr lang="zh-CN" altLang="zh-CN" i="1">
+                            <a:latin typeface="Cambria Math" panose="02040503050406030204" pitchFamily="18" charset="0"/>
+                          </a:rPr>
                         </m:ctrlPr>
                       </m:sSubPr>
                       <m:e>
                         <m:r>
-                          <a:rPr lang="en-US" altLang="zh-CN" i="1"/>
+                          <a:rPr lang="en-US" altLang="zh-CN" i="1">
+                            <a:latin typeface="Cambria Math" panose="02040503050406030204" pitchFamily="18" charset="0"/>
+                          </a:rPr>
                           <m:t>𝑃</m:t>
                         </m:r>
                       </m:e>
                       <m:sub>
                         <m:r>
-                          <a:rPr lang="en-US" altLang="zh-CN" i="1"/>
+                          <a:rPr lang="en-US" altLang="zh-CN" i="1">
+                            <a:latin typeface="Cambria Math" panose="02040503050406030204" pitchFamily="18" charset="0"/>
+                          </a:rPr>
                           <m:t>𝐽</m:t>
                         </m:r>
                       </m:sub>
                     </m:sSub>
                   </m:oMath>
                 </a14:m>
+                <a:endParaRPr lang="en-US" altLang="zh-CN" dirty="0" smtClean="0"/>
+              </a:p>
+              <a:p>
+                <a14:m>
+                  <m:oMath xmlns:m="http://schemas.openxmlformats.org/officeDocument/2006/math">
+                    <m:r>
+                      <a:rPr lang="zh-CN" altLang="en-US" i="1" smtClean="0">
+                        <a:latin typeface="Cambria Math" panose="02040503050406030204" pitchFamily="18" charset="0"/>
+                      </a:rPr>
+                      <m:t>∆</m:t>
+                    </m:r>
+                    <m:sSub>
+                      <m:sSubPr>
+                        <m:ctrlPr>
+                          <a:rPr lang="en-US" altLang="zh-CN" i="1" smtClean="0">
+                            <a:latin typeface="Cambria Math" panose="02040503050406030204" pitchFamily="18" charset="0"/>
+                          </a:rPr>
+                        </m:ctrlPr>
+                      </m:sSubPr>
+                      <m:e>
+                        <m:r>
+                          <a:rPr lang="en-US" altLang="zh-CN" b="0" i="1" smtClean="0">
+                            <a:latin typeface="Cambria Math" panose="02040503050406030204" pitchFamily="18" charset="0"/>
+                          </a:rPr>
+                          <m:t>𝑇</m:t>
+                        </m:r>
+                      </m:e>
+                      <m:sub>
+                        <m:r>
+                          <a:rPr lang="en-US" altLang="zh-CN" b="0" i="1" smtClean="0">
+                            <a:latin typeface="Cambria Math" panose="02040503050406030204" pitchFamily="18" charset="0"/>
+                          </a:rPr>
+                          <m:t>𝑊</m:t>
+                        </m:r>
+                      </m:sub>
+                    </m:sSub>
+                    <m:r>
+                      <a:rPr lang="en-US" altLang="zh-CN" b="0" i="1" smtClean="0">
+                        <a:latin typeface="Cambria Math" panose="02040503050406030204" pitchFamily="18" charset="0"/>
+                      </a:rPr>
+                      <m:t>= </m:t>
+                    </m:r>
+                    <m:f>
+                      <m:fPr>
+                        <m:ctrlPr>
+                          <a:rPr lang="en-US" altLang="zh-CN" b="0" i="1" smtClean="0">
+                            <a:latin typeface="Cambria Math" panose="02040503050406030204" pitchFamily="18" charset="0"/>
+                          </a:rPr>
+                        </m:ctrlPr>
+                      </m:fPr>
+                      <m:num>
+                        <m:d>
+                          <m:dPr>
+                            <m:ctrlPr>
+                              <a:rPr lang="en-US" altLang="zh-CN" b="0" i="1" smtClean="0">
+                                <a:latin typeface="Cambria Math" panose="02040503050406030204" pitchFamily="18" charset="0"/>
+                              </a:rPr>
+                            </m:ctrlPr>
+                          </m:dPr>
+                          <m:e>
+                            <m:sSub>
+                              <m:sSubPr>
+                                <m:ctrlPr>
+                                  <a:rPr lang="en-US" altLang="zh-CN" b="0" i="1" smtClean="0">
+                                    <a:latin typeface="Cambria Math" panose="02040503050406030204" pitchFamily="18" charset="0"/>
+                                  </a:rPr>
+                                </m:ctrlPr>
+                              </m:sSubPr>
+                              <m:e>
+                                <m:r>
+                                  <a:rPr lang="en-US" altLang="zh-CN" b="0" i="1" smtClean="0">
+                                    <a:latin typeface="Cambria Math" panose="02040503050406030204" pitchFamily="18" charset="0"/>
+                                  </a:rPr>
+                                  <m:t>𝑅</m:t>
+                                </m:r>
+                              </m:e>
+                              <m:sub>
+                                <m:r>
+                                  <m:rPr>
+                                    <m:sty m:val="p"/>
+                                  </m:rPr>
+                                  <a:rPr lang="en-US" altLang="zh-CN" i="1">
+                                    <a:latin typeface="Cambria Math" panose="02040503050406030204" pitchFamily="18" charset="0"/>
+                                  </a:rPr>
+                                  <m:t>th</m:t>
+                                </m:r>
+                                <m:r>
+                                  <a:rPr lang="en-US" altLang="zh-CN" b="0" i="1" smtClean="0">
+                                    <a:latin typeface="Cambria Math" panose="02040503050406030204" pitchFamily="18" charset="0"/>
+                                  </a:rPr>
+                                  <m:t>1</m:t>
+                                </m:r>
+                              </m:sub>
+                            </m:sSub>
+                            <m:r>
+                              <a:rPr lang="en-US" altLang="zh-CN" b="0" i="1" smtClean="0">
+                                <a:latin typeface="Cambria Math" panose="02040503050406030204" pitchFamily="18" charset="0"/>
+                              </a:rPr>
+                              <m:t>+</m:t>
+                            </m:r>
+                            <m:sSub>
+                              <m:sSubPr>
+                                <m:ctrlPr>
+                                  <a:rPr lang="en-US" altLang="zh-CN" i="1">
+                                    <a:latin typeface="Cambria Math" panose="02040503050406030204" pitchFamily="18" charset="0"/>
+                                  </a:rPr>
+                                </m:ctrlPr>
+                              </m:sSubPr>
+                              <m:e>
+                                <m:r>
+                                  <a:rPr lang="en-US" altLang="zh-CN" i="1">
+                                    <a:latin typeface="Cambria Math" panose="02040503050406030204" pitchFamily="18" charset="0"/>
+                                  </a:rPr>
+                                  <m:t>𝑅</m:t>
+                                </m:r>
+                              </m:e>
+                              <m:sub>
+                                <m:r>
+                                  <m:rPr>
+                                    <m:sty m:val="p"/>
+                                  </m:rPr>
+                                  <a:rPr lang="en-US" altLang="zh-CN" i="1">
+                                    <a:latin typeface="Cambria Math" panose="02040503050406030204" pitchFamily="18" charset="0"/>
+                                  </a:rPr>
+                                  <m:t>th</m:t>
+                                </m:r>
+                                <m:r>
+                                  <a:rPr lang="en-US" altLang="zh-CN" b="0" i="1" smtClean="0">
+                                    <a:latin typeface="Cambria Math" panose="02040503050406030204" pitchFamily="18" charset="0"/>
+                                  </a:rPr>
+                                  <m:t>2</m:t>
+                                </m:r>
+                              </m:sub>
+                            </m:sSub>
+                          </m:e>
+                        </m:d>
+                        <m:r>
+                          <a:rPr lang="zh-CN" altLang="en-US" b="0" i="1" smtClean="0">
+                            <a:latin typeface="Cambria Math" panose="02040503050406030204" pitchFamily="18" charset="0"/>
+                          </a:rPr>
+                          <m:t>∗</m:t>
+                        </m:r>
+                        <m:r>
+                          <a:rPr lang="en-US" altLang="zh-CN" b="0" i="1" smtClean="0">
+                            <a:latin typeface="Cambria Math" panose="02040503050406030204" pitchFamily="18" charset="0"/>
+                          </a:rPr>
+                          <m:t>𝑅</m:t>
+                        </m:r>
+                        <m:r>
+                          <a:rPr lang="en-US" altLang="zh-CN" b="0" i="1" smtClean="0">
+                            <a:latin typeface="Cambria Math" panose="02040503050406030204" pitchFamily="18" charset="0"/>
+                          </a:rPr>
+                          <m:t>∗</m:t>
+                        </m:r>
+                        <m:sSup>
+                          <m:sSupPr>
+                            <m:ctrlPr>
+                              <a:rPr lang="en-US" altLang="zh-CN" b="0" i="1" smtClean="0">
+                                <a:latin typeface="Cambria Math" panose="02040503050406030204" pitchFamily="18" charset="0"/>
+                              </a:rPr>
+                            </m:ctrlPr>
+                          </m:sSupPr>
+                          <m:e>
+                            <m:r>
+                              <a:rPr lang="en-US" altLang="zh-CN" b="0" i="1" smtClean="0">
+                                <a:latin typeface="Cambria Math" panose="02040503050406030204" pitchFamily="18" charset="0"/>
+                              </a:rPr>
+                              <m:t>𝐼</m:t>
+                            </m:r>
+                          </m:e>
+                          <m:sup>
+                            <m:r>
+                              <a:rPr lang="en-US" altLang="zh-CN" b="0" i="1" smtClean="0">
+                                <a:latin typeface="Cambria Math" panose="02040503050406030204" pitchFamily="18" charset="0"/>
+                              </a:rPr>
+                              <m:t>2</m:t>
+                            </m:r>
+                          </m:sup>
+                        </m:sSup>
+                      </m:num>
+                      <m:den>
+                        <m:r>
+                          <a:rPr lang="en-US" altLang="zh-CN" b="0" i="1" smtClean="0">
+                            <a:latin typeface="Cambria Math" panose="02040503050406030204" pitchFamily="18" charset="0"/>
+                          </a:rPr>
+                          <m:t>1−</m:t>
+                        </m:r>
+                        <m:sSub>
+                          <m:sSubPr>
+                            <m:ctrlPr>
+                              <a:rPr lang="en-US" altLang="zh-CN" b="0" i="1" smtClean="0">
+                                <a:latin typeface="Cambria Math" panose="02040503050406030204" pitchFamily="18" charset="0"/>
+                              </a:rPr>
+                            </m:ctrlPr>
+                          </m:sSubPr>
+                          <m:e>
+                            <m:r>
+                              <a:rPr lang="zh-CN" altLang="en-US" b="0" i="1" smtClean="0">
+                                <a:latin typeface="Cambria Math" panose="02040503050406030204" pitchFamily="18" charset="0"/>
+                              </a:rPr>
+                              <m:t>𝛼</m:t>
+                            </m:r>
+                          </m:e>
+                          <m:sub>
+                            <m:r>
+                              <a:rPr lang="en-US" altLang="zh-CN" b="0" i="1" smtClean="0">
+                                <a:latin typeface="Cambria Math" panose="02040503050406030204" pitchFamily="18" charset="0"/>
+                              </a:rPr>
+                              <m:t>𝐶𝑢</m:t>
+                            </m:r>
+                          </m:sub>
+                        </m:sSub>
+                        <m:r>
+                          <a:rPr lang="en-US" altLang="zh-CN" b="0" i="1" smtClean="0">
+                            <a:latin typeface="Cambria Math" panose="02040503050406030204" pitchFamily="18" charset="0"/>
+                          </a:rPr>
+                          <m:t>∗</m:t>
+                        </m:r>
+                        <m:d>
+                          <m:dPr>
+                            <m:ctrlPr>
+                              <a:rPr lang="en-US" altLang="zh-CN" i="1">
+                                <a:latin typeface="Cambria Math" panose="02040503050406030204" pitchFamily="18" charset="0"/>
+                              </a:rPr>
+                            </m:ctrlPr>
+                          </m:dPr>
+                          <m:e>
+                            <m:sSub>
+                              <m:sSubPr>
+                                <m:ctrlPr>
+                                  <a:rPr lang="en-US" altLang="zh-CN" i="1">
+                                    <a:latin typeface="Cambria Math" panose="02040503050406030204" pitchFamily="18" charset="0"/>
+                                  </a:rPr>
+                                </m:ctrlPr>
+                              </m:sSubPr>
+                              <m:e>
+                                <m:r>
+                                  <a:rPr lang="en-US" altLang="zh-CN" i="1">
+                                    <a:latin typeface="Cambria Math" panose="02040503050406030204" pitchFamily="18" charset="0"/>
+                                  </a:rPr>
+                                  <m:t>𝑅</m:t>
+                                </m:r>
+                              </m:e>
+                              <m:sub>
+                                <m:r>
+                                  <m:rPr>
+                                    <m:sty m:val="p"/>
+                                  </m:rPr>
+                                  <a:rPr lang="en-US" altLang="zh-CN" i="1">
+                                    <a:latin typeface="Cambria Math" panose="02040503050406030204" pitchFamily="18" charset="0"/>
+                                  </a:rPr>
+                                  <m:t>th</m:t>
+                                </m:r>
+                                <m:r>
+                                  <a:rPr lang="en-US" altLang="zh-CN" i="1">
+                                    <a:latin typeface="Cambria Math" panose="02040503050406030204" pitchFamily="18" charset="0"/>
+                                  </a:rPr>
+                                  <m:t>1</m:t>
+                                </m:r>
+                              </m:sub>
+                            </m:sSub>
+                            <m:r>
+                              <a:rPr lang="en-US" altLang="zh-CN" i="1">
+                                <a:latin typeface="Cambria Math" panose="02040503050406030204" pitchFamily="18" charset="0"/>
+                              </a:rPr>
+                              <m:t>+</m:t>
+                            </m:r>
+                            <m:sSub>
+                              <m:sSubPr>
+                                <m:ctrlPr>
+                                  <a:rPr lang="en-US" altLang="zh-CN" i="1">
+                                    <a:latin typeface="Cambria Math" panose="02040503050406030204" pitchFamily="18" charset="0"/>
+                                  </a:rPr>
+                                </m:ctrlPr>
+                              </m:sSubPr>
+                              <m:e>
+                                <m:r>
+                                  <a:rPr lang="en-US" altLang="zh-CN" i="1">
+                                    <a:latin typeface="Cambria Math" panose="02040503050406030204" pitchFamily="18" charset="0"/>
+                                  </a:rPr>
+                                  <m:t>𝑅</m:t>
+                                </m:r>
+                              </m:e>
+                              <m:sub>
+                                <m:r>
+                                  <m:rPr>
+                                    <m:sty m:val="p"/>
+                                  </m:rPr>
+                                  <a:rPr lang="en-US" altLang="zh-CN" i="1">
+                                    <a:latin typeface="Cambria Math" panose="02040503050406030204" pitchFamily="18" charset="0"/>
+                                  </a:rPr>
+                                  <m:t>th</m:t>
+                                </m:r>
+                                <m:r>
+                                  <a:rPr lang="en-US" altLang="zh-CN" i="1">
+                                    <a:latin typeface="Cambria Math" panose="02040503050406030204" pitchFamily="18" charset="0"/>
+                                  </a:rPr>
+                                  <m:t>2</m:t>
+                                </m:r>
+                              </m:sub>
+                            </m:sSub>
+                          </m:e>
+                        </m:d>
+                        <m:r>
+                          <a:rPr lang="zh-CN" altLang="en-US" i="1">
+                            <a:latin typeface="Cambria Math" panose="02040503050406030204" pitchFamily="18" charset="0"/>
+                          </a:rPr>
+                          <m:t>∗</m:t>
+                        </m:r>
+                        <m:r>
+                          <a:rPr lang="en-US" altLang="zh-CN" i="1">
+                            <a:latin typeface="Cambria Math" panose="02040503050406030204" pitchFamily="18" charset="0"/>
+                          </a:rPr>
+                          <m:t>𝑅</m:t>
+                        </m:r>
+                        <m:r>
+                          <a:rPr lang="en-US" altLang="zh-CN" i="1">
+                            <a:latin typeface="Cambria Math" panose="02040503050406030204" pitchFamily="18" charset="0"/>
+                          </a:rPr>
+                          <m:t>∗</m:t>
+                        </m:r>
+                        <m:sSup>
+                          <m:sSupPr>
+                            <m:ctrlPr>
+                              <a:rPr lang="en-US" altLang="zh-CN" i="1">
+                                <a:latin typeface="Cambria Math" panose="02040503050406030204" pitchFamily="18" charset="0"/>
+                              </a:rPr>
+                            </m:ctrlPr>
+                          </m:sSupPr>
+                          <m:e>
+                            <m:r>
+                              <a:rPr lang="en-US" altLang="zh-CN" i="1">
+                                <a:latin typeface="Cambria Math" panose="02040503050406030204" pitchFamily="18" charset="0"/>
+                              </a:rPr>
+                              <m:t>𝐼</m:t>
+                            </m:r>
+                          </m:e>
+                          <m:sup>
+                            <m:r>
+                              <a:rPr lang="en-US" altLang="zh-CN" i="1">
+                                <a:latin typeface="Cambria Math" panose="02040503050406030204" pitchFamily="18" charset="0"/>
+                              </a:rPr>
+                              <m:t>2</m:t>
+                            </m:r>
+                          </m:sup>
+                        </m:sSup>
+                      </m:den>
+                    </m:f>
+                  </m:oMath>
+                </a14:m>
+                <a:r>
+                  <a:rPr lang="en-US" altLang="zh-CN" dirty="0" smtClean="0"/>
+                  <a:t>  (I</a:t>
+                </a:r>
+                <a:r>
+                  <a:rPr lang="zh-CN" altLang="en-US" dirty="0" smtClean="0"/>
+                  <a:t>为一段时间有效值</a:t>
+                </a:r>
+                <a:r>
+                  <a:rPr lang="en-US" altLang="zh-CN" dirty="0" smtClean="0"/>
+                  <a:t>)</a:t>
+                </a:r>
                 <a:endParaRPr lang="zh-CN" altLang="zh-CN" dirty="0"/>
               </a:p>
               <a:p>
@@ -7959,78 +9747,106 @@
                     <m:sSub>
                       <m:sSubPr>
                         <m:ctrlPr>
-                          <a:rPr lang="zh-CN" altLang="zh-CN" i="1"/>
+                          <a:rPr lang="zh-CN" altLang="zh-CN" i="1">
+                            <a:latin typeface="Cambria Math" panose="02040503050406030204" pitchFamily="18" charset="0"/>
+                          </a:rPr>
                         </m:ctrlPr>
                       </m:sSubPr>
                       <m:e>
                         <m:r>
-                          <a:rPr lang="en-US" altLang="zh-CN" i="1"/>
+                          <a:rPr lang="en-US" altLang="zh-CN" i="1">
+                            <a:latin typeface="Cambria Math" panose="02040503050406030204" pitchFamily="18" charset="0"/>
+                          </a:rPr>
                           <m:t>𝑅</m:t>
                         </m:r>
                       </m:e>
                       <m:sub>
                         <m:r>
-                          <a:rPr lang="en-US" altLang="zh-CN" i="1"/>
+                          <a:rPr lang="en-US" altLang="zh-CN" i="1">
+                            <a:latin typeface="Cambria Math" panose="02040503050406030204" pitchFamily="18" charset="0"/>
+                          </a:rPr>
                           <m:t>𝑇</m:t>
                         </m:r>
                       </m:sub>
                     </m:sSub>
                     <m:r>
-                      <a:rPr lang="en-US" altLang="zh-CN" i="1"/>
+                      <a:rPr lang="en-US" altLang="zh-CN" i="1">
+                        <a:latin typeface="Cambria Math" panose="02040503050406030204" pitchFamily="18" charset="0"/>
+                      </a:rPr>
                       <m:t>= </m:t>
                     </m:r>
                     <m:sSub>
                       <m:sSubPr>
                         <m:ctrlPr>
-                          <a:rPr lang="zh-CN" altLang="zh-CN" i="1"/>
+                          <a:rPr lang="zh-CN" altLang="zh-CN" i="1">
+                            <a:latin typeface="Cambria Math" panose="02040503050406030204" pitchFamily="18" charset="0"/>
+                          </a:rPr>
                         </m:ctrlPr>
                       </m:sSubPr>
                       <m:e>
                         <m:r>
-                          <a:rPr lang="en-US" altLang="zh-CN" i="1"/>
+                          <a:rPr lang="en-US" altLang="zh-CN" i="1">
+                            <a:latin typeface="Cambria Math" panose="02040503050406030204" pitchFamily="18" charset="0"/>
+                          </a:rPr>
                           <m:t>𝑅</m:t>
                         </m:r>
                       </m:e>
                       <m:sub>
                         <m:r>
-                          <a:rPr lang="en-US" altLang="zh-CN" i="1"/>
+                          <a:rPr lang="en-US" altLang="zh-CN" i="1">
+                            <a:latin typeface="Cambria Math" panose="02040503050406030204" pitchFamily="18" charset="0"/>
+                          </a:rPr>
                           <m:t>25</m:t>
                         </m:r>
                       </m:sub>
                     </m:sSub>
                     <m:r>
-                      <a:rPr lang="en-US" altLang="zh-CN" i="1"/>
+                      <a:rPr lang="en-US" altLang="zh-CN" i="1">
+                        <a:latin typeface="Cambria Math" panose="02040503050406030204" pitchFamily="18" charset="0"/>
+                      </a:rPr>
                       <m:t>∗(1+</m:t>
                     </m:r>
                     <m:sSub>
                       <m:sSubPr>
                         <m:ctrlPr>
-                          <a:rPr lang="zh-CN" altLang="zh-CN" i="1"/>
+                          <a:rPr lang="zh-CN" altLang="zh-CN" i="1">
+                            <a:latin typeface="Cambria Math" panose="02040503050406030204" pitchFamily="18" charset="0"/>
+                          </a:rPr>
                         </m:ctrlPr>
                       </m:sSubPr>
                       <m:e>
                         <m:r>
-                          <a:rPr lang="en-US" altLang="zh-CN" i="1"/>
+                          <a:rPr lang="en-US" altLang="zh-CN" i="1">
+                            <a:latin typeface="Cambria Math" panose="02040503050406030204" pitchFamily="18" charset="0"/>
+                          </a:rPr>
                           <m:t>𝛼</m:t>
                         </m:r>
                       </m:e>
                       <m:sub>
                         <m:r>
-                          <a:rPr lang="en-US" altLang="zh-CN" i="1"/>
+                          <a:rPr lang="en-US" altLang="zh-CN" i="1">
+                            <a:latin typeface="Cambria Math" panose="02040503050406030204" pitchFamily="18" charset="0"/>
+                          </a:rPr>
                           <m:t>𝐶𝑢</m:t>
                         </m:r>
                       </m:sub>
                     </m:sSub>
                     <m:r>
-                      <a:rPr lang="en-US" altLang="zh-CN" i="1"/>
+                      <a:rPr lang="en-US" altLang="zh-CN" i="1">
+                        <a:latin typeface="Cambria Math" panose="02040503050406030204" pitchFamily="18" charset="0"/>
+                      </a:rPr>
                       <m:t>∗(</m:t>
                     </m:r>
                     <m:r>
-                      <a:rPr lang="en-US" altLang="zh-CN" i="1"/>
+                      <a:rPr lang="en-US" altLang="zh-CN" i="1">
+                        <a:latin typeface="Cambria Math" panose="02040503050406030204" pitchFamily="18" charset="0"/>
+                      </a:rPr>
                       <m:t>𝑇</m:t>
                     </m:r>
                     <m:r>
-                      <a:rPr lang="en-US" altLang="zh-CN" i="1"/>
+                      <a:rPr lang="en-US" altLang="zh-CN" i="1">
+                        <a:latin typeface="Cambria Math" panose="02040503050406030204" pitchFamily="18" charset="0"/>
+                      </a:rPr>
                       <m:t>−25))</m:t>
                     </m:r>
                   </m:oMath>
@@ -8063,104 +9879,140 @@
                     <m:sSub>
                       <m:sSubPr>
                         <m:ctrlPr>
-                          <a:rPr lang="zh-CN" altLang="zh-CN" i="1"/>
+                          <a:rPr lang="zh-CN" altLang="zh-CN" i="1">
+                            <a:latin typeface="Cambria Math" panose="02040503050406030204" pitchFamily="18" charset="0"/>
+                          </a:rPr>
                         </m:ctrlPr>
                       </m:sSubPr>
                       <m:e>
                         <m:r>
-                          <a:rPr lang="en-US" altLang="zh-CN" i="1"/>
+                          <a:rPr lang="en-US" altLang="zh-CN" i="1">
+                            <a:latin typeface="Cambria Math" panose="02040503050406030204" pitchFamily="18" charset="0"/>
+                          </a:rPr>
                           <m:t>𝑀</m:t>
                         </m:r>
                       </m:e>
                       <m:sub>
                         <m:r>
-                          <a:rPr lang="en-US" altLang="zh-CN" i="1"/>
+                          <a:rPr lang="en-US" altLang="zh-CN" i="1">
+                            <a:latin typeface="Cambria Math" panose="02040503050406030204" pitchFamily="18" charset="0"/>
+                          </a:rPr>
                           <m:t>𝐻𝑇</m:t>
                         </m:r>
                       </m:sub>
                     </m:sSub>
                     <m:r>
-                      <a:rPr lang="en-US" altLang="zh-CN" i="1"/>
+                      <a:rPr lang="en-US" altLang="zh-CN" i="1">
+                        <a:latin typeface="Cambria Math" panose="02040503050406030204" pitchFamily="18" charset="0"/>
+                      </a:rPr>
                       <m:t>= </m:t>
                     </m:r>
                     <m:sSub>
                       <m:sSubPr>
                         <m:ctrlPr>
-                          <a:rPr lang="zh-CN" altLang="zh-CN" i="1"/>
+                          <a:rPr lang="zh-CN" altLang="zh-CN" i="1">
+                            <a:latin typeface="Cambria Math" panose="02040503050406030204" pitchFamily="18" charset="0"/>
+                          </a:rPr>
                         </m:ctrlPr>
                       </m:sSubPr>
                       <m:e>
                         <m:r>
-                          <a:rPr lang="en-US" altLang="zh-CN" i="1"/>
+                          <a:rPr lang="en-US" altLang="zh-CN" i="1">
+                            <a:latin typeface="Cambria Math" panose="02040503050406030204" pitchFamily="18" charset="0"/>
+                          </a:rPr>
                           <m:t>𝑘</m:t>
                         </m:r>
                       </m:e>
                       <m:sub>
                         <m:r>
-                          <a:rPr lang="en-US" altLang="zh-CN" i="1"/>
+                          <a:rPr lang="en-US" altLang="zh-CN" i="1">
+                            <a:latin typeface="Cambria Math" panose="02040503050406030204" pitchFamily="18" charset="0"/>
+                          </a:rPr>
                           <m:t>𝑀</m:t>
                         </m:r>
                       </m:sub>
                     </m:sSub>
                     <m:r>
-                      <a:rPr lang="en-US" altLang="zh-CN" i="1"/>
+                      <a:rPr lang="en-US" altLang="zh-CN" i="1">
+                        <a:latin typeface="Cambria Math" panose="02040503050406030204" pitchFamily="18" charset="0"/>
+                      </a:rPr>
                       <m:t>∗</m:t>
                     </m:r>
                     <m:sSub>
                       <m:sSubPr>
                         <m:ctrlPr>
-                          <a:rPr lang="zh-CN" altLang="zh-CN" i="1"/>
+                          <a:rPr lang="zh-CN" altLang="zh-CN" i="1">
+                            <a:latin typeface="Cambria Math" panose="02040503050406030204" pitchFamily="18" charset="0"/>
+                          </a:rPr>
                         </m:ctrlPr>
                       </m:sSubPr>
                       <m:e>
                         <m:r>
-                          <a:rPr lang="en-US" altLang="zh-CN" i="1"/>
+                          <a:rPr lang="en-US" altLang="zh-CN" i="1">
+                            <a:latin typeface="Cambria Math" panose="02040503050406030204" pitchFamily="18" charset="0"/>
+                          </a:rPr>
                           <m:t>𝐼</m:t>
                         </m:r>
                       </m:e>
                       <m:sub>
                         <m:r>
-                          <a:rPr lang="en-US" altLang="zh-CN" i="1"/>
+                          <a:rPr lang="en-US" altLang="zh-CN" i="1">
+                            <a:latin typeface="Cambria Math" panose="02040503050406030204" pitchFamily="18" charset="0"/>
+                          </a:rPr>
                           <m:t>𝐴𝑇</m:t>
                         </m:r>
                       </m:sub>
                     </m:sSub>
                     <m:r>
-                      <a:rPr lang="en-US" altLang="zh-CN" i="1"/>
+                      <a:rPr lang="en-US" altLang="zh-CN" i="1">
+                        <a:latin typeface="Cambria Math" panose="02040503050406030204" pitchFamily="18" charset="0"/>
+                      </a:rPr>
                       <m:t>= </m:t>
                     </m:r>
                     <m:sSub>
                       <m:sSubPr>
                         <m:ctrlPr>
-                          <a:rPr lang="zh-CN" altLang="zh-CN" i="1"/>
+                          <a:rPr lang="zh-CN" altLang="zh-CN" i="1">
+                            <a:latin typeface="Cambria Math" panose="02040503050406030204" pitchFamily="18" charset="0"/>
+                          </a:rPr>
                         </m:ctrlPr>
                       </m:sSubPr>
                       <m:e>
                         <m:r>
-                          <a:rPr lang="en-US" altLang="zh-CN" i="1"/>
+                          <a:rPr lang="en-US" altLang="zh-CN" i="1">
+                            <a:latin typeface="Cambria Math" panose="02040503050406030204" pitchFamily="18" charset="0"/>
+                          </a:rPr>
                           <m:t>𝑘</m:t>
                         </m:r>
                       </m:e>
                       <m:sub>
                         <m:r>
-                          <a:rPr lang="en-US" altLang="zh-CN" i="1"/>
+                          <a:rPr lang="en-US" altLang="zh-CN" i="1">
+                            <a:latin typeface="Cambria Math" panose="02040503050406030204" pitchFamily="18" charset="0"/>
+                          </a:rPr>
                           <m:t>𝑀</m:t>
                         </m:r>
                       </m:sub>
                     </m:sSub>
                     <m:r>
-                      <a:rPr lang="en-US" altLang="zh-CN" i="1"/>
+                      <a:rPr lang="en-US" altLang="zh-CN" i="1">
+                        <a:latin typeface="Cambria Math" panose="02040503050406030204" pitchFamily="18" charset="0"/>
+                      </a:rPr>
                       <m:t>∗</m:t>
                     </m:r>
                     <m:f>
                       <m:fPr>
                         <m:ctrlPr>
-                          <a:rPr lang="zh-CN" altLang="zh-CN" i="1"/>
+                          <a:rPr lang="zh-CN" altLang="zh-CN" i="1">
+                            <a:latin typeface="Cambria Math" panose="02040503050406030204" pitchFamily="18" charset="0"/>
+                          </a:rPr>
                         </m:ctrlPr>
                       </m:fPr>
                       <m:num>
                         <m:r>
-                          <a:rPr lang="en-US" altLang="zh-CN" i="1"/>
+                          <a:rPr lang="en-US" altLang="zh-CN" i="1">
+                            <a:latin typeface="Cambria Math" panose="02040503050406030204" pitchFamily="18" charset="0"/>
+                          </a:rPr>
                           <m:t>𝑈</m:t>
                         </m:r>
                       </m:num>
@@ -8168,18 +10020,24 @@
                         <m:sSub>
                           <m:sSubPr>
                             <m:ctrlPr>
-                              <a:rPr lang="zh-CN" altLang="zh-CN" i="1"/>
+                              <a:rPr lang="zh-CN" altLang="zh-CN" i="1">
+                                <a:latin typeface="Cambria Math" panose="02040503050406030204" pitchFamily="18" charset="0"/>
+                              </a:rPr>
                             </m:ctrlPr>
                           </m:sSubPr>
                           <m:e>
                             <m:r>
-                              <a:rPr lang="en-US" altLang="zh-CN" i="1"/>
+                              <a:rPr lang="en-US" altLang="zh-CN" i="1">
+                                <a:latin typeface="Cambria Math" panose="02040503050406030204" pitchFamily="18" charset="0"/>
+                              </a:rPr>
                               <m:t>𝑅</m:t>
                             </m:r>
                           </m:e>
                           <m:sub>
                             <m:r>
-                              <a:rPr lang="en-US" altLang="zh-CN" i="1"/>
+                              <a:rPr lang="en-US" altLang="zh-CN" i="1">
+                                <a:latin typeface="Cambria Math" panose="02040503050406030204" pitchFamily="18" charset="0"/>
+                              </a:rPr>
                               <m:t>𝑡</m:t>
                             </m:r>
                           </m:sub>
@@ -8335,7 +10193,7 @@
           <a:p>
             <a:fld id="{EE00FA2F-700A-4C2D-87BB-7F963A8CB484}" type="slidenum">
               <a:rPr lang="zh-CN" altLang="en-US" smtClean="0"/>
-              <a:t>17</a:t>
+              <a:t>20</a:t>
             </a:fld>
             <a:endParaRPr lang="zh-CN" altLang="en-US"/>
           </a:p>
@@ -8361,7 +10219,7 @@
 </p:sld>
 </file>
 
-<file path=ppt/slides/slide18.xml><?xml version="1.0" encoding="utf-8"?>
+<file path=ppt/slides/slide21.xml><?xml version="1.0" encoding="utf-8"?>
 <p:sld xmlns:a="http://schemas.openxmlformats.org/drawingml/2006/main" xmlns:r="http://schemas.openxmlformats.org/officeDocument/2006/relationships" xmlns:p="http://schemas.openxmlformats.org/presentationml/2006/main">
   <p:cSld>
     <p:spTree>
@@ -8405,8 +10263,8 @@
           </a:p>
         </p:txBody>
       </p:sp>
-      <mc:AlternateContent xmlns:mc="http://schemas.openxmlformats.org/markup-compatibility/2006">
-        <mc:Choice xmlns:a14="http://schemas.microsoft.com/office/drawing/2010/main" Requires="a14">
+      <mc:AlternateContent xmlns:mc="http://schemas.openxmlformats.org/markup-compatibility/2006" xmlns:a14="http://schemas.microsoft.com/office/drawing/2010/main">
+        <mc:Choice Requires="a14">
           <p:sp>
             <p:nvSpPr>
               <p:cNvPr id="3" name="内容占位符 2"/>
@@ -8427,95 +10285,129 @@
                     <m:sSub>
                       <m:sSubPr>
                         <m:ctrlPr>
-                          <a:rPr lang="zh-CN" altLang="zh-CN" i="1"/>
+                          <a:rPr lang="zh-CN" altLang="zh-CN" i="1">
+                            <a:latin typeface="Cambria Math" panose="02040503050406030204" pitchFamily="18" charset="0"/>
+                          </a:rPr>
                         </m:ctrlPr>
                       </m:sSubPr>
                       <m:e>
                         <m:r>
-                          <a:rPr lang="en-US" altLang="zh-CN" i="1"/>
+                          <a:rPr lang="en-US" altLang="zh-CN" i="1">
+                            <a:latin typeface="Cambria Math" panose="02040503050406030204" pitchFamily="18" charset="0"/>
+                          </a:rPr>
                           <m:t>𝑛</m:t>
                         </m:r>
                       </m:e>
                       <m:sub>
                         <m:r>
-                          <a:rPr lang="en-US" altLang="zh-CN" i="1"/>
+                          <a:rPr lang="en-US" altLang="zh-CN" i="1">
+                            <a:latin typeface="Cambria Math" panose="02040503050406030204" pitchFamily="18" charset="0"/>
+                          </a:rPr>
                           <m:t>0</m:t>
                         </m:r>
                       </m:sub>
                     </m:sSub>
                     <m:r>
-                      <a:rPr lang="en-US" altLang="zh-CN" i="1"/>
+                      <a:rPr lang="en-US" altLang="zh-CN" i="1">
+                        <a:latin typeface="Cambria Math" panose="02040503050406030204" pitchFamily="18" charset="0"/>
+                      </a:rPr>
                       <m:t>= </m:t>
                     </m:r>
                     <m:sSub>
                       <m:sSubPr>
                         <m:ctrlPr>
-                          <a:rPr lang="zh-CN" altLang="zh-CN" i="1"/>
+                          <a:rPr lang="zh-CN" altLang="zh-CN" i="1">
+                            <a:latin typeface="Cambria Math" panose="02040503050406030204" pitchFamily="18" charset="0"/>
+                          </a:rPr>
                         </m:ctrlPr>
                       </m:sSubPr>
                       <m:e>
                         <m:r>
-                          <a:rPr lang="en-US" altLang="zh-CN" i="1"/>
+                          <a:rPr lang="en-US" altLang="zh-CN" i="1">
+                            <a:latin typeface="Cambria Math" panose="02040503050406030204" pitchFamily="18" charset="0"/>
+                          </a:rPr>
                           <m:t>𝑛</m:t>
                         </m:r>
                       </m:e>
                       <m:sub>
                         <m:r>
-                          <a:rPr lang="en-US" altLang="zh-CN" i="1"/>
+                          <a:rPr lang="en-US" altLang="zh-CN" i="1">
+                            <a:latin typeface="Cambria Math" panose="02040503050406030204" pitchFamily="18" charset="0"/>
+                          </a:rPr>
                           <m:t>𝐿</m:t>
                         </m:r>
                       </m:sub>
                     </m:sSub>
                     <m:r>
-                      <a:rPr lang="en-US" altLang="zh-CN" i="1"/>
+                      <a:rPr lang="en-US" altLang="zh-CN" i="1">
+                        <a:latin typeface="Cambria Math" panose="02040503050406030204" pitchFamily="18" charset="0"/>
+                      </a:rPr>
                       <m:t>+</m:t>
                     </m:r>
                     <m:f>
                       <m:fPr>
                         <m:ctrlPr>
-                          <a:rPr lang="zh-CN" altLang="zh-CN" i="1"/>
+                          <a:rPr lang="zh-CN" altLang="zh-CN" i="1">
+                            <a:latin typeface="Cambria Math" panose="02040503050406030204" pitchFamily="18" charset="0"/>
+                          </a:rPr>
                         </m:ctrlPr>
                       </m:fPr>
                       <m:num>
                         <m:r>
-                          <a:rPr lang="en-US" altLang="zh-CN" i="1"/>
+                          <a:rPr lang="en-US" altLang="zh-CN" i="1">
+                            <a:latin typeface="Cambria Math" panose="02040503050406030204" pitchFamily="18" charset="0"/>
+                          </a:rPr>
                           <m:t>∆</m:t>
                         </m:r>
                         <m:r>
-                          <a:rPr lang="en-US" altLang="zh-CN" i="1"/>
+                          <a:rPr lang="en-US" altLang="zh-CN" i="1">
+                            <a:latin typeface="Cambria Math" panose="02040503050406030204" pitchFamily="18" charset="0"/>
+                          </a:rPr>
                           <m:t>𝑛</m:t>
                         </m:r>
                       </m:num>
                       <m:den>
                         <m:r>
-                          <a:rPr lang="en-US" altLang="zh-CN" i="1"/>
+                          <a:rPr lang="en-US" altLang="zh-CN" i="1">
+                            <a:latin typeface="Cambria Math" panose="02040503050406030204" pitchFamily="18" charset="0"/>
+                          </a:rPr>
                           <m:t>∆</m:t>
                         </m:r>
                         <m:r>
-                          <a:rPr lang="en-US" altLang="zh-CN" i="1"/>
+                          <a:rPr lang="en-US" altLang="zh-CN" i="1">
+                            <a:latin typeface="Cambria Math" panose="02040503050406030204" pitchFamily="18" charset="0"/>
+                          </a:rPr>
                           <m:t>𝑀</m:t>
                         </m:r>
                       </m:den>
                     </m:f>
                     <m:r>
-                      <a:rPr lang="en-US" altLang="zh-CN" i="1"/>
+                      <a:rPr lang="en-US" altLang="zh-CN" i="1">
+                        <a:latin typeface="Cambria Math" panose="02040503050406030204" pitchFamily="18" charset="0"/>
+                      </a:rPr>
                       <m:t>∗</m:t>
                     </m:r>
                     <m:sSub>
                       <m:sSubPr>
                         <m:ctrlPr>
-                          <a:rPr lang="zh-CN" altLang="zh-CN" i="1"/>
+                          <a:rPr lang="zh-CN" altLang="zh-CN" i="1">
+                            <a:latin typeface="Cambria Math" panose="02040503050406030204" pitchFamily="18" charset="0"/>
+                          </a:rPr>
                         </m:ctrlPr>
                       </m:sSubPr>
                       <m:e>
                         <m:r>
-                          <a:rPr lang="en-US" altLang="zh-CN" i="1"/>
+                          <a:rPr lang="en-US" altLang="zh-CN" i="1">
+                            <a:latin typeface="Cambria Math" panose="02040503050406030204" pitchFamily="18" charset="0"/>
+                          </a:rPr>
                           <m:t>𝑀</m:t>
                         </m:r>
                       </m:e>
                       <m:sub>
                         <m:r>
-                          <a:rPr lang="en-US" altLang="zh-CN" i="1"/>
+                          <a:rPr lang="en-US" altLang="zh-CN" i="1">
+                            <a:latin typeface="Cambria Math" panose="02040503050406030204" pitchFamily="18" charset="0"/>
+                          </a:rPr>
                           <m:t>𝐿</m:t>
                         </m:r>
                       </m:sub>
@@ -8530,48 +10422,64 @@
                     <m:sSub>
                       <m:sSubPr>
                         <m:ctrlPr>
-                          <a:rPr lang="zh-CN" altLang="zh-CN" i="1"/>
+                          <a:rPr lang="zh-CN" altLang="zh-CN" i="1">
+                            <a:latin typeface="Cambria Math" panose="02040503050406030204" pitchFamily="18" charset="0"/>
+                          </a:rPr>
                         </m:ctrlPr>
                       </m:sSubPr>
                       <m:e>
                         <m:r>
-                          <a:rPr lang="en-US" altLang="zh-CN" i="1"/>
+                          <a:rPr lang="en-US" altLang="zh-CN" i="1">
+                            <a:latin typeface="Cambria Math" panose="02040503050406030204" pitchFamily="18" charset="0"/>
+                          </a:rPr>
                           <m:t>𝐾</m:t>
                         </m:r>
                       </m:e>
                       <m:sub>
                         <m:r>
-                          <a:rPr lang="en-US" altLang="zh-CN" i="1"/>
+                          <a:rPr lang="en-US" altLang="zh-CN" i="1">
+                            <a:latin typeface="Cambria Math" panose="02040503050406030204" pitchFamily="18" charset="0"/>
+                          </a:rPr>
                           <m:t>𝑛</m:t>
                         </m:r>
                       </m:sub>
                     </m:sSub>
                     <m:r>
-                      <a:rPr lang="en-US" altLang="zh-CN" i="1"/>
+                      <a:rPr lang="en-US" altLang="zh-CN" i="1">
+                        <a:latin typeface="Cambria Math" panose="02040503050406030204" pitchFamily="18" charset="0"/>
+                      </a:rPr>
                       <m:t>= </m:t>
                     </m:r>
                     <m:f>
                       <m:fPr>
                         <m:ctrlPr>
-                          <a:rPr lang="zh-CN" altLang="zh-CN" i="1"/>
+                          <a:rPr lang="zh-CN" altLang="zh-CN" i="1">
+                            <a:latin typeface="Cambria Math" panose="02040503050406030204" pitchFamily="18" charset="0"/>
+                          </a:rPr>
                         </m:ctrlPr>
                       </m:fPr>
                       <m:num>
                         <m:sSub>
                           <m:sSubPr>
                             <m:ctrlPr>
-                              <a:rPr lang="zh-CN" altLang="zh-CN" i="1"/>
+                              <a:rPr lang="zh-CN" altLang="zh-CN" i="1">
+                                <a:latin typeface="Cambria Math" panose="02040503050406030204" pitchFamily="18" charset="0"/>
+                              </a:rPr>
                             </m:ctrlPr>
                           </m:sSubPr>
                           <m:e>
                             <m:r>
-                              <a:rPr lang="en-US" altLang="zh-CN" i="1"/>
+                              <a:rPr lang="en-US" altLang="zh-CN" i="1">
+                                <a:latin typeface="Cambria Math" panose="02040503050406030204" pitchFamily="18" charset="0"/>
+                              </a:rPr>
                               <m:t>𝑛</m:t>
                             </m:r>
                           </m:e>
                           <m:sub>
                             <m:r>
-                              <a:rPr lang="en-US" altLang="zh-CN" i="1"/>
+                              <a:rPr lang="en-US" altLang="zh-CN" i="1">
+                                <a:latin typeface="Cambria Math" panose="02040503050406030204" pitchFamily="18" charset="0"/>
+                              </a:rPr>
                               <m:t>0</m:t>
                             </m:r>
                           </m:sub>
@@ -8579,7 +10487,9 @@
                       </m:num>
                       <m:den>
                         <m:r>
-                          <a:rPr lang="en-US" altLang="zh-CN" i="1"/>
+                          <a:rPr lang="en-US" altLang="zh-CN" i="1">
+                            <a:latin typeface="Cambria Math" panose="02040503050406030204" pitchFamily="18" charset="0"/>
+                          </a:rPr>
                           <m:t>𝑈</m:t>
                         </m:r>
                       </m:den>
@@ -8616,7 +10526,7 @@
             </p:txBody>
           </p:sp>
         </mc:Choice>
-        <mc:Fallback>
+        <mc:Fallback xmlns="">
           <p:sp>
             <p:nvSpPr>
               <p:cNvPr id="3" name="内容占位符 2"/>
@@ -8713,7 +10623,7 @@
           <a:p>
             <a:fld id="{EE00FA2F-700A-4C2D-87BB-7F963A8CB484}" type="slidenum">
               <a:rPr lang="zh-CN" altLang="en-US" smtClean="0"/>
-              <a:t>18</a:t>
+              <a:t>21</a:t>
             </a:fld>
             <a:endParaRPr lang="zh-CN" altLang="en-US"/>
           </a:p>
@@ -8739,7 +10649,7 @@
 </p:sld>
 </file>
 
-<file path=ppt/slides/slide2.xml><?xml version="1.0" encoding="utf-8"?>
+<file path=ppt/slides/slide22.xml><?xml version="1.0" encoding="utf-8"?>
 <p:sld xmlns:a="http://schemas.openxmlformats.org/drawingml/2006/main" xmlns:r="http://schemas.openxmlformats.org/officeDocument/2006/relationships" xmlns:p="http://schemas.openxmlformats.org/presentationml/2006/main">
   <p:cSld>
     <p:spTree>
@@ -8773,141 +10683,440 @@
           <a:p>
             <a:r>
               <a:rPr lang="zh-CN" altLang="en-US" dirty="0" smtClean="0"/>
-              <a:t>主要内容</a:t>
+              <a:t>赠送篇</a:t>
             </a:r>
             <a:endParaRPr lang="zh-CN" altLang="en-US" dirty="0"/>
           </a:p>
         </p:txBody>
       </p:sp>
-      <p:sp>
-        <p:nvSpPr>
-          <p:cNvPr id="3" name="内容占位符 2"/>
-          <p:cNvSpPr>
-            <a:spLocks noGrp="1"/>
-          </p:cNvSpPr>
-          <p:nvPr>
-            <p:ph idx="1"/>
-          </p:nvPr>
-        </p:nvSpPr>
-        <p:spPr/>
-        <p:txBody>
-          <a:bodyPr/>
-          <a:lstStyle/>
-          <a:p>
-            <a:pPr marL="0" indent="0">
-              <a:buNone/>
-            </a:pPr>
-            <a:r>
-              <a:rPr lang="zh-CN" altLang="en-US" dirty="0" smtClean="0"/>
-              <a:t>本文以</a:t>
-            </a:r>
-            <a:r>
-              <a:rPr lang="en-US" altLang="zh-CN" dirty="0" smtClean="0"/>
-              <a:t>MAXON RE40</a:t>
-            </a:r>
-            <a:r>
-              <a:rPr lang="zh-CN" altLang="en-US" dirty="0" smtClean="0"/>
-              <a:t>（</a:t>
-            </a:r>
-            <a:r>
-              <a:rPr lang="en-US" altLang="zh-CN" dirty="0" smtClean="0"/>
-              <a:t>24V</a:t>
-            </a:r>
-            <a:r>
-              <a:rPr lang="zh-CN" altLang="en-US" dirty="0" smtClean="0"/>
-              <a:t>）电机为例，主要从如下</a:t>
-            </a:r>
-            <a:r>
-              <a:rPr lang="zh-CN" altLang="en-US" dirty="0" smtClean="0"/>
-              <a:t>三</a:t>
-            </a:r>
-            <a:r>
-              <a:rPr lang="zh-CN" altLang="en-US" dirty="0" smtClean="0"/>
-              <a:t>个角度对电机进行讲解</a:t>
-            </a:r>
-            <a:endParaRPr lang="en-US" altLang="zh-CN" dirty="0" smtClean="0"/>
-          </a:p>
-          <a:p>
-            <a:r>
-              <a:rPr lang="zh-CN" altLang="en-US" dirty="0" smtClean="0"/>
-              <a:t>参数</a:t>
-            </a:r>
-            <a:endParaRPr lang="en-US" altLang="zh-CN" dirty="0" smtClean="0"/>
-          </a:p>
-          <a:p>
-            <a:pPr marL="0" indent="0">
-              <a:buNone/>
-            </a:pPr>
-            <a:r>
-              <a:rPr lang="zh-CN" altLang="en-US" dirty="0"/>
-              <a:t> </a:t>
-            </a:r>
-            <a:r>
-              <a:rPr lang="en-US" altLang="zh-CN" dirty="0"/>
-              <a:t>	</a:t>
-            </a:r>
-            <a:r>
-              <a:rPr lang="en-US" altLang="zh-CN" dirty="0" smtClean="0"/>
-              <a:t>31</a:t>
-            </a:r>
-            <a:r>
-              <a:rPr lang="zh-CN" altLang="en-US" smtClean="0"/>
-              <a:t>个电机参数</a:t>
-            </a:r>
-            <a:endParaRPr lang="en-US" altLang="zh-CN" dirty="0" smtClean="0"/>
-          </a:p>
-          <a:p>
-            <a:r>
-              <a:rPr lang="zh-CN" altLang="en-US" dirty="0"/>
-              <a:t>图</a:t>
-            </a:r>
-            <a:endParaRPr lang="en-US" altLang="zh-CN" dirty="0" smtClean="0"/>
-          </a:p>
-          <a:p>
-            <a:pPr marL="0" indent="0">
-              <a:buNone/>
-            </a:pPr>
-            <a:r>
-              <a:rPr lang="en-US" altLang="zh-CN" dirty="0" smtClean="0"/>
-              <a:t>	</a:t>
-            </a:r>
-            <a:r>
-              <a:rPr lang="zh-CN" altLang="en-US" dirty="0" smtClean="0"/>
-              <a:t>速度</a:t>
-            </a:r>
-            <a:r>
-              <a:rPr lang="en-US" altLang="zh-CN" dirty="0" smtClean="0"/>
-              <a:t>-</a:t>
-            </a:r>
-            <a:r>
-              <a:rPr lang="zh-CN" altLang="en-US" dirty="0" smtClean="0"/>
-              <a:t>转矩图、功率图、效率图</a:t>
-            </a:r>
-            <a:endParaRPr lang="en-US" altLang="zh-CN" dirty="0" smtClean="0"/>
-          </a:p>
-          <a:p>
-            <a:r>
-              <a:rPr lang="zh-CN" altLang="en-US" dirty="0" smtClean="0"/>
-              <a:t>公式</a:t>
-            </a:r>
-            <a:endParaRPr lang="en-US" altLang="zh-CN" dirty="0" smtClean="0"/>
-          </a:p>
-          <a:p>
-            <a:pPr marL="0" indent="0">
-              <a:buNone/>
-            </a:pPr>
-            <a:r>
-              <a:rPr lang="en-US" altLang="zh-CN" dirty="0"/>
-              <a:t>	</a:t>
-            </a:r>
-            <a:r>
-              <a:rPr lang="zh-CN" altLang="en-US" dirty="0" smtClean="0"/>
-              <a:t>通过这些公式，真正理解上面的参数和图</a:t>
-            </a:r>
-            <a:endParaRPr lang="en-US" altLang="zh-CN" dirty="0" smtClean="0"/>
-          </a:p>
-        </p:txBody>
-      </p:sp>
+      <mc:AlternateContent xmlns:mc="http://schemas.openxmlformats.org/markup-compatibility/2006">
+        <mc:Choice xmlns:a14="http://schemas.microsoft.com/office/drawing/2010/main" Requires="a14">
+          <p:sp>
+            <p:nvSpPr>
+              <p:cNvPr id="3" name="内容占位符 2"/>
+              <p:cNvSpPr>
+                <a:spLocks noGrp="1"/>
+              </p:cNvSpPr>
+              <p:nvPr>
+                <p:ph idx="1"/>
+              </p:nvPr>
+            </p:nvSpPr>
+            <p:spPr/>
+            <p:txBody>
+              <a:bodyPr/>
+              <a:lstStyle/>
+              <a:p>
+                <a:r>
+                  <a:rPr lang="zh-CN" altLang="en-US" dirty="0" smtClean="0"/>
+                  <a:t>如何计算电机过载时间？</a:t>
+                </a:r>
+                <a:endParaRPr lang="en-US" altLang="zh-CN" dirty="0" smtClean="0"/>
+              </a:p>
+              <a:p>
+                <a:pPr marL="0" indent="0">
+                  <a:buNone/>
+                </a:pPr>
+                <a14:m>
+                  <m:oMathPara xmlns:m="http://schemas.openxmlformats.org/officeDocument/2006/math">
+                    <m:oMathParaPr>
+                      <m:jc m:val="centerGroup"/>
+                    </m:oMathParaPr>
+                    <m:oMath xmlns:m="http://schemas.openxmlformats.org/officeDocument/2006/math">
+                      <m:r>
+                        <a:rPr lang="zh-CN" altLang="en-US" i="1">
+                          <a:latin typeface="Cambria Math" panose="02040503050406030204" pitchFamily="18" charset="0"/>
+                        </a:rPr>
+                        <m:t>∆</m:t>
+                      </m:r>
+                      <m:sSub>
+                        <m:sSubPr>
+                          <m:ctrlPr>
+                            <a:rPr lang="en-US" altLang="zh-CN" i="1">
+                              <a:latin typeface="Cambria Math" panose="02040503050406030204" pitchFamily="18" charset="0"/>
+                            </a:rPr>
+                          </m:ctrlPr>
+                        </m:sSubPr>
+                        <m:e>
+                          <m:r>
+                            <a:rPr lang="en-US" altLang="zh-CN" i="1">
+                              <a:latin typeface="Cambria Math" panose="02040503050406030204" pitchFamily="18" charset="0"/>
+                            </a:rPr>
+                            <m:t>𝑇</m:t>
+                          </m:r>
+                        </m:e>
+                        <m:sub>
+                          <m:r>
+                            <a:rPr lang="en-US" altLang="zh-CN" i="1">
+                              <a:latin typeface="Cambria Math" panose="02040503050406030204" pitchFamily="18" charset="0"/>
+                            </a:rPr>
+                            <m:t>𝑊</m:t>
+                          </m:r>
+                        </m:sub>
+                      </m:sSub>
+                      <m:r>
+                        <a:rPr lang="en-US" altLang="zh-CN" i="1">
+                          <a:latin typeface="Cambria Math" panose="02040503050406030204" pitchFamily="18" charset="0"/>
+                        </a:rPr>
+                        <m:t>= </m:t>
+                      </m:r>
+                      <m:f>
+                        <m:fPr>
+                          <m:ctrlPr>
+                            <a:rPr lang="en-US" altLang="zh-CN" i="1">
+                              <a:latin typeface="Cambria Math" panose="02040503050406030204" pitchFamily="18" charset="0"/>
+                            </a:rPr>
+                          </m:ctrlPr>
+                        </m:fPr>
+                        <m:num>
+                          <m:d>
+                            <m:dPr>
+                              <m:ctrlPr>
+                                <a:rPr lang="en-US" altLang="zh-CN" i="1">
+                                  <a:latin typeface="Cambria Math" panose="02040503050406030204" pitchFamily="18" charset="0"/>
+                                </a:rPr>
+                              </m:ctrlPr>
+                            </m:dPr>
+                            <m:e>
+                              <m:sSub>
+                                <m:sSubPr>
+                                  <m:ctrlPr>
+                                    <a:rPr lang="en-US" altLang="zh-CN" i="1">
+                                      <a:latin typeface="Cambria Math" panose="02040503050406030204" pitchFamily="18" charset="0"/>
+                                    </a:rPr>
+                                  </m:ctrlPr>
+                                </m:sSubPr>
+                                <m:e>
+                                  <m:r>
+                                    <a:rPr lang="en-US" altLang="zh-CN" i="1">
+                                      <a:latin typeface="Cambria Math" panose="02040503050406030204" pitchFamily="18" charset="0"/>
+                                    </a:rPr>
+                                    <m:t>𝑅</m:t>
+                                  </m:r>
+                                </m:e>
+                                <m:sub>
+                                  <m:r>
+                                    <m:rPr>
+                                      <m:sty m:val="p"/>
+                                    </m:rPr>
+                                    <a:rPr lang="en-US" altLang="zh-CN" i="1">
+                                      <a:latin typeface="Cambria Math" panose="02040503050406030204" pitchFamily="18" charset="0"/>
+                                    </a:rPr>
+                                    <m:t>th</m:t>
+                                  </m:r>
+                                  <m:r>
+                                    <a:rPr lang="en-US" altLang="zh-CN" i="1">
+                                      <a:latin typeface="Cambria Math" panose="02040503050406030204" pitchFamily="18" charset="0"/>
+                                    </a:rPr>
+                                    <m:t>1</m:t>
+                                  </m:r>
+                                </m:sub>
+                              </m:sSub>
+                              <m:r>
+                                <a:rPr lang="en-US" altLang="zh-CN" i="1">
+                                  <a:latin typeface="Cambria Math" panose="02040503050406030204" pitchFamily="18" charset="0"/>
+                                </a:rPr>
+                                <m:t>+</m:t>
+                              </m:r>
+                              <m:sSub>
+                                <m:sSubPr>
+                                  <m:ctrlPr>
+                                    <a:rPr lang="en-US" altLang="zh-CN" i="1">
+                                      <a:latin typeface="Cambria Math" panose="02040503050406030204" pitchFamily="18" charset="0"/>
+                                    </a:rPr>
+                                  </m:ctrlPr>
+                                </m:sSubPr>
+                                <m:e>
+                                  <m:r>
+                                    <a:rPr lang="en-US" altLang="zh-CN" i="1">
+                                      <a:latin typeface="Cambria Math" panose="02040503050406030204" pitchFamily="18" charset="0"/>
+                                    </a:rPr>
+                                    <m:t>𝑅</m:t>
+                                  </m:r>
+                                </m:e>
+                                <m:sub>
+                                  <m:r>
+                                    <m:rPr>
+                                      <m:sty m:val="p"/>
+                                    </m:rPr>
+                                    <a:rPr lang="en-US" altLang="zh-CN" i="1">
+                                      <a:latin typeface="Cambria Math" panose="02040503050406030204" pitchFamily="18" charset="0"/>
+                                    </a:rPr>
+                                    <m:t>th</m:t>
+                                  </m:r>
+                                  <m:r>
+                                    <a:rPr lang="en-US" altLang="zh-CN" i="1">
+                                      <a:latin typeface="Cambria Math" panose="02040503050406030204" pitchFamily="18" charset="0"/>
+                                    </a:rPr>
+                                    <m:t>2</m:t>
+                                  </m:r>
+                                </m:sub>
+                              </m:sSub>
+                            </m:e>
+                          </m:d>
+                          <m:r>
+                            <a:rPr lang="zh-CN" altLang="en-US" i="1">
+                              <a:latin typeface="Cambria Math" panose="02040503050406030204" pitchFamily="18" charset="0"/>
+                            </a:rPr>
+                            <m:t>∗</m:t>
+                          </m:r>
+                          <m:r>
+                            <a:rPr lang="en-US" altLang="zh-CN" i="1">
+                              <a:latin typeface="Cambria Math" panose="02040503050406030204" pitchFamily="18" charset="0"/>
+                            </a:rPr>
+                            <m:t>𝑅</m:t>
+                          </m:r>
+                          <m:r>
+                            <a:rPr lang="en-US" altLang="zh-CN" i="1">
+                              <a:latin typeface="Cambria Math" panose="02040503050406030204" pitchFamily="18" charset="0"/>
+                            </a:rPr>
+                            <m:t>∗</m:t>
+                          </m:r>
+                          <m:sSup>
+                            <m:sSupPr>
+                              <m:ctrlPr>
+                                <a:rPr lang="en-US" altLang="zh-CN" i="1">
+                                  <a:latin typeface="Cambria Math" panose="02040503050406030204" pitchFamily="18" charset="0"/>
+                                </a:rPr>
+                              </m:ctrlPr>
+                            </m:sSupPr>
+                            <m:e>
+                              <m:r>
+                                <a:rPr lang="en-US" altLang="zh-CN" i="1">
+                                  <a:latin typeface="Cambria Math" panose="02040503050406030204" pitchFamily="18" charset="0"/>
+                                </a:rPr>
+                                <m:t>𝐼</m:t>
+                              </m:r>
+                            </m:e>
+                            <m:sup>
+                              <m:r>
+                                <a:rPr lang="en-US" altLang="zh-CN" i="1">
+                                  <a:latin typeface="Cambria Math" panose="02040503050406030204" pitchFamily="18" charset="0"/>
+                                </a:rPr>
+                                <m:t>2</m:t>
+                              </m:r>
+                            </m:sup>
+                          </m:sSup>
+                        </m:num>
+                        <m:den>
+                          <m:r>
+                            <a:rPr lang="en-US" altLang="zh-CN" i="1">
+                              <a:latin typeface="Cambria Math" panose="02040503050406030204" pitchFamily="18" charset="0"/>
+                            </a:rPr>
+                            <m:t>1−</m:t>
+                          </m:r>
+                          <m:sSub>
+                            <m:sSubPr>
+                              <m:ctrlPr>
+                                <a:rPr lang="en-US" altLang="zh-CN" i="1">
+                                  <a:latin typeface="Cambria Math" panose="02040503050406030204" pitchFamily="18" charset="0"/>
+                                </a:rPr>
+                              </m:ctrlPr>
+                            </m:sSubPr>
+                            <m:e>
+                              <m:r>
+                                <a:rPr lang="zh-CN" altLang="en-US" i="1">
+                                  <a:latin typeface="Cambria Math" panose="02040503050406030204" pitchFamily="18" charset="0"/>
+                                </a:rPr>
+                                <m:t>𝛼</m:t>
+                              </m:r>
+                            </m:e>
+                            <m:sub>
+                              <m:r>
+                                <a:rPr lang="en-US" altLang="zh-CN" i="1">
+                                  <a:latin typeface="Cambria Math" panose="02040503050406030204" pitchFamily="18" charset="0"/>
+                                </a:rPr>
+                                <m:t>𝐶𝑢</m:t>
+                              </m:r>
+                            </m:sub>
+                          </m:sSub>
+                          <m:r>
+                            <a:rPr lang="en-US" altLang="zh-CN" i="1">
+                              <a:latin typeface="Cambria Math" panose="02040503050406030204" pitchFamily="18" charset="0"/>
+                            </a:rPr>
+                            <m:t>∗</m:t>
+                          </m:r>
+                          <m:d>
+                            <m:dPr>
+                              <m:ctrlPr>
+                                <a:rPr lang="en-US" altLang="zh-CN" i="1">
+                                  <a:latin typeface="Cambria Math" panose="02040503050406030204" pitchFamily="18" charset="0"/>
+                                </a:rPr>
+                              </m:ctrlPr>
+                            </m:dPr>
+                            <m:e>
+                              <m:sSub>
+                                <m:sSubPr>
+                                  <m:ctrlPr>
+                                    <a:rPr lang="en-US" altLang="zh-CN" i="1">
+                                      <a:latin typeface="Cambria Math" panose="02040503050406030204" pitchFamily="18" charset="0"/>
+                                    </a:rPr>
+                                  </m:ctrlPr>
+                                </m:sSubPr>
+                                <m:e>
+                                  <m:r>
+                                    <a:rPr lang="en-US" altLang="zh-CN" i="1">
+                                      <a:latin typeface="Cambria Math" panose="02040503050406030204" pitchFamily="18" charset="0"/>
+                                    </a:rPr>
+                                    <m:t>𝑅</m:t>
+                                  </m:r>
+                                </m:e>
+                                <m:sub>
+                                  <m:r>
+                                    <m:rPr>
+                                      <m:sty m:val="p"/>
+                                    </m:rPr>
+                                    <a:rPr lang="en-US" altLang="zh-CN" i="1">
+                                      <a:latin typeface="Cambria Math" panose="02040503050406030204" pitchFamily="18" charset="0"/>
+                                    </a:rPr>
+                                    <m:t>th</m:t>
+                                  </m:r>
+                                  <m:r>
+                                    <a:rPr lang="en-US" altLang="zh-CN" i="1">
+                                      <a:latin typeface="Cambria Math" panose="02040503050406030204" pitchFamily="18" charset="0"/>
+                                    </a:rPr>
+                                    <m:t>1</m:t>
+                                  </m:r>
+                                </m:sub>
+                              </m:sSub>
+                              <m:r>
+                                <a:rPr lang="en-US" altLang="zh-CN" i="1">
+                                  <a:latin typeface="Cambria Math" panose="02040503050406030204" pitchFamily="18" charset="0"/>
+                                </a:rPr>
+                                <m:t>+</m:t>
+                              </m:r>
+                              <m:sSub>
+                                <m:sSubPr>
+                                  <m:ctrlPr>
+                                    <a:rPr lang="en-US" altLang="zh-CN" i="1">
+                                      <a:latin typeface="Cambria Math" panose="02040503050406030204" pitchFamily="18" charset="0"/>
+                                    </a:rPr>
+                                  </m:ctrlPr>
+                                </m:sSubPr>
+                                <m:e>
+                                  <m:r>
+                                    <a:rPr lang="en-US" altLang="zh-CN" i="1">
+                                      <a:latin typeface="Cambria Math" panose="02040503050406030204" pitchFamily="18" charset="0"/>
+                                    </a:rPr>
+                                    <m:t>𝑅</m:t>
+                                  </m:r>
+                                </m:e>
+                                <m:sub>
+                                  <m:r>
+                                    <m:rPr>
+                                      <m:sty m:val="p"/>
+                                    </m:rPr>
+                                    <a:rPr lang="en-US" altLang="zh-CN" i="1">
+                                      <a:latin typeface="Cambria Math" panose="02040503050406030204" pitchFamily="18" charset="0"/>
+                                    </a:rPr>
+                                    <m:t>th</m:t>
+                                  </m:r>
+                                  <m:r>
+                                    <a:rPr lang="en-US" altLang="zh-CN" i="1">
+                                      <a:latin typeface="Cambria Math" panose="02040503050406030204" pitchFamily="18" charset="0"/>
+                                    </a:rPr>
+                                    <m:t>2</m:t>
+                                  </m:r>
+                                </m:sub>
+                              </m:sSub>
+                            </m:e>
+                          </m:d>
+                          <m:r>
+                            <a:rPr lang="zh-CN" altLang="en-US" i="1">
+                              <a:latin typeface="Cambria Math" panose="02040503050406030204" pitchFamily="18" charset="0"/>
+                            </a:rPr>
+                            <m:t>∗</m:t>
+                          </m:r>
+                          <m:r>
+                            <a:rPr lang="en-US" altLang="zh-CN" i="1">
+                              <a:latin typeface="Cambria Math" panose="02040503050406030204" pitchFamily="18" charset="0"/>
+                            </a:rPr>
+                            <m:t>𝑅</m:t>
+                          </m:r>
+                          <m:r>
+                            <a:rPr lang="en-US" altLang="zh-CN" i="1">
+                              <a:latin typeface="Cambria Math" panose="02040503050406030204" pitchFamily="18" charset="0"/>
+                            </a:rPr>
+                            <m:t>∗</m:t>
+                          </m:r>
+                          <m:sSup>
+                            <m:sSupPr>
+                              <m:ctrlPr>
+                                <a:rPr lang="en-US" altLang="zh-CN" i="1">
+                                  <a:latin typeface="Cambria Math" panose="02040503050406030204" pitchFamily="18" charset="0"/>
+                                </a:rPr>
+                              </m:ctrlPr>
+                            </m:sSupPr>
+                            <m:e>
+                              <m:r>
+                                <a:rPr lang="en-US" altLang="zh-CN" i="1">
+                                  <a:latin typeface="Cambria Math" panose="02040503050406030204" pitchFamily="18" charset="0"/>
+                                </a:rPr>
+                                <m:t>𝐼</m:t>
+                              </m:r>
+                            </m:e>
+                            <m:sup>
+                              <m:r>
+                                <a:rPr lang="en-US" altLang="zh-CN" i="1">
+                                  <a:latin typeface="Cambria Math" panose="02040503050406030204" pitchFamily="18" charset="0"/>
+                                </a:rPr>
+                                <m:t>2</m:t>
+                              </m:r>
+                            </m:sup>
+                          </m:sSup>
+                        </m:den>
+                      </m:f>
+                    </m:oMath>
+                  </m:oMathPara>
+                </a14:m>
+                <a:endParaRPr lang="en-US" altLang="zh-CN" dirty="0" smtClean="0"/>
+              </a:p>
+              <a:p>
+                <a:pPr marL="0" indent="0">
+                  <a:buNone/>
+                </a:pPr>
+                <a:r>
+                  <a:rPr lang="zh-CN" altLang="en-US" dirty="0" smtClean="0"/>
+                  <a:t>结合热阻热时间常数</a:t>
+                </a:r>
+                <a:endParaRPr lang="zh-CN" altLang="en-US" dirty="0"/>
+              </a:p>
+            </p:txBody>
+          </p:sp>
+        </mc:Choice>
+        <mc:Fallback>
+          <p:sp>
+            <p:nvSpPr>
+              <p:cNvPr id="3" name="内容占位符 2"/>
+              <p:cNvSpPr>
+                <a:spLocks noGrp="1" noRot="1" noChangeAspect="1" noMove="1" noResize="1" noEditPoints="1" noAdjustHandles="1" noChangeArrowheads="1" noChangeShapeType="1" noTextEdit="1"/>
+              </p:cNvSpPr>
+              <p:nvPr>
+                <p:ph idx="1"/>
+              </p:nvPr>
+            </p:nvSpPr>
+            <p:spPr>
+              <a:blipFill rotWithShape="0">
+                <a:blip r:embed="rId2"/>
+                <a:stretch>
+                  <a:fillRect l="-1217" t="-2941"/>
+                </a:stretch>
+              </a:blipFill>
+            </p:spPr>
+            <p:txBody>
+              <a:bodyPr/>
+              <a:lstStyle/>
+              <a:p>
+                <a:r>
+                  <a:rPr lang="zh-CN" altLang="en-US">
+                    <a:noFill/>
+                  </a:rPr>
+                  <a:t> </a:t>
+                </a:r>
+              </a:p>
+            </p:txBody>
+          </p:sp>
+        </mc:Fallback>
+      </mc:AlternateContent>
       <p:sp>
         <p:nvSpPr>
           <p:cNvPr id="4" name="日期占位符 3"/>
@@ -8971,7 +11180,7 @@
           <a:p>
             <a:fld id="{EE00FA2F-700A-4C2D-87BB-7F963A8CB484}" type="slidenum">
               <a:rPr lang="zh-CN" altLang="en-US" smtClean="0"/>
-              <a:t>2</a:t>
+              <a:t>22</a:t>
             </a:fld>
             <a:endParaRPr lang="zh-CN" altLang="en-US"/>
           </a:p>
@@ -8980,20 +11189,750 @@
     </p:spTree>
     <p:extLst>
       <p:ext uri="{BB962C8B-B14F-4D97-AF65-F5344CB8AC3E}">
-        <p14:creationId xmlns:p14="http://schemas.microsoft.com/office/powerpoint/2010/main" val="2732087439"/>
+        <p14:creationId xmlns:p14="http://schemas.microsoft.com/office/powerpoint/2010/main" val="2554087889"/>
       </p:ext>
     </p:extLst>
   </p:cSld>
   <p:clrMapOvr>
     <a:masterClrMapping/>
   </p:clrMapOvr>
-  <p:timing>
-    <p:tnLst>
-      <p:par>
-        <p:cTn id="1" dur="indefinite" restart="never" nodeType="tmRoot"/>
-      </p:par>
-    </p:tnLst>
-  </p:timing>
+</p:sld>
+</file>
+
+<file path=ppt/slides/slide23.xml><?xml version="1.0" encoding="utf-8"?>
+<p:sld xmlns:a="http://schemas.openxmlformats.org/drawingml/2006/main" xmlns:r="http://schemas.openxmlformats.org/officeDocument/2006/relationships" xmlns:p="http://schemas.openxmlformats.org/presentationml/2006/main">
+  <p:cSld>
+    <p:spTree>
+      <p:nvGrpSpPr>
+        <p:cNvPr id="1" name=""/>
+        <p:cNvGrpSpPr/>
+        <p:nvPr/>
+      </p:nvGrpSpPr>
+      <p:grpSpPr>
+        <a:xfrm>
+          <a:off x="0" y="0"/>
+          <a:ext cx="0" cy="0"/>
+          <a:chOff x="0" y="0"/>
+          <a:chExt cx="0" cy="0"/>
+        </a:xfrm>
+      </p:grpSpPr>
+      <p:sp>
+        <p:nvSpPr>
+          <p:cNvPr id="2" name="标题 1"/>
+          <p:cNvSpPr>
+            <a:spLocks noGrp="1"/>
+          </p:cNvSpPr>
+          <p:nvPr>
+            <p:ph type="title"/>
+          </p:nvPr>
+        </p:nvSpPr>
+        <p:spPr/>
+        <p:txBody>
+          <a:bodyPr/>
+          <a:lstStyle/>
+          <a:p>
+            <a:r>
+              <a:rPr lang="zh-CN" altLang="en-US" dirty="0" smtClean="0"/>
+              <a:t>赠送篇</a:t>
+            </a:r>
+            <a:endParaRPr lang="zh-CN" altLang="en-US" dirty="0"/>
+          </a:p>
+        </p:txBody>
+      </p:sp>
+      <mc:AlternateContent xmlns:mc="http://schemas.openxmlformats.org/markup-compatibility/2006">
+        <mc:Choice xmlns:a14="http://schemas.microsoft.com/office/drawing/2010/main" Requires="a14">
+          <p:sp>
+            <p:nvSpPr>
+              <p:cNvPr id="3" name="内容占位符 2"/>
+              <p:cNvSpPr>
+                <a:spLocks noGrp="1"/>
+              </p:cNvSpPr>
+              <p:nvPr>
+                <p:ph idx="1"/>
+              </p:nvPr>
+            </p:nvSpPr>
+            <p:spPr/>
+            <p:txBody>
+              <a:bodyPr/>
+              <a:lstStyle/>
+              <a:p>
+                <a:r>
+                  <a:rPr lang="zh-CN" altLang="en-US" dirty="0" smtClean="0"/>
+                  <a:t>定量分析发热对电机性能的影响？</a:t>
+                </a:r>
+                <a:endParaRPr lang="en-US" altLang="zh-CN" dirty="0" smtClean="0"/>
+              </a:p>
+              <a:p>
+                <a:r>
+                  <a:rPr lang="zh-CN" altLang="en-US" dirty="0" smtClean="0"/>
+                  <a:t>分析</a:t>
+                </a:r>
+                <a:endParaRPr lang="en-US" altLang="zh-CN" dirty="0" smtClean="0"/>
+              </a:p>
+              <a:p>
+                <a:pPr lvl="1"/>
+                <a:r>
+                  <a:rPr lang="zh-CN" altLang="en-US" b="1" dirty="0" smtClean="0"/>
+                  <a:t>绕组温度每升高</a:t>
+                </a:r>
+                <a:r>
+                  <a:rPr lang="en-US" altLang="zh-CN" b="1" dirty="0" smtClean="0"/>
+                  <a:t>1</a:t>
+                </a:r>
+                <a:r>
+                  <a:rPr lang="zh-CN" altLang="en-US" b="1" dirty="0" smtClean="0"/>
+                  <a:t>℃，堵转转矩降低</a:t>
+                </a:r>
+                <a:r>
+                  <a:rPr lang="en-US" altLang="zh-CN" b="1" dirty="0" smtClean="0"/>
+                  <a:t>3.9‰</a:t>
+                </a:r>
+              </a:p>
+              <a:p>
+                <a:pPr lvl="1"/>
+                <a:r>
+                  <a:rPr lang="zh-CN" altLang="en-US" dirty="0" smtClean="0"/>
+                  <a:t>绕组</a:t>
+                </a:r>
+                <a:r>
+                  <a:rPr lang="en-US" altLang="zh-CN" dirty="0" smtClean="0"/>
+                  <a:t>75</a:t>
+                </a:r>
+                <a:r>
+                  <a:rPr lang="zh-CN" altLang="en-US" dirty="0" smtClean="0"/>
+                  <a:t>℃时，堵转扭矩降低</a:t>
+                </a:r>
+                <a:r>
+                  <a:rPr lang="en-US" altLang="zh-CN" dirty="0" smtClean="0"/>
+                  <a:t>20%</a:t>
+                </a:r>
+              </a:p>
+              <a:p>
+                <a:pPr lvl="1"/>
+                <a:r>
+                  <a:rPr lang="zh-CN" altLang="en-US" dirty="0" smtClean="0"/>
+                  <a:t>室温升高会时同样负载下，绕组温度升高</a:t>
+                </a:r>
+                <a:endParaRPr lang="en-US" altLang="zh-CN" dirty="0" smtClean="0"/>
+              </a:p>
+              <a:p>
+                <a:pPr lvl="1"/>
+                <a:r>
+                  <a:rPr lang="zh-CN" altLang="en-US" dirty="0" smtClean="0"/>
+                  <a:t>热阻、散热系数、热容量关系（先放这里）</a:t>
+                </a:r>
+                <a:endParaRPr lang="en-US" altLang="zh-CN" dirty="0" smtClean="0"/>
+              </a:p>
+              <a:p>
+                <a:r>
+                  <a:rPr lang="zh-CN" altLang="en-US" dirty="0" smtClean="0"/>
+                  <a:t>预防与治疗方法</a:t>
+                </a:r>
+                <a:endParaRPr lang="en-US" altLang="zh-CN" dirty="0" smtClean="0"/>
+              </a:p>
+              <a:p>
+                <a:pPr lvl="1"/>
+                <a:r>
+                  <a:rPr lang="zh-CN" altLang="en-US" dirty="0" smtClean="0"/>
+                  <a:t>法兰安装到金属导体上，</a:t>
+                </a:r>
+                <a14:m>
+                  <m:oMath xmlns:m="http://schemas.openxmlformats.org/officeDocument/2006/math">
+                    <m:sSub>
+                      <m:sSubPr>
+                        <m:ctrlPr>
+                          <a:rPr lang="en-US" altLang="zh-CN" i="1" smtClean="0">
+                            <a:latin typeface="Cambria Math" panose="02040503050406030204" pitchFamily="18" charset="0"/>
+                          </a:rPr>
+                        </m:ctrlPr>
+                      </m:sSubPr>
+                      <m:e>
+                        <m:r>
+                          <a:rPr lang="en-US" altLang="zh-CN" b="0" i="1" smtClean="0">
+                            <a:latin typeface="Cambria Math" panose="02040503050406030204" pitchFamily="18" charset="0"/>
+                          </a:rPr>
+                          <m:t>𝑅</m:t>
+                        </m:r>
+                      </m:e>
+                      <m:sub>
+                        <m:r>
+                          <m:rPr>
+                            <m:sty m:val="p"/>
+                          </m:rPr>
+                          <a:rPr lang="en-US" altLang="zh-CN" i="1">
+                            <a:latin typeface="Cambria Math" panose="02040503050406030204" pitchFamily="18" charset="0"/>
+                          </a:rPr>
+                          <m:t>th</m:t>
+                        </m:r>
+                        <m:r>
+                          <a:rPr lang="en-US" altLang="zh-CN" b="0" i="1" smtClean="0">
+                            <a:latin typeface="Cambria Math" panose="02040503050406030204" pitchFamily="18" charset="0"/>
+                          </a:rPr>
+                          <m:t>2</m:t>
+                        </m:r>
+                      </m:sub>
+                    </m:sSub>
+                    <m:r>
+                      <a:rPr lang="zh-CN" altLang="en-US" i="1">
+                        <a:latin typeface="Cambria Math" panose="02040503050406030204" pitchFamily="18" charset="0"/>
+                      </a:rPr>
+                      <m:t>可以</m:t>
+                    </m:r>
+                    <m:r>
+                      <a:rPr lang="zh-CN" altLang="en-US" i="1" smtClean="0">
+                        <a:latin typeface="Cambria Math" panose="02040503050406030204" pitchFamily="18" charset="0"/>
+                      </a:rPr>
+                      <m:t>降低</m:t>
+                    </m:r>
+                    <m:r>
+                      <a:rPr lang="en-US" altLang="zh-CN" b="0" i="1" smtClean="0">
+                        <a:latin typeface="Cambria Math" panose="02040503050406030204" pitchFamily="18" charset="0"/>
+                      </a:rPr>
+                      <m:t>80%</m:t>
+                    </m:r>
+                  </m:oMath>
+                </a14:m>
+                <a:r>
+                  <a:rPr lang="zh-CN" altLang="en-US" b="0" dirty="0" smtClean="0"/>
+                  <a:t>，使温升变小</a:t>
+                </a:r>
+                <a:endParaRPr lang="en-US" altLang="zh-CN" b="0" dirty="0" smtClean="0"/>
+              </a:p>
+              <a:p>
+                <a:pPr lvl="1"/>
+                <a:r>
+                  <a:rPr lang="zh-CN" altLang="en-US" dirty="0" smtClean="0"/>
+                  <a:t>加风扇、擦酒精等冷却措施（可以通过小电压堵转测试）</a:t>
+                </a:r>
+                <a:endParaRPr lang="en-US" altLang="zh-CN" b="0" dirty="0" smtClean="0"/>
+              </a:p>
+              <a:p>
+                <a:pPr lvl="1"/>
+                <a:endParaRPr lang="en-US" altLang="zh-CN" dirty="0" smtClean="0"/>
+              </a:p>
+            </p:txBody>
+          </p:sp>
+        </mc:Choice>
+        <mc:Fallback>
+          <p:sp>
+            <p:nvSpPr>
+              <p:cNvPr id="3" name="内容占位符 2"/>
+              <p:cNvSpPr>
+                <a:spLocks noGrp="1" noRot="1" noChangeAspect="1" noMove="1" noResize="1" noEditPoints="1" noAdjustHandles="1" noChangeArrowheads="1" noChangeShapeType="1" noTextEdit="1"/>
+              </p:cNvSpPr>
+              <p:nvPr>
+                <p:ph idx="1"/>
+              </p:nvPr>
+            </p:nvSpPr>
+            <p:spPr>
+              <a:blipFill rotWithShape="0">
+                <a:blip r:embed="rId2"/>
+                <a:stretch>
+                  <a:fillRect l="-1043" t="-2941"/>
+                </a:stretch>
+              </a:blipFill>
+            </p:spPr>
+            <p:txBody>
+              <a:bodyPr/>
+              <a:lstStyle/>
+              <a:p>
+                <a:r>
+                  <a:rPr lang="zh-CN" altLang="en-US">
+                    <a:noFill/>
+                  </a:rPr>
+                  <a:t> </a:t>
+                </a:r>
+              </a:p>
+            </p:txBody>
+          </p:sp>
+        </mc:Fallback>
+      </mc:AlternateContent>
+      <p:sp>
+        <p:nvSpPr>
+          <p:cNvPr id="4" name="日期占位符 3"/>
+          <p:cNvSpPr>
+            <a:spLocks noGrp="1"/>
+          </p:cNvSpPr>
+          <p:nvPr>
+            <p:ph type="dt" sz="half" idx="10"/>
+          </p:nvPr>
+        </p:nvSpPr>
+        <p:spPr/>
+        <p:txBody>
+          <a:bodyPr/>
+          <a:lstStyle/>
+          <a:p>
+            <a:fld id="{09AB9B90-079F-4C02-96FD-F237FBA298D6}" type="datetime1">
+              <a:rPr lang="zh-CN" altLang="en-US" smtClean="0"/>
+              <a:t>2016/10/9</a:t>
+            </a:fld>
+            <a:endParaRPr lang="zh-CN" altLang="en-US"/>
+          </a:p>
+        </p:txBody>
+      </p:sp>
+      <p:sp>
+        <p:nvSpPr>
+          <p:cNvPr id="5" name="页脚占位符 4"/>
+          <p:cNvSpPr>
+            <a:spLocks noGrp="1"/>
+          </p:cNvSpPr>
+          <p:nvPr>
+            <p:ph type="ftr" sz="quarter" idx="11"/>
+          </p:nvPr>
+        </p:nvSpPr>
+        <p:spPr/>
+        <p:txBody>
+          <a:bodyPr/>
+          <a:lstStyle/>
+          <a:p>
+            <a:r>
+              <a:rPr lang="zh-CN" altLang="en-US" smtClean="0"/>
+              <a:t>艾克申机器人出品</a:t>
+            </a:r>
+            <a:endParaRPr lang="zh-CN" altLang="en-US"/>
+          </a:p>
+        </p:txBody>
+      </p:sp>
+      <p:sp>
+        <p:nvSpPr>
+          <p:cNvPr id="6" name="灯片编号占位符 5"/>
+          <p:cNvSpPr>
+            <a:spLocks noGrp="1"/>
+          </p:cNvSpPr>
+          <p:nvPr>
+            <p:ph type="sldNum" sz="quarter" idx="12"/>
+          </p:nvPr>
+        </p:nvSpPr>
+        <p:spPr/>
+        <p:txBody>
+          <a:bodyPr/>
+          <a:lstStyle/>
+          <a:p>
+            <a:fld id="{EE00FA2F-700A-4C2D-87BB-7F963A8CB484}" type="slidenum">
+              <a:rPr lang="zh-CN" altLang="en-US" smtClean="0"/>
+              <a:t>23</a:t>
+            </a:fld>
+            <a:endParaRPr lang="zh-CN" altLang="en-US"/>
+          </a:p>
+        </p:txBody>
+      </p:sp>
+    </p:spTree>
+    <p:extLst>
+      <p:ext uri="{BB962C8B-B14F-4D97-AF65-F5344CB8AC3E}">
+        <p14:creationId xmlns:p14="http://schemas.microsoft.com/office/powerpoint/2010/main" val="1941005263"/>
+      </p:ext>
+    </p:extLst>
+  </p:cSld>
+  <p:clrMapOvr>
+    <a:masterClrMapping/>
+  </p:clrMapOvr>
+</p:sld>
+</file>
+
+<file path=ppt/slides/slide24.xml><?xml version="1.0" encoding="utf-8"?>
+<p:sld xmlns:a="http://schemas.openxmlformats.org/drawingml/2006/main" xmlns:r="http://schemas.openxmlformats.org/officeDocument/2006/relationships" xmlns:p="http://schemas.openxmlformats.org/presentationml/2006/main">
+  <p:cSld>
+    <p:spTree>
+      <p:nvGrpSpPr>
+        <p:cNvPr id="1" name=""/>
+        <p:cNvGrpSpPr/>
+        <p:nvPr/>
+      </p:nvGrpSpPr>
+      <p:grpSpPr>
+        <a:xfrm>
+          <a:off x="0" y="0"/>
+          <a:ext cx="0" cy="0"/>
+          <a:chOff x="0" y="0"/>
+          <a:chExt cx="0" cy="0"/>
+        </a:xfrm>
+      </p:grpSpPr>
+      <p:sp>
+        <p:nvSpPr>
+          <p:cNvPr id="2" name="标题 1"/>
+          <p:cNvSpPr>
+            <a:spLocks noGrp="1"/>
+          </p:cNvSpPr>
+          <p:nvPr>
+            <p:ph type="title"/>
+          </p:nvPr>
+        </p:nvSpPr>
+        <p:spPr/>
+        <p:txBody>
+          <a:bodyPr/>
+          <a:lstStyle/>
+          <a:p>
+            <a:r>
+              <a:rPr lang="zh-CN" altLang="en-US" dirty="0" smtClean="0"/>
+              <a:t>赠送篇</a:t>
+            </a:r>
+            <a:endParaRPr lang="zh-CN" altLang="en-US" dirty="0"/>
+          </a:p>
+        </p:txBody>
+      </p:sp>
+      <mc:AlternateContent xmlns:mc="http://schemas.openxmlformats.org/markup-compatibility/2006">
+        <mc:Choice xmlns:a14="http://schemas.microsoft.com/office/drawing/2010/main" Requires="a14">
+          <p:sp>
+            <p:nvSpPr>
+              <p:cNvPr id="3" name="内容占位符 2"/>
+              <p:cNvSpPr>
+                <a:spLocks noGrp="1"/>
+              </p:cNvSpPr>
+              <p:nvPr>
+                <p:ph idx="1"/>
+              </p:nvPr>
+            </p:nvSpPr>
+            <p:spPr/>
+            <p:txBody>
+              <a:bodyPr/>
+              <a:lstStyle/>
+              <a:p>
+                <a:pPr lvl="1"/>
+                <a:r>
+                  <a:rPr lang="zh-CN" altLang="en-US" dirty="0" smtClean="0"/>
+                  <a:t>奇怪的数</a:t>
+                </a:r>
+                <a:r>
+                  <a:rPr lang="en-US" altLang="zh-CN" dirty="0" smtClean="0"/>
+                  <a:t>63%</a:t>
+                </a:r>
+              </a:p>
+              <a:p>
+                <a:pPr lvl="2"/>
+                <a:r>
+                  <a:rPr lang="zh-CN" altLang="en-US" dirty="0" smtClean="0"/>
+                  <a:t>机械时间常数</a:t>
+                </a:r>
+                <a:endParaRPr lang="en-US" altLang="zh-CN" dirty="0" smtClean="0"/>
+              </a:p>
+              <a:p>
+                <a:pPr lvl="2"/>
+                <a:r>
+                  <a:rPr lang="zh-CN" altLang="en-US" dirty="0" smtClean="0"/>
+                  <a:t>热时间常数</a:t>
+                </a:r>
+                <a:endParaRPr lang="en-US" altLang="zh-CN" dirty="0" smtClean="0"/>
+              </a:p>
+              <a:p>
+                <a:pPr lvl="2"/>
+                <a14:m>
+                  <m:oMath xmlns:m="http://schemas.openxmlformats.org/officeDocument/2006/math">
+                    <m:r>
+                      <a:rPr lang="en-US" altLang="zh-CN" b="0" i="1" smtClean="0">
+                        <a:latin typeface="Cambria Math" panose="02040503050406030204" pitchFamily="18" charset="0"/>
+                      </a:rPr>
+                      <m:t>1−</m:t>
+                    </m:r>
+                    <m:f>
+                      <m:fPr>
+                        <m:ctrlPr>
+                          <a:rPr lang="en-US" altLang="zh-CN" b="0" i="1" smtClean="0">
+                            <a:latin typeface="Cambria Math" panose="02040503050406030204" pitchFamily="18" charset="0"/>
+                          </a:rPr>
+                        </m:ctrlPr>
+                      </m:fPr>
+                      <m:num>
+                        <m:r>
+                          <a:rPr lang="en-US" altLang="zh-CN" b="0" i="1" smtClean="0">
+                            <a:latin typeface="Cambria Math" panose="02040503050406030204" pitchFamily="18" charset="0"/>
+                          </a:rPr>
+                          <m:t>1</m:t>
+                        </m:r>
+                      </m:num>
+                      <m:den>
+                        <m:r>
+                          <a:rPr lang="en-US" altLang="zh-CN" b="0" i="1" smtClean="0">
+                            <a:latin typeface="Cambria Math" panose="02040503050406030204" pitchFamily="18" charset="0"/>
+                          </a:rPr>
+                          <m:t>𝑒</m:t>
+                        </m:r>
+                      </m:den>
+                    </m:f>
+                  </m:oMath>
+                </a14:m>
+                <a:endParaRPr lang="en-US" altLang="zh-CN" dirty="0" smtClean="0"/>
+              </a:p>
+            </p:txBody>
+          </p:sp>
+        </mc:Choice>
+        <mc:Fallback>
+          <p:sp>
+            <p:nvSpPr>
+              <p:cNvPr id="3" name="内容占位符 2"/>
+              <p:cNvSpPr>
+                <a:spLocks noGrp="1" noRot="1" noChangeAspect="1" noMove="1" noResize="1" noEditPoints="1" noAdjustHandles="1" noChangeArrowheads="1" noChangeShapeType="1" noTextEdit="1"/>
+              </p:cNvSpPr>
+              <p:nvPr>
+                <p:ph idx="1"/>
+              </p:nvPr>
+            </p:nvSpPr>
+            <p:spPr>
+              <a:blipFill rotWithShape="0">
+                <a:blip r:embed="rId2"/>
+                <a:stretch>
+                  <a:fillRect t="-2521"/>
+                </a:stretch>
+              </a:blipFill>
+            </p:spPr>
+            <p:txBody>
+              <a:bodyPr/>
+              <a:lstStyle/>
+              <a:p>
+                <a:r>
+                  <a:rPr lang="zh-CN" altLang="en-US">
+                    <a:noFill/>
+                  </a:rPr>
+                  <a:t> </a:t>
+                </a:r>
+              </a:p>
+            </p:txBody>
+          </p:sp>
+        </mc:Fallback>
+      </mc:AlternateContent>
+      <p:sp>
+        <p:nvSpPr>
+          <p:cNvPr id="4" name="日期占位符 3"/>
+          <p:cNvSpPr>
+            <a:spLocks noGrp="1"/>
+          </p:cNvSpPr>
+          <p:nvPr>
+            <p:ph type="dt" sz="half" idx="10"/>
+          </p:nvPr>
+        </p:nvSpPr>
+        <p:spPr/>
+        <p:txBody>
+          <a:bodyPr/>
+          <a:lstStyle/>
+          <a:p>
+            <a:fld id="{09AB9B90-079F-4C02-96FD-F237FBA298D6}" type="datetime1">
+              <a:rPr lang="zh-CN" altLang="en-US" smtClean="0"/>
+              <a:t>2016/10/9</a:t>
+            </a:fld>
+            <a:endParaRPr lang="zh-CN" altLang="en-US"/>
+          </a:p>
+        </p:txBody>
+      </p:sp>
+      <p:sp>
+        <p:nvSpPr>
+          <p:cNvPr id="5" name="页脚占位符 4"/>
+          <p:cNvSpPr>
+            <a:spLocks noGrp="1"/>
+          </p:cNvSpPr>
+          <p:nvPr>
+            <p:ph type="ftr" sz="quarter" idx="11"/>
+          </p:nvPr>
+        </p:nvSpPr>
+        <p:spPr/>
+        <p:txBody>
+          <a:bodyPr/>
+          <a:lstStyle/>
+          <a:p>
+            <a:r>
+              <a:rPr lang="zh-CN" altLang="en-US" smtClean="0"/>
+              <a:t>艾克申机器人出品</a:t>
+            </a:r>
+            <a:endParaRPr lang="zh-CN" altLang="en-US"/>
+          </a:p>
+        </p:txBody>
+      </p:sp>
+      <p:sp>
+        <p:nvSpPr>
+          <p:cNvPr id="6" name="灯片编号占位符 5"/>
+          <p:cNvSpPr>
+            <a:spLocks noGrp="1"/>
+          </p:cNvSpPr>
+          <p:nvPr>
+            <p:ph type="sldNum" sz="quarter" idx="12"/>
+          </p:nvPr>
+        </p:nvSpPr>
+        <p:spPr/>
+        <p:txBody>
+          <a:bodyPr/>
+          <a:lstStyle/>
+          <a:p>
+            <a:fld id="{EE00FA2F-700A-4C2D-87BB-7F963A8CB484}" type="slidenum">
+              <a:rPr lang="zh-CN" altLang="en-US" smtClean="0"/>
+              <a:t>24</a:t>
+            </a:fld>
+            <a:endParaRPr lang="zh-CN" altLang="en-US"/>
+          </a:p>
+        </p:txBody>
+      </p:sp>
+    </p:spTree>
+    <p:extLst>
+      <p:ext uri="{BB962C8B-B14F-4D97-AF65-F5344CB8AC3E}">
+        <p14:creationId xmlns:p14="http://schemas.microsoft.com/office/powerpoint/2010/main" val="4196527511"/>
+      </p:ext>
+    </p:extLst>
+  </p:cSld>
+  <p:clrMapOvr>
+    <a:masterClrMapping/>
+  </p:clrMapOvr>
+</p:sld>
+</file>
+
+<file path=ppt/slides/slide25.xml><?xml version="1.0" encoding="utf-8"?>
+<p:sld xmlns:a="http://schemas.openxmlformats.org/drawingml/2006/main" xmlns:r="http://schemas.openxmlformats.org/officeDocument/2006/relationships" xmlns:p="http://schemas.openxmlformats.org/presentationml/2006/main">
+  <p:cSld>
+    <p:spTree>
+      <p:nvGrpSpPr>
+        <p:cNvPr id="1" name=""/>
+        <p:cNvGrpSpPr/>
+        <p:nvPr/>
+      </p:nvGrpSpPr>
+      <p:grpSpPr>
+        <a:xfrm>
+          <a:off x="0" y="0"/>
+          <a:ext cx="0" cy="0"/>
+          <a:chOff x="0" y="0"/>
+          <a:chExt cx="0" cy="0"/>
+        </a:xfrm>
+      </p:grpSpPr>
+      <p:sp>
+        <p:nvSpPr>
+          <p:cNvPr id="2" name="标题 1"/>
+          <p:cNvSpPr>
+            <a:spLocks noGrp="1"/>
+          </p:cNvSpPr>
+          <p:nvPr>
+            <p:ph type="title"/>
+          </p:nvPr>
+        </p:nvSpPr>
+        <p:spPr/>
+        <p:txBody>
+          <a:bodyPr/>
+          <a:lstStyle/>
+          <a:p>
+            <a:r>
+              <a:rPr lang="zh-CN" altLang="en-US" dirty="0" smtClean="0"/>
+              <a:t>参考文献</a:t>
+            </a:r>
+            <a:endParaRPr lang="zh-CN" altLang="en-US" dirty="0"/>
+          </a:p>
+        </p:txBody>
+      </p:sp>
+      <p:sp>
+        <p:nvSpPr>
+          <p:cNvPr id="3" name="内容占位符 2"/>
+          <p:cNvSpPr>
+            <a:spLocks noGrp="1"/>
+          </p:cNvSpPr>
+          <p:nvPr>
+            <p:ph idx="1"/>
+          </p:nvPr>
+        </p:nvSpPr>
+        <p:spPr/>
+        <p:txBody>
+          <a:bodyPr/>
+          <a:lstStyle/>
+          <a:p>
+            <a:r>
+              <a:rPr lang="zh-CN" altLang="zh-CN" dirty="0"/>
+              <a:t>电动机短时过载容量</a:t>
+            </a:r>
+            <a:r>
+              <a:rPr lang="zh-CN" altLang="zh-CN" dirty="0" smtClean="0"/>
+              <a:t>计算</a:t>
+            </a:r>
+            <a:endParaRPr lang="en-US" altLang="zh-CN" dirty="0" smtClean="0"/>
+          </a:p>
+          <a:p>
+            <a:r>
+              <a:rPr lang="en-US" altLang="zh-CN" dirty="0" smtClean="0"/>
+              <a:t>MAXON</a:t>
+            </a:r>
+            <a:r>
+              <a:rPr lang="zh-CN" altLang="en-US" dirty="0" smtClean="0"/>
+              <a:t>电机手册</a:t>
+            </a:r>
+            <a:endParaRPr lang="en-US" altLang="zh-CN" dirty="0" smtClean="0"/>
+          </a:p>
+          <a:p>
+            <a:endParaRPr lang="zh-CN" altLang="zh-CN" dirty="0"/>
+          </a:p>
+          <a:p>
+            <a:endParaRPr lang="zh-CN" altLang="en-US" dirty="0"/>
+          </a:p>
+        </p:txBody>
+      </p:sp>
+      <p:sp>
+        <p:nvSpPr>
+          <p:cNvPr id="4" name="日期占位符 3"/>
+          <p:cNvSpPr>
+            <a:spLocks noGrp="1"/>
+          </p:cNvSpPr>
+          <p:nvPr>
+            <p:ph type="dt" sz="half" idx="10"/>
+          </p:nvPr>
+        </p:nvSpPr>
+        <p:spPr/>
+        <p:txBody>
+          <a:bodyPr/>
+          <a:lstStyle/>
+          <a:p>
+            <a:fld id="{09AB9B90-079F-4C02-96FD-F237FBA298D6}" type="datetime1">
+              <a:rPr lang="zh-CN" altLang="en-US" smtClean="0"/>
+              <a:t>2016/10/9</a:t>
+            </a:fld>
+            <a:endParaRPr lang="zh-CN" altLang="en-US"/>
+          </a:p>
+        </p:txBody>
+      </p:sp>
+      <p:sp>
+        <p:nvSpPr>
+          <p:cNvPr id="5" name="页脚占位符 4"/>
+          <p:cNvSpPr>
+            <a:spLocks noGrp="1"/>
+          </p:cNvSpPr>
+          <p:nvPr>
+            <p:ph type="ftr" sz="quarter" idx="11"/>
+          </p:nvPr>
+        </p:nvSpPr>
+        <p:spPr/>
+        <p:txBody>
+          <a:bodyPr/>
+          <a:lstStyle/>
+          <a:p>
+            <a:r>
+              <a:rPr lang="zh-CN" altLang="en-US" smtClean="0"/>
+              <a:t>艾克申机器人出品</a:t>
+            </a:r>
+            <a:endParaRPr lang="zh-CN" altLang="en-US"/>
+          </a:p>
+        </p:txBody>
+      </p:sp>
+      <p:sp>
+        <p:nvSpPr>
+          <p:cNvPr id="6" name="灯片编号占位符 5"/>
+          <p:cNvSpPr>
+            <a:spLocks noGrp="1"/>
+          </p:cNvSpPr>
+          <p:nvPr>
+            <p:ph type="sldNum" sz="quarter" idx="12"/>
+          </p:nvPr>
+        </p:nvSpPr>
+        <p:spPr/>
+        <p:txBody>
+          <a:bodyPr/>
+          <a:lstStyle/>
+          <a:p>
+            <a:fld id="{EE00FA2F-700A-4C2D-87BB-7F963A8CB484}" type="slidenum">
+              <a:rPr lang="zh-CN" altLang="en-US" smtClean="0"/>
+              <a:t>25</a:t>
+            </a:fld>
+            <a:endParaRPr lang="zh-CN" altLang="en-US"/>
+          </a:p>
+        </p:txBody>
+      </p:sp>
+    </p:spTree>
+    <p:extLst>
+      <p:ext uri="{BB962C8B-B14F-4D97-AF65-F5344CB8AC3E}">
+        <p14:creationId xmlns:p14="http://schemas.microsoft.com/office/powerpoint/2010/main" val="738409921"/>
+      </p:ext>
+    </p:extLst>
+  </p:cSld>
+  <p:clrMapOvr>
+    <a:masterClrMapping/>
+  </p:clrMapOvr>
 </p:sld>
 </file>
 
@@ -9041,8 +11980,8 @@
           </a:p>
         </p:txBody>
       </p:sp>
-      <mc:AlternateContent xmlns:mc="http://schemas.openxmlformats.org/markup-compatibility/2006">
-        <mc:Choice xmlns:a14="http://schemas.microsoft.com/office/drawing/2010/main" Requires="a14">
+      <mc:AlternateContent xmlns:mc="http://schemas.openxmlformats.org/markup-compatibility/2006" xmlns:a14="http://schemas.microsoft.com/office/drawing/2010/main">
+        <mc:Choice Requires="a14">
           <p:sp>
             <p:nvSpPr>
               <p:cNvPr id="3" name="内容占位符 2"/>
@@ -9230,11 +12169,7 @@
                 </a:r>
                 <a:r>
                   <a:rPr lang="zh-CN" altLang="en-US" dirty="0" smtClean="0"/>
-                  <a:t>空载电流</a:t>
-                </a:r>
-                <a:r>
-                  <a:rPr lang="zh-CN" altLang="en-US" dirty="0" smtClean="0"/>
-                  <a:t>（</a:t>
+                  <a:t>空载电流（</a:t>
                 </a:r>
                 <a14:m>
                   <m:oMath xmlns:m="http://schemas.openxmlformats.org/officeDocument/2006/math">
@@ -9316,11 +12251,7 @@
                 </a:r>
                 <a:r>
                   <a:rPr lang="zh-CN" altLang="en-US" dirty="0" smtClean="0"/>
-                  <a:t>额定转速</a:t>
-                </a:r>
-                <a:r>
-                  <a:rPr lang="zh-CN" altLang="en-US" dirty="0" smtClean="0"/>
-                  <a:t>（</a:t>
+                  <a:t>额定转速（</a:t>
                 </a:r>
                 <a14:m>
                   <m:oMath xmlns:m="http://schemas.openxmlformats.org/officeDocument/2006/math">
@@ -9400,7 +12331,7 @@
             </p:txBody>
           </p:sp>
         </mc:Choice>
-        <mc:Fallback>
+        <mc:Fallback xmlns="">
           <p:sp>
             <p:nvSpPr>
               <p:cNvPr id="3" name="内容占位符 2"/>
@@ -9567,8 +12498,8 @@
           </a:p>
         </p:txBody>
       </p:sp>
-      <mc:AlternateContent xmlns:mc="http://schemas.openxmlformats.org/markup-compatibility/2006">
-        <mc:Choice xmlns:a14="http://schemas.microsoft.com/office/drawing/2010/main" Requires="a14">
+      <mc:AlternateContent xmlns:mc="http://schemas.openxmlformats.org/markup-compatibility/2006" xmlns:a14="http://schemas.microsoft.com/office/drawing/2010/main">
+        <mc:Choice Requires="a14">
           <p:sp>
             <p:nvSpPr>
               <p:cNvPr id="3" name="内容占位符 2"/>
@@ -9778,11 +12709,7 @@
                 </a:r>
                 <a:r>
                   <a:rPr lang="zh-CN" altLang="en-US" dirty="0" smtClean="0"/>
-                  <a:t>堵转转矩</a:t>
-                </a:r>
-                <a:r>
-                  <a:rPr lang="zh-CN" altLang="en-US" dirty="0" smtClean="0"/>
-                  <a:t>（</a:t>
+                  <a:t>堵转转矩（</a:t>
                 </a:r>
                 <a14:m>
                   <m:oMath xmlns:m="http://schemas.openxmlformats.org/officeDocument/2006/math">
@@ -9874,11 +12801,7 @@
                 </a:r>
                 <a:r>
                   <a:rPr lang="zh-CN" altLang="en-US" dirty="0" smtClean="0"/>
-                  <a:t>堵转电流</a:t>
-                </a:r>
-                <a:r>
-                  <a:rPr lang="zh-CN" altLang="en-US" dirty="0" smtClean="0"/>
-                  <a:t>（</a:t>
+                  <a:t>堵转电流（</a:t>
                 </a:r>
                 <a14:m>
                   <m:oMath xmlns:m="http://schemas.openxmlformats.org/officeDocument/2006/math">
@@ -9950,7 +12873,7 @@
             </p:txBody>
           </p:sp>
         </mc:Choice>
-        <mc:Fallback>
+        <mc:Fallback xmlns="">
           <p:sp>
             <p:nvSpPr>
               <p:cNvPr id="3" name="内容占位符 2"/>
@@ -10117,8 +13040,8 @@
           </a:p>
         </p:txBody>
       </p:sp>
-      <mc:AlternateContent xmlns:mc="http://schemas.openxmlformats.org/markup-compatibility/2006">
-        <mc:Choice xmlns:a14="http://schemas.microsoft.com/office/drawing/2010/main" Requires="a14">
+      <mc:AlternateContent xmlns:mc="http://schemas.openxmlformats.org/markup-compatibility/2006" xmlns:a14="http://schemas.microsoft.com/office/drawing/2010/main">
+        <mc:Choice Requires="a14">
           <p:sp>
             <p:nvSpPr>
               <p:cNvPr id="3" name="内容占位符 2"/>
@@ -10274,11 +13197,7 @@
                 </a:r>
                 <a:r>
                   <a:rPr lang="en-US" altLang="zh-CN" dirty="0" smtClean="0"/>
-                  <a:t>0.299</a:t>
-                </a:r>
-                <a:r>
-                  <a:rPr lang="en-US" altLang="zh-CN" dirty="0" smtClean="0"/>
-                  <a:t> </a:t>
+                  <a:t>0.299 </a:t>
                 </a:r>
                 <a14:m>
                   <m:oMath xmlns:m="http://schemas.openxmlformats.org/officeDocument/2006/math">
@@ -10394,11 +13313,7 @@
                 </a:r>
                 <a:r>
                   <a:rPr lang="zh-CN" altLang="en-US" dirty="0" smtClean="0"/>
-                  <a:t>转矩常数</a:t>
-                </a:r>
-                <a:r>
-                  <a:rPr lang="zh-CN" altLang="en-US" dirty="0" smtClean="0"/>
-                  <a:t>（</a:t>
+                  <a:t>转矩常数（</a:t>
                 </a:r>
                 <a14:m>
                   <m:oMath xmlns:m="http://schemas.openxmlformats.org/officeDocument/2006/math">
@@ -10485,7 +13400,7 @@
             </p:txBody>
           </p:sp>
         </mc:Choice>
-        <mc:Fallback>
+        <mc:Fallback xmlns="">
           <p:sp>
             <p:nvSpPr>
               <p:cNvPr id="3" name="内容占位符 2"/>
@@ -10652,8 +13567,8 @@
           </a:p>
         </p:txBody>
       </p:sp>
-      <mc:AlternateContent xmlns:mc="http://schemas.openxmlformats.org/markup-compatibility/2006">
-        <mc:Choice xmlns:a14="http://schemas.microsoft.com/office/drawing/2010/main" Requires="a14">
+      <mc:AlternateContent xmlns:mc="http://schemas.openxmlformats.org/markup-compatibility/2006" xmlns:a14="http://schemas.microsoft.com/office/drawing/2010/main">
+        <mc:Choice Requires="a14">
           <p:sp>
             <p:nvSpPr>
               <p:cNvPr id="3" name="内容占位符 2"/>
@@ -10934,11 +13849,7 @@
                 </a:r>
                 <a:r>
                   <a:rPr lang="zh-CN" altLang="en-US" dirty="0" smtClean="0"/>
-                  <a:t>机械时间常数</a:t>
-                </a:r>
-                <a:r>
-                  <a:rPr lang="zh-CN" altLang="en-US" dirty="0" smtClean="0"/>
-                  <a:t>（</a:t>
+                  <a:t>机械时间常数（</a:t>
                 </a:r>
                 <a14:m>
                   <m:oMath xmlns:m="http://schemas.openxmlformats.org/officeDocument/2006/math">
@@ -11040,11 +13951,7 @@
                 </a:r>
                 <a:r>
                   <a:rPr lang="zh-CN" altLang="en-US" dirty="0" smtClean="0"/>
-                  <a:t>转子惯量</a:t>
-                </a:r>
-                <a:r>
-                  <a:rPr lang="zh-CN" altLang="en-US" dirty="0" smtClean="0"/>
-                  <a:t>（</a:t>
+                  <a:t>转子惯量（</a:t>
                 </a:r>
                 <a14:m>
                   <m:oMath xmlns:m="http://schemas.openxmlformats.org/officeDocument/2006/math">
@@ -11144,7 +14051,7 @@
             </p:txBody>
           </p:sp>
         </mc:Choice>
-        <mc:Fallback>
+        <mc:Fallback xmlns="">
           <p:sp>
             <p:nvSpPr>
               <p:cNvPr id="3" name="内容占位符 2"/>
@@ -11311,8 +14218,8 @@
           </a:p>
         </p:txBody>
       </p:sp>
-      <mc:AlternateContent xmlns:mc="http://schemas.openxmlformats.org/markup-compatibility/2006">
-        <mc:Choice xmlns:a14="http://schemas.microsoft.com/office/drawing/2010/main" Requires="a14">
+      <mc:AlternateContent xmlns:mc="http://schemas.openxmlformats.org/markup-compatibility/2006" xmlns:a14="http://schemas.microsoft.com/office/drawing/2010/main">
+        <mc:Choice Requires="a14">
           <p:sp>
             <p:nvSpPr>
               <p:cNvPr id="3" name="内容占位符 2"/>
@@ -11381,13 +14288,7 @@
                           <a:rPr lang="en-US" altLang="zh-CN" b="0" i="1" smtClean="0">
                             <a:latin typeface="Cambria Math" panose="02040503050406030204" pitchFamily="18" charset="0"/>
                           </a:rPr>
-                          <m:t>2</m:t>
-                        </m:r>
-                        <m:r>
-                          <a:rPr lang="en-US" altLang="zh-CN" b="0" i="1" smtClean="0">
-                            <a:latin typeface="Cambria Math" panose="02040503050406030204" pitchFamily="18" charset="0"/>
-                          </a:rPr>
-                          <m:t> </m:t>
+                          <m:t>2 </m:t>
                         </m:r>
                       </m:sub>
                     </m:sSub>
@@ -11498,13 +14399,7 @@
                           <a:rPr lang="en-US" altLang="zh-CN" b="0" i="1" smtClean="0">
                             <a:latin typeface="Cambria Math" panose="02040503050406030204" pitchFamily="18" charset="0"/>
                           </a:rPr>
-                          <m:t>1</m:t>
-                        </m:r>
-                        <m:r>
-                          <a:rPr lang="en-US" altLang="zh-CN" b="0" i="1" smtClean="0">
-                            <a:latin typeface="Cambria Math" panose="02040503050406030204" pitchFamily="18" charset="0"/>
-                          </a:rPr>
-                          <m:t> </m:t>
+                          <m:t>1 </m:t>
                         </m:r>
                       </m:sub>
                     </m:sSub>
@@ -11727,7 +14622,7 @@
             </p:txBody>
           </p:sp>
         </mc:Choice>
-        <mc:Fallback>
+        <mc:Fallback xmlns="">
           <p:sp>
             <p:nvSpPr>
               <p:cNvPr id="3" name="内容占位符 2"/>
@@ -11894,8 +14789,8 @@
           </a:p>
         </p:txBody>
       </p:sp>
-      <mc:AlternateContent xmlns:mc="http://schemas.openxmlformats.org/markup-compatibility/2006">
-        <mc:Choice xmlns:a14="http://schemas.microsoft.com/office/drawing/2010/main" Requires="a14">
+      <mc:AlternateContent xmlns:mc="http://schemas.openxmlformats.org/markup-compatibility/2006" xmlns:a14="http://schemas.microsoft.com/office/drawing/2010/main">
+        <mc:Choice Requires="a14">
           <p:sp>
             <p:nvSpPr>
               <p:cNvPr id="3" name="内容占位符 2"/>
@@ -12042,19 +14937,11 @@
                 </a:pPr>
                 <a:r>
                   <a:rPr lang="en-US" altLang="zh-CN" dirty="0" smtClean="0"/>
-                  <a:t>23</a:t>
-                </a:r>
-                <a:r>
-                  <a:rPr lang="en-US" altLang="zh-CN" dirty="0" smtClean="0"/>
-                  <a:t>.</a:t>
+                  <a:t>23.</a:t>
                 </a:r>
                 <a:r>
                   <a:rPr lang="zh-CN" altLang="en-US" dirty="0" smtClean="0"/>
-                  <a:t>最高允许转速</a:t>
-                </a:r>
-                <a:r>
-                  <a:rPr lang="zh-CN" altLang="en-US" dirty="0" smtClean="0"/>
-                  <a:t>（</a:t>
+                  <a:t>最高允许转速（</a:t>
                 </a:r>
                 <a14:m>
                   <m:oMath xmlns:m="http://schemas.openxmlformats.org/officeDocument/2006/math">
@@ -12149,11 +15036,7 @@
                 </a:r>
                 <a:r>
                   <a:rPr lang="zh-CN" altLang="en-US" dirty="0" smtClean="0"/>
-                  <a:t>向间隙</a:t>
-                </a:r>
-                <a:r>
-                  <a:rPr lang="zh-CN" altLang="en-US" dirty="0" smtClean="0"/>
-                  <a:t>（</a:t>
+                  <a:t>向间隙（</a:t>
                 </a:r>
                 <a14:m>
                   <m:oMath xmlns:m="http://schemas.openxmlformats.org/officeDocument/2006/math">
@@ -12205,7 +15088,7 @@
             </p:txBody>
           </p:sp>
         </mc:Choice>
-        <mc:Fallback>
+        <mc:Fallback xmlns="">
           <p:sp>
             <p:nvSpPr>
               <p:cNvPr id="3" name="内容占位符 2"/>
@@ -12372,8 +15255,8 @@
           </a:p>
         </p:txBody>
       </p:sp>
-      <mc:AlternateContent xmlns:mc="http://schemas.openxmlformats.org/markup-compatibility/2006">
-        <mc:Choice xmlns:a14="http://schemas.microsoft.com/office/drawing/2010/main" Requires="a14">
+      <mc:AlternateContent xmlns:mc="http://schemas.openxmlformats.org/markup-compatibility/2006" xmlns:a14="http://schemas.microsoft.com/office/drawing/2010/main">
+        <mc:Choice Requires="a14">
           <p:sp>
             <p:nvSpPr>
               <p:cNvPr id="3" name="内容占位符 2"/>
@@ -12510,19 +15393,11 @@
                 </a:pPr>
                 <a:r>
                   <a:rPr lang="en-US" altLang="zh-CN" dirty="0" smtClean="0"/>
-                  <a:t>27</a:t>
-                </a:r>
-                <a:r>
-                  <a:rPr lang="en-US" altLang="zh-CN" dirty="0" smtClean="0"/>
-                  <a:t>.</a:t>
+                  <a:t>27.</a:t>
                 </a:r>
                 <a:r>
                   <a:rPr lang="zh-CN" altLang="en-US" dirty="0" smtClean="0"/>
-                  <a:t>最大允许安装力</a:t>
-                </a:r>
-                <a:r>
-                  <a:rPr lang="zh-CN" altLang="en-US" dirty="0" smtClean="0"/>
-                  <a:t>（</a:t>
+                  <a:t>最大允许安装力（</a:t>
                 </a:r>
                 <a14:m>
                   <m:oMath xmlns:m="http://schemas.openxmlformats.org/officeDocument/2006/math">
@@ -12577,15 +15452,7 @@
                 </a:r>
                 <a:r>
                   <a:rPr lang="zh-CN" altLang="en-US" dirty="0" smtClean="0"/>
-                  <a:t>最大</a:t>
-                </a:r>
-                <a:r>
-                  <a:rPr lang="zh-CN" altLang="en-US" dirty="0" smtClean="0"/>
-                  <a:t>径向载荷</a:t>
-                </a:r>
-                <a:r>
-                  <a:rPr lang="zh-CN" altLang="en-US" dirty="0" smtClean="0"/>
-                  <a:t>（</a:t>
+                  <a:t>最大径向载荷（</a:t>
                 </a:r>
                 <a14:m>
                   <m:oMath xmlns:m="http://schemas.openxmlformats.org/officeDocument/2006/math">
@@ -12642,7 +15509,7 @@
             </p:txBody>
           </p:sp>
         </mc:Choice>
-        <mc:Fallback>
+        <mc:Fallback xmlns="">
           <p:sp>
             <p:nvSpPr>
               <p:cNvPr id="3" name="内容占位符 2"/>
